--- a/deliverables/PDIS/second delivery/Autotuning Parallel Application in Heterogeneous Systems.pptx
+++ b/deliverables/PDIS/second delivery/Autotuning Parallel Application in Heterogeneous Systems.pptx
@@ -5,7 +5,7 @@
     <p:sldMasterId id="2147483648" r:id="rId1"/>
   </p:sldMasterIdLst>
   <p:notesMasterIdLst>
-    <p:notesMasterId r:id="rId21"/>
+    <p:notesMasterId r:id="rId20"/>
   </p:notesMasterIdLst>
   <p:sldIdLst>
     <p:sldId id="256" r:id="rId2"/>
@@ -15,18 +15,17 @@
     <p:sldId id="264" r:id="rId6"/>
     <p:sldId id="265" r:id="rId7"/>
     <p:sldId id="266" r:id="rId8"/>
-    <p:sldId id="268" r:id="rId9"/>
-    <p:sldId id="270" r:id="rId10"/>
-    <p:sldId id="259" r:id="rId11"/>
-    <p:sldId id="260" r:id="rId12"/>
-    <p:sldId id="271" r:id="rId13"/>
-    <p:sldId id="275" r:id="rId14"/>
-    <p:sldId id="272" r:id="rId15"/>
-    <p:sldId id="273" r:id="rId16"/>
-    <p:sldId id="276" r:id="rId17"/>
-    <p:sldId id="262" r:id="rId18"/>
-    <p:sldId id="274" r:id="rId19"/>
-    <p:sldId id="261" r:id="rId20"/>
+    <p:sldId id="270" r:id="rId9"/>
+    <p:sldId id="259" r:id="rId10"/>
+    <p:sldId id="260" r:id="rId11"/>
+    <p:sldId id="271" r:id="rId12"/>
+    <p:sldId id="275" r:id="rId13"/>
+    <p:sldId id="272" r:id="rId14"/>
+    <p:sldId id="273" r:id="rId15"/>
+    <p:sldId id="276" r:id="rId16"/>
+    <p:sldId id="262" r:id="rId17"/>
+    <p:sldId id="274" r:id="rId18"/>
+    <p:sldId id="261" r:id="rId19"/>
   </p:sldIdLst>
   <p:sldSz cx="12192000" cy="6858000"/>
   <p:notesSz cx="7099300" cy="10234613"/>
@@ -5361,19 +5360,7 @@
           </a:r>
           <a:r>
             <a:rPr lang="pt-PT" dirty="0" smtClean="0"/>
-            <a:t> Speed </a:t>
-          </a:r>
-          <a:r>
-            <a:rPr lang="pt-PT" dirty="0" err="1" smtClean="0"/>
-            <a:t>up’s</a:t>
-          </a:r>
-          <a:r>
-            <a:rPr lang="pt-PT" dirty="0" smtClean="0"/>
-            <a:t> </a:t>
-          </a:r>
-          <a:r>
-            <a:rPr lang="pt-PT" dirty="0" err="1" smtClean="0"/>
-            <a:t>impact</a:t>
+            <a:t> Speed</a:t>
           </a:r>
           <a:endParaRPr lang="pt-PT" dirty="0"/>
         </a:p>
@@ -5401,7 +5388,7 @@
         </a:p>
       </dgm:t>
     </dgm:pt>
-    <dgm:pt modelId="{06E648A9-1FB4-42C7-AA35-A043387A0AE8}">
+    <dgm:pt modelId="{7344B3A3-8EE0-4DA6-987A-808AD7580C54}">
       <dgm:prSet phldrT="[Texto]"/>
       <dgm:spPr/>
       <dgm:t>
@@ -5409,14 +5396,20 @@
         <a:lstStyle/>
         <a:p>
           <a:r>
-            <a:rPr lang="pt-PT" dirty="0" err="1" smtClean="0"/>
-            <a:t>Kismet</a:t>
+            <a:rPr lang="pt-PT" b="0" dirty="0" smtClean="0"/>
+            <a:t>Expert </a:t>
           </a:r>
-          <a:endParaRPr lang="pt-PT" dirty="0"/>
+          <a:r>
+            <a:rPr lang="pt-PT" b="0" dirty="0" err="1" smtClean="0">
+              <a:latin typeface="Constantia" panose="02030602050306030303" pitchFamily="18" charset="0"/>
+            </a:rPr>
+            <a:t>Parallelization</a:t>
+          </a:r>
+          <a:endParaRPr lang="pt-PT" b="0" dirty="0"/>
         </a:p>
       </dgm:t>
     </dgm:pt>
-    <dgm:pt modelId="{4705B431-18E6-41A1-BB2B-F40324621877}" type="parTrans" cxnId="{C17F2EEF-E0FD-443C-8AE0-BD0ADA62ADB8}">
+    <dgm:pt modelId="{BCA583D8-17B2-4DE8-A066-A22EE5C6E5DD}" type="parTrans" cxnId="{428EEEC0-DA6A-4F38-B6C3-2FFE6305D43A}">
       <dgm:prSet/>
       <dgm:spPr/>
       <dgm:t>
@@ -5427,7 +5420,7 @@
         </a:p>
       </dgm:t>
     </dgm:pt>
-    <dgm:pt modelId="{BE58EB4C-463A-4C18-A1F4-31393DEB45BF}" type="sibTrans" cxnId="{C17F2EEF-E0FD-443C-8AE0-BD0ADA62ADB8}">
+    <dgm:pt modelId="{211E9B0F-5C5B-4DDC-AAFC-B13D297272A4}" type="sibTrans" cxnId="{428EEEC0-DA6A-4F38-B6C3-2FFE6305D43A}">
       <dgm:prSet/>
       <dgm:spPr/>
       <dgm:t>
@@ -5438,7 +5431,7 @@
         </a:p>
       </dgm:t>
     </dgm:pt>
-    <dgm:pt modelId="{DAA8887E-B040-494F-8D0C-548CBFBCE2E8}">
+    <dgm:pt modelId="{D33F4C25-F4DD-4BD6-970C-AF4D19117F98}">
       <dgm:prSet phldrT="[Texto]"/>
       <dgm:spPr/>
       <dgm:t>
@@ -5447,11 +5440,11 @@
         <a:p>
           <a:r>
             <a:rPr lang="pt-PT" dirty="0" smtClean="0"/>
-            <a:t>Speed </a:t>
+            <a:t>Manual </a:t>
           </a:r>
           <a:r>
             <a:rPr lang="pt-PT" dirty="0" err="1" smtClean="0"/>
-            <a:t>up</a:t>
+            <a:t>Code</a:t>
           </a:r>
           <a:r>
             <a:rPr lang="pt-PT" dirty="0" smtClean="0"/>
@@ -5459,29 +5452,13 @@
           </a:r>
           <a:r>
             <a:rPr lang="pt-PT" dirty="0" err="1" smtClean="0"/>
-            <a:t>Estimation</a:t>
-          </a:r>
-          <a:r>
-            <a:rPr lang="pt-PT" dirty="0" smtClean="0"/>
-            <a:t> for a non-</a:t>
-          </a:r>
-          <a:r>
-            <a:rPr lang="pt-PT" dirty="0" err="1" smtClean="0"/>
-            <a:t>paralled</a:t>
-          </a:r>
-          <a:r>
-            <a:rPr lang="pt-PT" dirty="0" smtClean="0"/>
-            <a:t> </a:t>
-          </a:r>
-          <a:r>
-            <a:rPr lang="pt-PT" dirty="0" err="1" smtClean="0"/>
-            <a:t>code</a:t>
+            <a:t>modifications</a:t>
           </a:r>
           <a:endParaRPr lang="pt-PT" dirty="0"/>
         </a:p>
       </dgm:t>
     </dgm:pt>
-    <dgm:pt modelId="{814FD3B4-4B5A-4E5B-BC80-5558393EFC9D}" type="parTrans" cxnId="{CCB84346-58B8-4EF8-9085-04D4BA0730F2}">
+    <dgm:pt modelId="{260123C0-C2A8-4885-8BD3-B3D318C7A88D}" type="parTrans" cxnId="{8D64EE54-84CC-42D7-B31D-7B1742C2F379}">
       <dgm:prSet/>
       <dgm:spPr/>
       <dgm:t>
@@ -5492,77 +5469,7 @@
         </a:p>
       </dgm:t>
     </dgm:pt>
-    <dgm:pt modelId="{932DC5AE-2263-48E4-843D-3434E4BEC54D}" type="sibTrans" cxnId="{CCB84346-58B8-4EF8-9085-04D4BA0730F2}">
-      <dgm:prSet/>
-      <dgm:spPr/>
-      <dgm:t>
-        <a:bodyPr/>
-        <a:lstStyle/>
-        <a:p>
-          <a:endParaRPr lang="pt-PT"/>
-        </a:p>
-      </dgm:t>
-    </dgm:pt>
-    <dgm:pt modelId="{A86A849C-22AC-4411-B104-0246A00908AD}">
-      <dgm:prSet phldrT="[Texto]"/>
-      <dgm:spPr/>
-      <dgm:t>
-        <a:bodyPr/>
-        <a:lstStyle/>
-        <a:p>
-          <a:r>
-            <a:rPr lang="pt-PT" dirty="0" smtClean="0"/>
-            <a:t>Argo</a:t>
-          </a:r>
-          <a:endParaRPr lang="pt-PT" dirty="0"/>
-        </a:p>
-      </dgm:t>
-    </dgm:pt>
-    <dgm:pt modelId="{7A77F183-84C1-4ED4-ADEB-0E877501B883}" type="parTrans" cxnId="{629C9C26-6709-4824-BBE9-B3BF4F2F6114}">
-      <dgm:prSet/>
-      <dgm:spPr/>
-      <dgm:t>
-        <a:bodyPr/>
-        <a:lstStyle/>
-        <a:p>
-          <a:endParaRPr lang="pt-PT"/>
-        </a:p>
-      </dgm:t>
-    </dgm:pt>
-    <dgm:pt modelId="{FF2B9A9C-E2D1-4DCB-8070-20244CF2B32F}" type="sibTrans" cxnId="{629C9C26-6709-4824-BBE9-B3BF4F2F6114}">
-      <dgm:prSet/>
-      <dgm:spPr/>
-      <dgm:t>
-        <a:bodyPr/>
-        <a:lstStyle/>
-        <a:p>
-          <a:endParaRPr lang="pt-PT"/>
-        </a:p>
-      </dgm:t>
-    </dgm:pt>
-    <dgm:pt modelId="{82BA115D-963F-40C1-8609-B9CF3742A779}">
-      <dgm:prSet phldrT="[Texto]"/>
-      <dgm:spPr/>
-      <dgm:t>
-        <a:bodyPr/>
-        <a:lstStyle/>
-        <a:p>
-          <a:endParaRPr lang="pt-PT" dirty="0"/>
-        </a:p>
-      </dgm:t>
-    </dgm:pt>
-    <dgm:pt modelId="{EEECAB97-3C85-4344-81EF-34C4BCECAF08}" type="parTrans" cxnId="{2A0FA150-A62C-418E-8DCF-7E66C50A38B6}">
-      <dgm:prSet/>
-      <dgm:spPr/>
-      <dgm:t>
-        <a:bodyPr/>
-        <a:lstStyle/>
-        <a:p>
-          <a:endParaRPr lang="pt-PT"/>
-        </a:p>
-      </dgm:t>
-    </dgm:pt>
-    <dgm:pt modelId="{84735EB7-D469-434F-B670-08943B5BA83E}" type="sibTrans" cxnId="{2A0FA150-A62C-418E-8DCF-7E66C50A38B6}">
+    <dgm:pt modelId="{771C092C-CFE9-4FFB-82F3-3D77ABDEE1E7}" type="sibTrans" cxnId="{8D64EE54-84CC-42D7-B31D-7B1742C2F379}">
       <dgm:prSet/>
       <dgm:spPr/>
       <dgm:t>
@@ -5582,13 +5489,20 @@
         </dgm:presLayoutVars>
       </dgm:prSet>
       <dgm:spPr/>
+      <dgm:t>
+        <a:bodyPr/>
+        <a:lstStyle/>
+        <a:p>
+          <a:endParaRPr lang="pt-PT"/>
+        </a:p>
+      </dgm:t>
     </dgm:pt>
     <dgm:pt modelId="{C3A7E788-25DF-42E4-862A-F86FD8573A41}" type="pres">
       <dgm:prSet presAssocID="{C45F25D6-4F11-4CC7-8141-1F0D1DF32D5A}" presName="composite" presStyleCnt="0"/>
       <dgm:spPr/>
     </dgm:pt>
     <dgm:pt modelId="{16C7BD3E-6A90-4451-A643-8656F974031B}" type="pres">
-      <dgm:prSet presAssocID="{C45F25D6-4F11-4CC7-8141-1F0D1DF32D5A}" presName="parTx" presStyleLbl="alignNode1" presStyleIdx="0" presStyleCnt="3">
+      <dgm:prSet presAssocID="{C45F25D6-4F11-4CC7-8141-1F0D1DF32D5A}" presName="parTx" presStyleLbl="alignNode1" presStyleIdx="0" presStyleCnt="2" custLinFactNeighborY="-4930">
         <dgm:presLayoutVars>
           <dgm:chMax val="0"/>
           <dgm:chPref val="0"/>
@@ -5605,7 +5519,7 @@
       </dgm:t>
     </dgm:pt>
     <dgm:pt modelId="{2EE05553-D9C6-4E60-A1DF-BAC1A3A65EDA}" type="pres">
-      <dgm:prSet presAssocID="{C45F25D6-4F11-4CC7-8141-1F0D1DF32D5A}" presName="desTx" presStyleLbl="alignAccFollowNode1" presStyleIdx="0" presStyleCnt="3">
+      <dgm:prSet presAssocID="{C45F25D6-4F11-4CC7-8141-1F0D1DF32D5A}" presName="desTx" presStyleLbl="alignAccFollowNode1" presStyleIdx="0" presStyleCnt="2">
         <dgm:presLayoutVars>
           <dgm:bulletEnabled val="1"/>
         </dgm:presLayoutVars>
@@ -5623,45 +5537,12 @@
       <dgm:prSet presAssocID="{31BB62C9-D5BB-47CF-9380-A7ACB4317511}" presName="space" presStyleCnt="0"/>
       <dgm:spPr/>
     </dgm:pt>
-    <dgm:pt modelId="{27AF113F-36A4-4C75-81B1-5D7596052216}" type="pres">
-      <dgm:prSet presAssocID="{06E648A9-1FB4-42C7-AA35-A043387A0AE8}" presName="composite" presStyleCnt="0"/>
+    <dgm:pt modelId="{8C1E28DA-76A9-446D-B440-681402423D1F}" type="pres">
+      <dgm:prSet presAssocID="{7344B3A3-8EE0-4DA6-987A-808AD7580C54}" presName="composite" presStyleCnt="0"/>
       <dgm:spPr/>
     </dgm:pt>
-    <dgm:pt modelId="{926EE498-D7E7-4127-8277-D91AB47B3CAA}" type="pres">
-      <dgm:prSet presAssocID="{06E648A9-1FB4-42C7-AA35-A043387A0AE8}" presName="parTx" presStyleLbl="alignNode1" presStyleIdx="1" presStyleCnt="3">
-        <dgm:presLayoutVars>
-          <dgm:chMax val="0"/>
-          <dgm:chPref val="0"/>
-          <dgm:bulletEnabled val="1"/>
-        </dgm:presLayoutVars>
-      </dgm:prSet>
-      <dgm:spPr/>
-    </dgm:pt>
-    <dgm:pt modelId="{A4277B13-AB57-466C-9EAB-E95D709B4E5F}" type="pres">
-      <dgm:prSet presAssocID="{06E648A9-1FB4-42C7-AA35-A043387A0AE8}" presName="desTx" presStyleLbl="alignAccFollowNode1" presStyleIdx="1" presStyleCnt="3">
-        <dgm:presLayoutVars>
-          <dgm:bulletEnabled val="1"/>
-        </dgm:presLayoutVars>
-      </dgm:prSet>
-      <dgm:spPr/>
-      <dgm:t>
-        <a:bodyPr/>
-        <a:lstStyle/>
-        <a:p>
-          <a:endParaRPr lang="pt-PT"/>
-        </a:p>
-      </dgm:t>
-    </dgm:pt>
-    <dgm:pt modelId="{A2A0F901-4CFF-4615-B95A-F41644BE2CE4}" type="pres">
-      <dgm:prSet presAssocID="{BE58EB4C-463A-4C18-A1F4-31393DEB45BF}" presName="space" presStyleCnt="0"/>
-      <dgm:spPr/>
-    </dgm:pt>
-    <dgm:pt modelId="{D0A13D79-AD6F-4897-9E4D-480ED279888E}" type="pres">
-      <dgm:prSet presAssocID="{A86A849C-22AC-4411-B104-0246A00908AD}" presName="composite" presStyleCnt="0"/>
-      <dgm:spPr/>
-    </dgm:pt>
-    <dgm:pt modelId="{2AA4D1F2-6CEE-4619-AA09-F9728FD72EC1}" type="pres">
-      <dgm:prSet presAssocID="{A86A849C-22AC-4411-B104-0246A00908AD}" presName="parTx" presStyleLbl="alignNode1" presStyleIdx="2" presStyleCnt="3">
+    <dgm:pt modelId="{17CF3988-D7C7-4E56-8A12-5EF1992E8BDF}" type="pres">
+      <dgm:prSet presAssocID="{7344B3A3-8EE0-4DA6-987A-808AD7580C54}" presName="parTx" presStyleLbl="alignNode1" presStyleIdx="1" presStyleCnt="2">
         <dgm:presLayoutVars>
           <dgm:chMax val="0"/>
           <dgm:chPref val="0"/>
@@ -5677,8 +5558,8 @@
         </a:p>
       </dgm:t>
     </dgm:pt>
-    <dgm:pt modelId="{EB43DBEE-C047-4A61-962E-C9DD0C876932}" type="pres">
-      <dgm:prSet presAssocID="{A86A849C-22AC-4411-B104-0246A00908AD}" presName="desTx" presStyleLbl="alignAccFollowNode1" presStyleIdx="2" presStyleCnt="3">
+    <dgm:pt modelId="{4FEC7AA6-2E6F-4837-A9F8-3C6458443F89}" type="pres">
+      <dgm:prSet presAssocID="{7344B3A3-8EE0-4DA6-987A-808AD7580C54}" presName="desTx" presStyleLbl="alignAccFollowNode1" presStyleIdx="1" presStyleCnt="2">
         <dgm:presLayoutVars>
           <dgm:bulletEnabled val="1"/>
         </dgm:presLayoutVars>
@@ -5694,32 +5575,24 @@
     </dgm:pt>
   </dgm:ptLst>
   <dgm:cxnLst>
+    <dgm:cxn modelId="{434CC6DC-DDAC-46C5-854C-B692BE948A85}" srcId="{FD281E23-1E46-4FA8-A5AF-92B34E673BA3}" destId="{C45F25D6-4F11-4CC7-8141-1F0D1DF32D5A}" srcOrd="0" destOrd="0" parTransId="{F25528F0-C658-4F69-BA35-2C7B4F8149FF}" sibTransId="{31BB62C9-D5BB-47CF-9380-A7ACB4317511}"/>
     <dgm:cxn modelId="{A054799D-127C-414D-A87A-423662EC7B77}" type="presOf" srcId="{C45F25D6-4F11-4CC7-8141-1F0D1DF32D5A}" destId="{16C7BD3E-6A90-4451-A643-8656F974031B}" srcOrd="0" destOrd="0" presId="urn:microsoft.com/office/officeart/2005/8/layout/hList1"/>
-    <dgm:cxn modelId="{2A0FA150-A62C-418E-8DCF-7E66C50A38B6}" srcId="{A86A849C-22AC-4411-B104-0246A00908AD}" destId="{82BA115D-963F-40C1-8609-B9CF3742A779}" srcOrd="0" destOrd="0" parTransId="{EEECAB97-3C85-4344-81EF-34C4BCECAF08}" sibTransId="{84735EB7-D469-434F-B670-08943B5BA83E}"/>
+    <dgm:cxn modelId="{8D64EE54-84CC-42D7-B31D-7B1742C2F379}" srcId="{7344B3A3-8EE0-4DA6-987A-808AD7580C54}" destId="{D33F4C25-F4DD-4BD6-970C-AF4D19117F98}" srcOrd="0" destOrd="0" parTransId="{260123C0-C2A8-4885-8BD3-B3D318C7A88D}" sibTransId="{771C092C-CFE9-4FFB-82F3-3D77ABDEE1E7}"/>
+    <dgm:cxn modelId="{FCE1EDD7-0519-4899-8162-FEB1269A6656}" type="presOf" srcId="{D33F4C25-F4DD-4BD6-970C-AF4D19117F98}" destId="{4FEC7AA6-2E6F-4837-A9F8-3C6458443F89}" srcOrd="0" destOrd="0" presId="urn:microsoft.com/office/officeart/2005/8/layout/hList1"/>
+    <dgm:cxn modelId="{428EEEC0-DA6A-4F38-B6C3-2FFE6305D43A}" srcId="{FD281E23-1E46-4FA8-A5AF-92B34E673BA3}" destId="{7344B3A3-8EE0-4DA6-987A-808AD7580C54}" srcOrd="1" destOrd="0" parTransId="{BCA583D8-17B2-4DE8-A066-A22EE5C6E5DD}" sibTransId="{211E9B0F-5C5B-4DDC-AAFC-B13D297272A4}"/>
+    <dgm:cxn modelId="{30922452-9037-4EDB-BEA4-62E883ED8233}" srcId="{C45F25D6-4F11-4CC7-8141-1F0D1DF32D5A}" destId="{0A90FD95-C9F7-4197-9EAC-0B81F05BD090}" srcOrd="1" destOrd="0" parTransId="{B38DDCA9-343E-45BF-9875-9E2FCF2A2EA0}" sibTransId="{B7D9298A-88C6-4F8D-9ADB-ADB703A6C0B2}"/>
     <dgm:cxn modelId="{39188031-2FE9-43E8-9974-79CFCE58CDA4}" srcId="{C45F25D6-4F11-4CC7-8141-1F0D1DF32D5A}" destId="{BCC7D1F9-C879-4818-9726-E8FC54E77A23}" srcOrd="0" destOrd="0" parTransId="{CC638347-33DD-4A1A-82B5-C66C8C0A5DA5}" sibTransId="{9992C00C-2B66-4DD9-AC89-AE5772B55C00}"/>
-    <dgm:cxn modelId="{CCB84346-58B8-4EF8-9085-04D4BA0730F2}" srcId="{06E648A9-1FB4-42C7-AA35-A043387A0AE8}" destId="{DAA8887E-B040-494F-8D0C-548CBFBCE2E8}" srcOrd="0" destOrd="0" parTransId="{814FD3B4-4B5A-4E5B-BC80-5558393EFC9D}" sibTransId="{932DC5AE-2263-48E4-843D-3434E4BEC54D}"/>
-    <dgm:cxn modelId="{326A9405-C26F-4B56-B352-97C90BF99C0A}" type="presOf" srcId="{82BA115D-963F-40C1-8609-B9CF3742A779}" destId="{EB43DBEE-C047-4A61-962E-C9DD0C876932}" srcOrd="0" destOrd="0" presId="urn:microsoft.com/office/officeart/2005/8/layout/hList1"/>
-    <dgm:cxn modelId="{9E8A6229-841C-40C5-AF3B-919367B63B30}" type="presOf" srcId="{DAA8887E-B040-494F-8D0C-548CBFBCE2E8}" destId="{A4277B13-AB57-466C-9EAB-E95D709B4E5F}" srcOrd="0" destOrd="0" presId="urn:microsoft.com/office/officeart/2005/8/layout/hList1"/>
+    <dgm:cxn modelId="{6AE23538-238C-4A47-82DD-445D81645054}" type="presOf" srcId="{0A90FD95-C9F7-4197-9EAC-0B81F05BD090}" destId="{2EE05553-D9C6-4E60-A1DF-BAC1A3A65EDA}" srcOrd="0" destOrd="1" presId="urn:microsoft.com/office/officeart/2005/8/layout/hList1"/>
+    <dgm:cxn modelId="{9127D692-B8F8-42B8-910C-8E57D79468B3}" type="presOf" srcId="{7344B3A3-8EE0-4DA6-987A-808AD7580C54}" destId="{17CF3988-D7C7-4E56-8A12-5EF1992E8BDF}" srcOrd="0" destOrd="0" presId="urn:microsoft.com/office/officeart/2005/8/layout/hList1"/>
+    <dgm:cxn modelId="{8295B44E-2A25-4DA4-AA56-554A06FF78F4}" type="presOf" srcId="{FD281E23-1E46-4FA8-A5AF-92B34E673BA3}" destId="{78C10086-734C-4FAC-8AC4-3EBB4CBF0D6C}" srcOrd="0" destOrd="0" presId="urn:microsoft.com/office/officeart/2005/8/layout/hList1"/>
     <dgm:cxn modelId="{0865855D-FF8D-4C5E-959E-2463501A08DE}" type="presOf" srcId="{BCC7D1F9-C879-4818-9726-E8FC54E77A23}" destId="{2EE05553-D9C6-4E60-A1DF-BAC1A3A65EDA}" srcOrd="0" destOrd="0" presId="urn:microsoft.com/office/officeart/2005/8/layout/hList1"/>
-    <dgm:cxn modelId="{434CC6DC-DDAC-46C5-854C-B692BE948A85}" srcId="{FD281E23-1E46-4FA8-A5AF-92B34E673BA3}" destId="{C45F25D6-4F11-4CC7-8141-1F0D1DF32D5A}" srcOrd="0" destOrd="0" parTransId="{F25528F0-C658-4F69-BA35-2C7B4F8149FF}" sibTransId="{31BB62C9-D5BB-47CF-9380-A7ACB4317511}"/>
-    <dgm:cxn modelId="{04DFB471-0567-43AF-9527-ABDD2D3992C6}" type="presOf" srcId="{A86A849C-22AC-4411-B104-0246A00908AD}" destId="{2AA4D1F2-6CEE-4619-AA09-F9728FD72EC1}" srcOrd="0" destOrd="0" presId="urn:microsoft.com/office/officeart/2005/8/layout/hList1"/>
-    <dgm:cxn modelId="{30922452-9037-4EDB-BEA4-62E883ED8233}" srcId="{C45F25D6-4F11-4CC7-8141-1F0D1DF32D5A}" destId="{0A90FD95-C9F7-4197-9EAC-0B81F05BD090}" srcOrd="1" destOrd="0" parTransId="{B38DDCA9-343E-45BF-9875-9E2FCF2A2EA0}" sibTransId="{B7D9298A-88C6-4F8D-9ADB-ADB703A6C0B2}"/>
-    <dgm:cxn modelId="{C17F2EEF-E0FD-443C-8AE0-BD0ADA62ADB8}" srcId="{FD281E23-1E46-4FA8-A5AF-92B34E673BA3}" destId="{06E648A9-1FB4-42C7-AA35-A043387A0AE8}" srcOrd="1" destOrd="0" parTransId="{4705B431-18E6-41A1-BB2B-F40324621877}" sibTransId="{BE58EB4C-463A-4C18-A1F4-31393DEB45BF}"/>
-    <dgm:cxn modelId="{629C9C26-6709-4824-BBE9-B3BF4F2F6114}" srcId="{FD281E23-1E46-4FA8-A5AF-92B34E673BA3}" destId="{A86A849C-22AC-4411-B104-0246A00908AD}" srcOrd="2" destOrd="0" parTransId="{7A77F183-84C1-4ED4-ADEB-0E877501B883}" sibTransId="{FF2B9A9C-E2D1-4DCB-8070-20244CF2B32F}"/>
-    <dgm:cxn modelId="{6AE23538-238C-4A47-82DD-445D81645054}" type="presOf" srcId="{0A90FD95-C9F7-4197-9EAC-0B81F05BD090}" destId="{2EE05553-D9C6-4E60-A1DF-BAC1A3A65EDA}" srcOrd="0" destOrd="1" presId="urn:microsoft.com/office/officeart/2005/8/layout/hList1"/>
-    <dgm:cxn modelId="{B38D5779-5E0A-4C83-BE9E-9A5DDA27DAA5}" type="presOf" srcId="{06E648A9-1FB4-42C7-AA35-A043387A0AE8}" destId="{926EE498-D7E7-4127-8277-D91AB47B3CAA}" srcOrd="0" destOrd="0" presId="urn:microsoft.com/office/officeart/2005/8/layout/hList1"/>
-    <dgm:cxn modelId="{8295B44E-2A25-4DA4-AA56-554A06FF78F4}" type="presOf" srcId="{FD281E23-1E46-4FA8-A5AF-92B34E673BA3}" destId="{78C10086-734C-4FAC-8AC4-3EBB4CBF0D6C}" srcOrd="0" destOrd="0" presId="urn:microsoft.com/office/officeart/2005/8/layout/hList1"/>
     <dgm:cxn modelId="{E42E7E8A-CDB7-429D-8B39-1AE89E779E89}" type="presParOf" srcId="{78C10086-734C-4FAC-8AC4-3EBB4CBF0D6C}" destId="{C3A7E788-25DF-42E4-862A-F86FD8573A41}" srcOrd="0" destOrd="0" presId="urn:microsoft.com/office/officeart/2005/8/layout/hList1"/>
     <dgm:cxn modelId="{648AD82B-AB22-4A0B-8EDB-55C3C9506E8D}" type="presParOf" srcId="{C3A7E788-25DF-42E4-862A-F86FD8573A41}" destId="{16C7BD3E-6A90-4451-A643-8656F974031B}" srcOrd="0" destOrd="0" presId="urn:microsoft.com/office/officeart/2005/8/layout/hList1"/>
     <dgm:cxn modelId="{775E7E19-F6AD-4F9C-8259-2CE6D3F9E1C7}" type="presParOf" srcId="{C3A7E788-25DF-42E4-862A-F86FD8573A41}" destId="{2EE05553-D9C6-4E60-A1DF-BAC1A3A65EDA}" srcOrd="1" destOrd="0" presId="urn:microsoft.com/office/officeart/2005/8/layout/hList1"/>
-    <dgm:cxn modelId="{45DA0A30-921C-411B-AB2B-4F8A92E3995B}" type="presParOf" srcId="{78C10086-734C-4FAC-8AC4-3EBB4CBF0D6C}" destId="{B94C47B9-1FFD-461E-B9CF-277970F12A95}" srcOrd="1" destOrd="0" presId="urn:microsoft.com/office/officeart/2005/8/layout/hList1"/>
-    <dgm:cxn modelId="{4ADF13C6-8311-412D-AEFD-592851ECA463}" type="presParOf" srcId="{78C10086-734C-4FAC-8AC4-3EBB4CBF0D6C}" destId="{27AF113F-36A4-4C75-81B1-5D7596052216}" srcOrd="2" destOrd="0" presId="urn:microsoft.com/office/officeart/2005/8/layout/hList1"/>
-    <dgm:cxn modelId="{E57A693A-5715-4F64-9549-46B5E4A3F81A}" type="presParOf" srcId="{27AF113F-36A4-4C75-81B1-5D7596052216}" destId="{926EE498-D7E7-4127-8277-D91AB47B3CAA}" srcOrd="0" destOrd="0" presId="urn:microsoft.com/office/officeart/2005/8/layout/hList1"/>
-    <dgm:cxn modelId="{71C7FFBD-A7DC-4BF1-BAE4-0610FE94BC08}" type="presParOf" srcId="{27AF113F-36A4-4C75-81B1-5D7596052216}" destId="{A4277B13-AB57-466C-9EAB-E95D709B4E5F}" srcOrd="1" destOrd="0" presId="urn:microsoft.com/office/officeart/2005/8/layout/hList1"/>
-    <dgm:cxn modelId="{78A2BB58-043A-44EA-A8FD-6C3D58AB72CF}" type="presParOf" srcId="{78C10086-734C-4FAC-8AC4-3EBB4CBF0D6C}" destId="{A2A0F901-4CFF-4615-B95A-F41644BE2CE4}" srcOrd="3" destOrd="0" presId="urn:microsoft.com/office/officeart/2005/8/layout/hList1"/>
-    <dgm:cxn modelId="{A6CA4396-A7FF-43B5-BEB1-FFD65DFF49B3}" type="presParOf" srcId="{78C10086-734C-4FAC-8AC4-3EBB4CBF0D6C}" destId="{D0A13D79-AD6F-4897-9E4D-480ED279888E}" srcOrd="4" destOrd="0" presId="urn:microsoft.com/office/officeart/2005/8/layout/hList1"/>
-    <dgm:cxn modelId="{A7461E5D-321F-4401-91CD-74A105D1665B}" type="presParOf" srcId="{D0A13D79-AD6F-4897-9E4D-480ED279888E}" destId="{2AA4D1F2-6CEE-4619-AA09-F9728FD72EC1}" srcOrd="0" destOrd="0" presId="urn:microsoft.com/office/officeart/2005/8/layout/hList1"/>
-    <dgm:cxn modelId="{940D1340-6F5D-4E36-9304-D663665A9253}" type="presParOf" srcId="{D0A13D79-AD6F-4897-9E4D-480ED279888E}" destId="{EB43DBEE-C047-4A61-962E-C9DD0C876932}" srcOrd="1" destOrd="0" presId="urn:microsoft.com/office/officeart/2005/8/layout/hList1"/>
+    <dgm:cxn modelId="{ACF022BA-945C-473B-9B17-86D724BDBDB8}" type="presParOf" srcId="{78C10086-734C-4FAC-8AC4-3EBB4CBF0D6C}" destId="{B94C47B9-1FFD-461E-B9CF-277970F12A95}" srcOrd="1" destOrd="0" presId="urn:microsoft.com/office/officeart/2005/8/layout/hList1"/>
+    <dgm:cxn modelId="{B09F1F51-7AF9-4479-8DEA-D9A32E140B3A}" type="presParOf" srcId="{78C10086-734C-4FAC-8AC4-3EBB4CBF0D6C}" destId="{8C1E28DA-76A9-446D-B440-681402423D1F}" srcOrd="2" destOrd="0" presId="urn:microsoft.com/office/officeart/2005/8/layout/hList1"/>
+    <dgm:cxn modelId="{D59E6BF2-9A02-4FFD-BA0D-8D0696E8BF34}" type="presParOf" srcId="{8C1E28DA-76A9-446D-B440-681402423D1F}" destId="{17CF3988-D7C7-4E56-8A12-5EF1992E8BDF}" srcOrd="0" destOrd="0" presId="urn:microsoft.com/office/officeart/2005/8/layout/hList1"/>
+    <dgm:cxn modelId="{78BAC370-480E-4038-B2DC-2756C6DAF102}" type="presParOf" srcId="{8C1E28DA-76A9-446D-B440-681402423D1F}" destId="{4FEC7AA6-2E6F-4837-A9F8-3C6458443F89}" srcOrd="1" destOrd="0" presId="urn:microsoft.com/office/officeart/2005/8/layout/hList1"/>
   </dgm:cxnLst>
   <dgm:bg/>
   <dgm:whole/>
@@ -5751,7 +5624,15 @@
           </a:r>
           <a:r>
             <a:rPr lang="pt-PT" dirty="0" smtClean="0"/>
-            <a:t> softwares’ uses </a:t>
+            <a:t> </a:t>
+          </a:r>
+          <a:r>
+            <a:rPr lang="pt-PT" dirty="0" err="1" smtClean="0"/>
+            <a:t>software’s</a:t>
+          </a:r>
+          <a:r>
+            <a:rPr lang="pt-PT" dirty="0" smtClean="0"/>
+            <a:t> uses </a:t>
           </a:r>
           <a:r>
             <a:rPr lang="pt-PT" dirty="0" err="1" smtClean="0"/>
@@ -5804,7 +5685,7 @@
           </a:r>
           <a:r>
             <a:rPr lang="pt-PT" dirty="0" smtClean="0"/>
-            <a:t> softwares to </a:t>
+            <a:t> software to </a:t>
           </a:r>
           <a:r>
             <a:rPr lang="pt-PT" dirty="0" err="1" smtClean="0"/>
@@ -6066,10 +5947,24 @@
     <dgm:pt modelId="{0E910E21-1D6E-426C-AA46-52F483B0D422}" type="pres">
       <dgm:prSet presAssocID="{11AD5238-D899-4A7B-9DD1-7264BAA00712}" presName="sibTrans" presStyleLbl="sibTrans2D1" presStyleIdx="0" presStyleCnt="4"/>
       <dgm:spPr/>
+      <dgm:t>
+        <a:bodyPr/>
+        <a:lstStyle/>
+        <a:p>
+          <a:endParaRPr lang="pt-PT"/>
+        </a:p>
+      </dgm:t>
     </dgm:pt>
     <dgm:pt modelId="{ECB09CCD-F15C-4149-95C6-4C5FF5B6B6E5}" type="pres">
       <dgm:prSet presAssocID="{11AD5238-D899-4A7B-9DD1-7264BAA00712}" presName="connectorText" presStyleLbl="sibTrans2D1" presStyleIdx="0" presStyleCnt="4"/>
       <dgm:spPr/>
+      <dgm:t>
+        <a:bodyPr/>
+        <a:lstStyle/>
+        <a:p>
+          <a:endParaRPr lang="pt-PT"/>
+        </a:p>
+      </dgm:t>
     </dgm:pt>
     <dgm:pt modelId="{1F91038D-DEA6-4984-BE2F-E68F3CF3C81C}" type="pres">
       <dgm:prSet presAssocID="{6B84629D-6DB9-46E1-81BE-FEE4D14EF7C5}" presName="node" presStyleLbl="node1" presStyleIdx="1" presStyleCnt="5">
@@ -6089,13 +5984,27 @@
     <dgm:pt modelId="{B2C764A2-BD79-4CC9-B799-1940327C3044}" type="pres">
       <dgm:prSet presAssocID="{BB256DB4-94D1-4FD5-B8DA-12955E2E53D7}" presName="sibTrans" presStyleLbl="sibTrans2D1" presStyleIdx="1" presStyleCnt="4"/>
       <dgm:spPr/>
+      <dgm:t>
+        <a:bodyPr/>
+        <a:lstStyle/>
+        <a:p>
+          <a:endParaRPr lang="pt-PT"/>
+        </a:p>
+      </dgm:t>
     </dgm:pt>
     <dgm:pt modelId="{8D4B9F8D-DE31-493A-AD51-63ED0947AC28}" type="pres">
       <dgm:prSet presAssocID="{BB256DB4-94D1-4FD5-B8DA-12955E2E53D7}" presName="connectorText" presStyleLbl="sibTrans2D1" presStyleIdx="1" presStyleCnt="4"/>
       <dgm:spPr/>
+      <dgm:t>
+        <a:bodyPr/>
+        <a:lstStyle/>
+        <a:p>
+          <a:endParaRPr lang="pt-PT"/>
+        </a:p>
+      </dgm:t>
     </dgm:pt>
     <dgm:pt modelId="{02571C03-3AD9-4457-8D9B-F10B831BD88E}" type="pres">
-      <dgm:prSet presAssocID="{8085E017-34C5-4274-972C-CA8B6C2D4061}" presName="node" presStyleLbl="node1" presStyleIdx="2" presStyleCnt="5">
+      <dgm:prSet presAssocID="{8085E017-34C5-4274-972C-CA8B6C2D4061}" presName="node" presStyleLbl="node1" presStyleIdx="2" presStyleCnt="5" custLinFactNeighborX="-5311" custLinFactNeighborY="-83226">
         <dgm:presLayoutVars>
           <dgm:bulletEnabled val="1"/>
         </dgm:presLayoutVars>
@@ -6112,10 +6021,24 @@
     <dgm:pt modelId="{058BFCCB-7FD7-4C01-A83B-9B46FCB98F57}" type="pres">
       <dgm:prSet presAssocID="{0A2E992B-8AEB-4770-98B1-1FEE16E44F1C}" presName="sibTrans" presStyleLbl="sibTrans2D1" presStyleIdx="2" presStyleCnt="4"/>
       <dgm:spPr/>
+      <dgm:t>
+        <a:bodyPr/>
+        <a:lstStyle/>
+        <a:p>
+          <a:endParaRPr lang="pt-PT"/>
+        </a:p>
+      </dgm:t>
     </dgm:pt>
     <dgm:pt modelId="{8958904D-974D-4B1D-9814-EC36538525C7}" type="pres">
       <dgm:prSet presAssocID="{0A2E992B-8AEB-4770-98B1-1FEE16E44F1C}" presName="connectorText" presStyleLbl="sibTrans2D1" presStyleIdx="2" presStyleCnt="4"/>
       <dgm:spPr/>
+      <dgm:t>
+        <a:bodyPr/>
+        <a:lstStyle/>
+        <a:p>
+          <a:endParaRPr lang="pt-PT"/>
+        </a:p>
+      </dgm:t>
     </dgm:pt>
     <dgm:pt modelId="{E304B6CC-F1E1-46BF-ADF3-C2E2CB2875DF}" type="pres">
       <dgm:prSet presAssocID="{61693548-C568-4492-9959-76118022B216}" presName="node" presStyleLbl="node1" presStyleIdx="3" presStyleCnt="5">
@@ -6135,10 +6058,24 @@
     <dgm:pt modelId="{BDF34978-EA65-4C3E-9A3C-95B0F0BDDEA3}" type="pres">
       <dgm:prSet presAssocID="{A4C5E3A4-A275-42CA-BEBA-A0AC60DC6B79}" presName="sibTrans" presStyleLbl="sibTrans2D1" presStyleIdx="3" presStyleCnt="4"/>
       <dgm:spPr/>
+      <dgm:t>
+        <a:bodyPr/>
+        <a:lstStyle/>
+        <a:p>
+          <a:endParaRPr lang="pt-PT"/>
+        </a:p>
+      </dgm:t>
     </dgm:pt>
     <dgm:pt modelId="{D0614360-AE8D-451A-A9FD-B4A84FC07692}" type="pres">
       <dgm:prSet presAssocID="{A4C5E3A4-A275-42CA-BEBA-A0AC60DC6B79}" presName="connectorText" presStyleLbl="sibTrans2D1" presStyleIdx="3" presStyleCnt="4"/>
       <dgm:spPr/>
+      <dgm:t>
+        <a:bodyPr/>
+        <a:lstStyle/>
+        <a:p>
+          <a:endParaRPr lang="pt-PT"/>
+        </a:p>
+      </dgm:t>
     </dgm:pt>
     <dgm:pt modelId="{AE3C81EA-8B08-4534-A346-814983AE123E}" type="pres">
       <dgm:prSet presAssocID="{141FDCE6-9E67-4AFC-A8B2-E882701B3088}" presName="node" presStyleLbl="node1" presStyleIdx="4" presStyleCnt="5">
@@ -6158,8 +6095,8 @@
   </dgm:ptLst>
   <dgm:cxnLst>
     <dgm:cxn modelId="{551748DA-3EE5-4ED8-AA2F-A313A131C7FE}" type="presOf" srcId="{6B84629D-6DB9-46E1-81BE-FEE4D14EF7C5}" destId="{1F91038D-DEA6-4984-BE2F-E68F3CF3C81C}" srcOrd="0" destOrd="0" presId="urn:microsoft.com/office/officeart/2005/8/layout/process1"/>
+    <dgm:cxn modelId="{4A319E46-A5D3-4FD8-967C-9DA410E7EAF2}" type="presOf" srcId="{A4C5E3A4-A275-42CA-BEBA-A0AC60DC6B79}" destId="{BDF34978-EA65-4C3E-9A3C-95B0F0BDDEA3}" srcOrd="0" destOrd="0" presId="urn:microsoft.com/office/officeart/2005/8/layout/process1"/>
     <dgm:cxn modelId="{C6DC5DA2-B8CF-4C03-96B1-73684EA5D0D4}" srcId="{0055FA4E-606F-43BF-A4B5-2C971EAF9109}" destId="{6B84629D-6DB9-46E1-81BE-FEE4D14EF7C5}" srcOrd="1" destOrd="0" parTransId="{926B71AE-2ED6-4253-BDEE-8152CF00FDD4}" sibTransId="{BB256DB4-94D1-4FD5-B8DA-12955E2E53D7}"/>
-    <dgm:cxn modelId="{4A319E46-A5D3-4FD8-967C-9DA410E7EAF2}" type="presOf" srcId="{A4C5E3A4-A275-42CA-BEBA-A0AC60DC6B79}" destId="{BDF34978-EA65-4C3E-9A3C-95B0F0BDDEA3}" srcOrd="0" destOrd="0" presId="urn:microsoft.com/office/officeart/2005/8/layout/process1"/>
     <dgm:cxn modelId="{56899BC4-E2D7-4CAF-854A-A7971DDD765D}" srcId="{0055FA4E-606F-43BF-A4B5-2C971EAF9109}" destId="{C3734E09-C181-412C-A400-A35E55A31713}" srcOrd="0" destOrd="0" parTransId="{BB75F802-BFE7-4D05-AB49-B3CC87D089FB}" sibTransId="{11AD5238-D899-4A7B-9DD1-7264BAA00712}"/>
     <dgm:cxn modelId="{B00D345B-6573-4916-983B-DCC3A3446DDC}" type="presOf" srcId="{C3734E09-C181-412C-A400-A35E55A31713}" destId="{95F80243-0EDF-4CC1-BF24-E5377D667F6E}" srcOrd="0" destOrd="0" presId="urn:microsoft.com/office/officeart/2005/8/layout/process1"/>
     <dgm:cxn modelId="{6D99D32E-135E-410E-9777-F78160AFF38A}" type="presOf" srcId="{11AD5238-D899-4A7B-9DD1-7264BAA00712}" destId="{ECB09CCD-F15C-4149-95C6-4C5FF5B6B6E5}" srcOrd="1" destOrd="0" presId="urn:microsoft.com/office/officeart/2005/8/layout/process1"/>
@@ -6171,10 +6108,10 @@
     <dgm:cxn modelId="{AFABCC24-1469-449A-8F49-65B59F2ED9CC}" srcId="{0055FA4E-606F-43BF-A4B5-2C971EAF9109}" destId="{141FDCE6-9E67-4AFC-A8B2-E882701B3088}" srcOrd="4" destOrd="0" parTransId="{6D9C88E6-265D-4340-BDF4-1B78B77C572B}" sibTransId="{F25A19B8-A614-4748-865C-3EC9B1DF19B0}"/>
     <dgm:cxn modelId="{661AEBB6-8ACC-4534-BFAC-BF98A1930768}" srcId="{0055FA4E-606F-43BF-A4B5-2C971EAF9109}" destId="{8085E017-34C5-4274-972C-CA8B6C2D4061}" srcOrd="2" destOrd="0" parTransId="{34A185E9-C0B0-43DF-961D-78C42979C3CF}" sibTransId="{0A2E992B-8AEB-4770-98B1-1FEE16E44F1C}"/>
     <dgm:cxn modelId="{741D34AF-7352-4641-A543-68B59BA315C9}" type="presOf" srcId="{BB256DB4-94D1-4FD5-B8DA-12955E2E53D7}" destId="{B2C764A2-BD79-4CC9-B799-1940327C3044}" srcOrd="0" destOrd="0" presId="urn:microsoft.com/office/officeart/2005/8/layout/process1"/>
+    <dgm:cxn modelId="{10DE840B-43E2-4BEB-A5D9-F86D44EB4D0F}" type="presOf" srcId="{61693548-C568-4492-9959-76118022B216}" destId="{E304B6CC-F1E1-46BF-ADF3-C2E2CB2875DF}" srcOrd="0" destOrd="0" presId="urn:microsoft.com/office/officeart/2005/8/layout/process1"/>
+    <dgm:cxn modelId="{2ADEE316-7499-4E1F-AE8E-3BE2C7BE9C5F}" type="presOf" srcId="{0A2E992B-8AEB-4770-98B1-1FEE16E44F1C}" destId="{8958904D-974D-4B1D-9814-EC36538525C7}" srcOrd="1" destOrd="0" presId="urn:microsoft.com/office/officeart/2005/8/layout/process1"/>
     <dgm:cxn modelId="{33D34C5E-C554-4E1A-9A98-EEBB986B27AF}" type="presOf" srcId="{11AD5238-D899-4A7B-9DD1-7264BAA00712}" destId="{0E910E21-1D6E-426C-AA46-52F483B0D422}" srcOrd="0" destOrd="0" presId="urn:microsoft.com/office/officeart/2005/8/layout/process1"/>
     <dgm:cxn modelId="{31F55D3E-0A23-4AD5-A64C-0FF0CDCD6DF3}" type="presOf" srcId="{A4C5E3A4-A275-42CA-BEBA-A0AC60DC6B79}" destId="{D0614360-AE8D-451A-A9FD-B4A84FC07692}" srcOrd="1" destOrd="0" presId="urn:microsoft.com/office/officeart/2005/8/layout/process1"/>
-    <dgm:cxn modelId="{10DE840B-43E2-4BEB-A5D9-F86D44EB4D0F}" type="presOf" srcId="{61693548-C568-4492-9959-76118022B216}" destId="{E304B6CC-F1E1-46BF-ADF3-C2E2CB2875DF}" srcOrd="0" destOrd="0" presId="urn:microsoft.com/office/officeart/2005/8/layout/process1"/>
-    <dgm:cxn modelId="{2ADEE316-7499-4E1F-AE8E-3BE2C7BE9C5F}" type="presOf" srcId="{0A2E992B-8AEB-4770-98B1-1FEE16E44F1C}" destId="{8958904D-974D-4B1D-9814-EC36538525C7}" srcOrd="1" destOrd="0" presId="urn:microsoft.com/office/officeart/2005/8/layout/process1"/>
     <dgm:cxn modelId="{87632977-6EAA-4719-90AB-D909D483AD62}" type="presOf" srcId="{8085E017-34C5-4274-972C-CA8B6C2D4061}" destId="{02571C03-3AD9-4457-8D9B-F10B831BD88E}" srcOrd="0" destOrd="0" presId="urn:microsoft.com/office/officeart/2005/8/layout/process1"/>
     <dgm:cxn modelId="{760DCB9D-E2F7-408F-A845-2A343DCCD093}" type="presParOf" srcId="{3E9282F9-2594-4E35-9FAC-7120D24E62A4}" destId="{95F80243-0EDF-4CC1-BF24-E5377D667F6E}" srcOrd="0" destOrd="0" presId="urn:microsoft.com/office/officeart/2005/8/layout/process1"/>
     <dgm:cxn modelId="{26653CF3-46C5-4022-89B5-BD50AD30C270}" type="presParOf" srcId="{3E9282F9-2594-4E35-9FAC-7120D24E62A4}" destId="{0E910E21-1D6E-426C-AA46-52F483B0D422}" srcOrd="1" destOrd="0" presId="urn:microsoft.com/office/officeart/2005/8/layout/process1"/>
@@ -6373,6 +6310,13 @@
         </dgm:presLayoutVars>
       </dgm:prSet>
       <dgm:spPr/>
+      <dgm:t>
+        <a:bodyPr/>
+        <a:lstStyle/>
+        <a:p>
+          <a:endParaRPr lang="pt-PT"/>
+        </a:p>
+      </dgm:t>
     </dgm:pt>
     <dgm:pt modelId="{4E5DD7D4-E333-405C-967A-7EB71007B802}" type="pres">
       <dgm:prSet presAssocID="{A2FDEDA5-B67B-4AFE-B80A-29E75BA1C935}" presName="arrow" presStyleLbl="node1" presStyleIdx="0" presStyleCnt="3">
@@ -7830,8 +7774,8 @@
       </dsp:nvSpPr>
       <dsp:spPr>
         <a:xfrm>
-          <a:off x="2233" y="257706"/>
-          <a:ext cx="2177993" cy="604800"/>
+          <a:off x="24" y="16981"/>
+          <a:ext cx="2319550" cy="689932"/>
         </a:xfrm>
         <a:prstGeom prst="rect">
           <a:avLst/>
@@ -7903,12 +7847,12 @@
         </a:fontRef>
       </dsp:style>
       <dsp:txBody>
-        <a:bodyPr spcFirstLastPara="0" vert="horz" wrap="square" lIns="149352" tIns="85344" rIns="149352" bIns="85344" numCol="1" spcCol="1270" anchor="ctr" anchorCtr="0">
+        <a:bodyPr spcFirstLastPara="0" vert="horz" wrap="square" lIns="135128" tIns="77216" rIns="135128" bIns="77216" numCol="1" spcCol="1270" anchor="ctr" anchorCtr="0">
           <a:noAutofit/>
         </a:bodyPr>
         <a:lstStyle/>
         <a:p>
-          <a:pPr lvl="0" algn="ctr" defTabSz="933450">
+          <a:pPr lvl="0" algn="ctr" defTabSz="844550">
             <a:lnSpc>
               <a:spcPct val="90000"/>
             </a:lnSpc>
@@ -7920,15 +7864,15 @@
             </a:spcAft>
           </a:pPr>
           <a:r>
-            <a:rPr lang="pt-PT" sz="2100" kern="1200" dirty="0" smtClean="0"/>
+            <a:rPr lang="pt-PT" sz="1900" kern="1200" dirty="0" smtClean="0"/>
             <a:t>Kremlin</a:t>
           </a:r>
-          <a:endParaRPr lang="pt-PT" sz="2100" kern="1200" dirty="0"/>
+          <a:endParaRPr lang="pt-PT" sz="1900" kern="1200" dirty="0"/>
         </a:p>
       </dsp:txBody>
       <dsp:txXfrm>
-        <a:off x="2233" y="257706"/>
-        <a:ext cx="2177993" cy="604800"/>
+        <a:off x="24" y="16981"/>
+        <a:ext cx="2319550" cy="689932"/>
       </dsp:txXfrm>
     </dsp:sp>
     <dsp:sp modelId="{2EE05553-D9C6-4E60-A1DF-BAC1A3A65EDA}">
@@ -7938,8 +7882,8 @@
       </dsp:nvSpPr>
       <dsp:spPr>
         <a:xfrm>
-          <a:off x="2233" y="862506"/>
-          <a:ext cx="2177993" cy="1815817"/>
+          <a:off x="24" y="740927"/>
+          <a:ext cx="2319550" cy="1382107"/>
         </a:xfrm>
         <a:prstGeom prst="rect">
           <a:avLst/>
@@ -7983,12 +7927,12 @@
         <a:fontRef idx="minor"/>
       </dsp:style>
       <dsp:txBody>
-        <a:bodyPr spcFirstLastPara="0" vert="horz" wrap="square" lIns="112014" tIns="112014" rIns="149352" bIns="168021" numCol="1" spcCol="1270" anchor="t" anchorCtr="0">
+        <a:bodyPr spcFirstLastPara="0" vert="horz" wrap="square" lIns="101346" tIns="101346" rIns="135128" bIns="152019" numCol="1" spcCol="1270" anchor="t" anchorCtr="0">
           <a:noAutofit/>
         </a:bodyPr>
         <a:lstStyle/>
         <a:p>
-          <a:pPr marL="228600" lvl="1" indent="-228600" algn="l" defTabSz="933450">
+          <a:pPr marL="171450" lvl="1" indent="-171450" algn="l" defTabSz="844550">
             <a:lnSpc>
               <a:spcPct val="90000"/>
             </a:lnSpc>
@@ -8001,41 +7945,41 @@
             <a:buChar char="••"/>
           </a:pPr>
           <a:r>
-            <a:rPr lang="pt-PT" sz="2100" kern="1200" dirty="0" err="1" smtClean="0"/>
+            <a:rPr lang="pt-PT" sz="1900" kern="1200" dirty="0" err="1" smtClean="0"/>
             <a:t>Detect</a:t>
           </a:r>
           <a:r>
-            <a:rPr lang="pt-PT" sz="2100" kern="1200" dirty="0" smtClean="0"/>
+            <a:rPr lang="pt-PT" sz="1900" kern="1200" dirty="0" smtClean="0"/>
             <a:t> </a:t>
           </a:r>
           <a:r>
-            <a:rPr lang="pt-PT" sz="2100" kern="1200" dirty="0" err="1" smtClean="0"/>
+            <a:rPr lang="pt-PT" sz="1900" kern="1200" dirty="0" err="1" smtClean="0"/>
             <a:t>Possible</a:t>
           </a:r>
           <a:r>
-            <a:rPr lang="pt-PT" sz="2100" kern="1200" dirty="0" smtClean="0"/>
+            <a:rPr lang="pt-PT" sz="1900" kern="1200" dirty="0" smtClean="0"/>
             <a:t> </a:t>
           </a:r>
           <a:r>
-            <a:rPr lang="pt-PT" sz="2100" kern="1200" dirty="0" err="1" smtClean="0"/>
+            <a:rPr lang="pt-PT" sz="1900" kern="1200" dirty="0" err="1" smtClean="0"/>
             <a:t>Parallized</a:t>
           </a:r>
           <a:r>
-            <a:rPr lang="pt-PT" sz="2100" kern="1200" dirty="0" smtClean="0"/>
+            <a:rPr lang="pt-PT" sz="1900" kern="1200" dirty="0" smtClean="0"/>
             <a:t> </a:t>
           </a:r>
           <a:r>
-            <a:rPr lang="pt-PT" sz="2100" kern="1200" dirty="0" err="1" smtClean="0"/>
+            <a:rPr lang="pt-PT" sz="1900" kern="1200" dirty="0" err="1" smtClean="0"/>
             <a:t>code</a:t>
           </a:r>
           <a:r>
-            <a:rPr lang="pt-PT" sz="2100" kern="1200" dirty="0" smtClean="0"/>
+            <a:rPr lang="pt-PT" sz="1900" kern="1200" dirty="0" smtClean="0"/>
             <a:t> </a:t>
           </a:r>
-          <a:endParaRPr lang="pt-PT" sz="2100" kern="1200" dirty="0"/>
+          <a:endParaRPr lang="pt-PT" sz="1900" kern="1200" dirty="0"/>
         </a:p>
         <a:p>
-          <a:pPr marL="228600" lvl="1" indent="-228600" algn="l" defTabSz="933450">
+          <a:pPr marL="171450" lvl="1" indent="-171450" algn="l" defTabSz="844550">
             <a:lnSpc>
               <a:spcPct val="90000"/>
             </a:lnSpc>
@@ -8048,58 +7992,46 @@
             <a:buChar char="••"/>
           </a:pPr>
           <a:r>
-            <a:rPr lang="pt-PT" sz="2100" kern="1200" dirty="0" err="1" smtClean="0"/>
+            <a:rPr lang="pt-PT" sz="1900" kern="1200" dirty="0" err="1" smtClean="0"/>
             <a:t>Avaliation</a:t>
           </a:r>
           <a:r>
-            <a:rPr lang="pt-PT" sz="2100" kern="1200" dirty="0" smtClean="0"/>
+            <a:rPr lang="pt-PT" sz="1900" kern="1200" dirty="0" smtClean="0"/>
             <a:t> </a:t>
           </a:r>
           <a:r>
-            <a:rPr lang="pt-PT" sz="2100" kern="1200" dirty="0" err="1" smtClean="0"/>
+            <a:rPr lang="pt-PT" sz="1900" kern="1200" dirty="0" err="1" smtClean="0"/>
             <a:t>of</a:t>
           </a:r>
           <a:r>
-            <a:rPr lang="pt-PT" sz="2100" kern="1200" dirty="0" smtClean="0"/>
+            <a:rPr lang="pt-PT" sz="1900" kern="1200" dirty="0" smtClean="0"/>
             <a:t> </a:t>
           </a:r>
           <a:r>
-            <a:rPr lang="pt-PT" sz="2100" kern="1200" dirty="0" err="1" smtClean="0"/>
+            <a:rPr lang="pt-PT" sz="1900" kern="1200" dirty="0" err="1" smtClean="0"/>
             <a:t>its</a:t>
           </a:r>
           <a:r>
-            <a:rPr lang="pt-PT" sz="2100" kern="1200" dirty="0" smtClean="0"/>
-            <a:t> Speed </a:t>
+            <a:rPr lang="pt-PT" sz="1900" kern="1200" dirty="0" smtClean="0"/>
+            <a:t> Speed</a:t>
           </a:r>
-          <a:r>
-            <a:rPr lang="pt-PT" sz="2100" kern="1200" dirty="0" err="1" smtClean="0"/>
-            <a:t>up’s</a:t>
-          </a:r>
-          <a:r>
-            <a:rPr lang="pt-PT" sz="2100" kern="1200" dirty="0" smtClean="0"/>
-            <a:t> </a:t>
-          </a:r>
-          <a:r>
-            <a:rPr lang="pt-PT" sz="2100" kern="1200" dirty="0" err="1" smtClean="0"/>
-            <a:t>impact</a:t>
-          </a:r>
-          <a:endParaRPr lang="pt-PT" sz="2100" kern="1200" dirty="0"/>
+          <a:endParaRPr lang="pt-PT" sz="1900" kern="1200" dirty="0"/>
         </a:p>
       </dsp:txBody>
       <dsp:txXfrm>
-        <a:off x="2233" y="862506"/>
-        <a:ext cx="2177993" cy="1815817"/>
+        <a:off x="24" y="740927"/>
+        <a:ext cx="2319550" cy="1382107"/>
       </dsp:txXfrm>
     </dsp:sp>
-    <dsp:sp modelId="{926EE498-D7E7-4127-8277-D91AB47B3CAA}">
+    <dsp:sp modelId="{17CF3988-D7C7-4E56-8A12-5EF1992E8BDF}">
       <dsp:nvSpPr>
         <dsp:cNvPr id="0" name=""/>
         <dsp:cNvSpPr/>
       </dsp:nvSpPr>
       <dsp:spPr>
         <a:xfrm>
-          <a:off x="2485146" y="257706"/>
-          <a:ext cx="2177993" cy="604800"/>
+          <a:off x="2644312" y="50994"/>
+          <a:ext cx="2319550" cy="689932"/>
         </a:xfrm>
         <a:prstGeom prst="rect">
           <a:avLst/>
@@ -8171,12 +8103,12 @@
         </a:fontRef>
       </dsp:style>
       <dsp:txBody>
-        <a:bodyPr spcFirstLastPara="0" vert="horz" wrap="square" lIns="149352" tIns="85344" rIns="149352" bIns="85344" numCol="1" spcCol="1270" anchor="ctr" anchorCtr="0">
+        <a:bodyPr spcFirstLastPara="0" vert="horz" wrap="square" lIns="135128" tIns="77216" rIns="135128" bIns="77216" numCol="1" spcCol="1270" anchor="ctr" anchorCtr="0">
           <a:noAutofit/>
         </a:bodyPr>
         <a:lstStyle/>
         <a:p>
-          <a:pPr lvl="0" algn="ctr" defTabSz="933450">
+          <a:pPr lvl="0" algn="ctr" defTabSz="844550">
             <a:lnSpc>
               <a:spcPct val="90000"/>
             </a:lnSpc>
@@ -8188,26 +8120,32 @@
             </a:spcAft>
           </a:pPr>
           <a:r>
-            <a:rPr lang="pt-PT" sz="2100" kern="1200" dirty="0" err="1" smtClean="0"/>
-            <a:t>Kismet</a:t>
+            <a:rPr lang="pt-PT" sz="1900" b="0" kern="1200" dirty="0" smtClean="0"/>
+            <a:t>Expert </a:t>
           </a:r>
-          <a:endParaRPr lang="pt-PT" sz="2100" kern="1200" dirty="0"/>
+          <a:r>
+            <a:rPr lang="pt-PT" sz="1900" b="0" kern="1200" dirty="0" err="1" smtClean="0">
+              <a:latin typeface="Constantia" panose="02030602050306030303" pitchFamily="18" charset="0"/>
+            </a:rPr>
+            <a:t>Parallelization</a:t>
+          </a:r>
+          <a:endParaRPr lang="pt-PT" sz="1900" b="0" kern="1200" dirty="0"/>
         </a:p>
       </dsp:txBody>
       <dsp:txXfrm>
-        <a:off x="2485146" y="257706"/>
-        <a:ext cx="2177993" cy="604800"/>
+        <a:off x="2644312" y="50994"/>
+        <a:ext cx="2319550" cy="689932"/>
       </dsp:txXfrm>
     </dsp:sp>
-    <dsp:sp modelId="{A4277B13-AB57-466C-9EAB-E95D709B4E5F}">
+    <dsp:sp modelId="{4FEC7AA6-2E6F-4837-A9F8-3C6458443F89}">
       <dsp:nvSpPr>
         <dsp:cNvPr id="0" name=""/>
         <dsp:cNvSpPr/>
       </dsp:nvSpPr>
       <dsp:spPr>
         <a:xfrm>
-          <a:off x="2485146" y="862506"/>
-          <a:ext cx="2177993" cy="1815817"/>
+          <a:off x="2644312" y="740927"/>
+          <a:ext cx="2319550" cy="1382107"/>
         </a:xfrm>
         <a:prstGeom prst="rect">
           <a:avLst/>
@@ -8251,12 +8189,12 @@
         <a:fontRef idx="minor"/>
       </dsp:style>
       <dsp:txBody>
-        <a:bodyPr spcFirstLastPara="0" vert="horz" wrap="square" lIns="112014" tIns="112014" rIns="149352" bIns="168021" numCol="1" spcCol="1270" anchor="t" anchorCtr="0">
+        <a:bodyPr spcFirstLastPara="0" vert="horz" wrap="square" lIns="101346" tIns="101346" rIns="135128" bIns="152019" numCol="1" spcCol="1270" anchor="t" anchorCtr="0">
           <a:noAutofit/>
         </a:bodyPr>
         <a:lstStyle/>
         <a:p>
-          <a:pPr marL="228600" lvl="1" indent="-228600" algn="l" defTabSz="933450">
+          <a:pPr marL="171450" lvl="1" indent="-171450" algn="l" defTabSz="844550">
             <a:lnSpc>
               <a:spcPct val="90000"/>
             </a:lnSpc>
@@ -8269,228 +8207,27 @@
             <a:buChar char="••"/>
           </a:pPr>
           <a:r>
-            <a:rPr lang="pt-PT" sz="2100" kern="1200" dirty="0" smtClean="0"/>
-            <a:t>Speed </a:t>
+            <a:rPr lang="pt-PT" sz="1900" kern="1200" dirty="0" smtClean="0"/>
+            <a:t>Manual </a:t>
           </a:r>
           <a:r>
-            <a:rPr lang="pt-PT" sz="2100" kern="1200" dirty="0" err="1" smtClean="0"/>
-            <a:t>up</a:t>
+            <a:rPr lang="pt-PT" sz="1900" kern="1200" dirty="0" err="1" smtClean="0"/>
+            <a:t>Code</a:t>
           </a:r>
           <a:r>
-            <a:rPr lang="pt-PT" sz="2100" kern="1200" dirty="0" smtClean="0"/>
+            <a:rPr lang="pt-PT" sz="1900" kern="1200" dirty="0" smtClean="0"/>
             <a:t> </a:t>
           </a:r>
           <a:r>
-            <a:rPr lang="pt-PT" sz="2100" kern="1200" dirty="0" err="1" smtClean="0"/>
-            <a:t>Estimation</a:t>
+            <a:rPr lang="pt-PT" sz="1900" kern="1200" dirty="0" err="1" smtClean="0"/>
+            <a:t>modifications</a:t>
           </a:r>
-          <a:r>
-            <a:rPr lang="pt-PT" sz="2100" kern="1200" dirty="0" smtClean="0"/>
-            <a:t> for a non-</a:t>
-          </a:r>
-          <a:r>
-            <a:rPr lang="pt-PT" sz="2100" kern="1200" dirty="0" err="1" smtClean="0"/>
-            <a:t>paralled</a:t>
-          </a:r>
-          <a:r>
-            <a:rPr lang="pt-PT" sz="2100" kern="1200" dirty="0" smtClean="0"/>
-            <a:t> </a:t>
-          </a:r>
-          <a:r>
-            <a:rPr lang="pt-PT" sz="2100" kern="1200" dirty="0" err="1" smtClean="0"/>
-            <a:t>code</a:t>
-          </a:r>
-          <a:endParaRPr lang="pt-PT" sz="2100" kern="1200" dirty="0"/>
+          <a:endParaRPr lang="pt-PT" sz="1900" kern="1200" dirty="0"/>
         </a:p>
       </dsp:txBody>
       <dsp:txXfrm>
-        <a:off x="2485146" y="862506"/>
-        <a:ext cx="2177993" cy="1815817"/>
-      </dsp:txXfrm>
-    </dsp:sp>
-    <dsp:sp modelId="{2AA4D1F2-6CEE-4619-AA09-F9728FD72EC1}">
-      <dsp:nvSpPr>
-        <dsp:cNvPr id="0" name=""/>
-        <dsp:cNvSpPr/>
-      </dsp:nvSpPr>
-      <dsp:spPr>
-        <a:xfrm>
-          <a:off x="4968058" y="257706"/>
-          <a:ext cx="2177993" cy="604800"/>
-        </a:xfrm>
-        <a:prstGeom prst="rect">
-          <a:avLst/>
-        </a:prstGeom>
-        <a:gradFill rotWithShape="0">
-          <a:gsLst>
-            <a:gs pos="0">
-              <a:schemeClr val="accent2">
-                <a:hueOff val="0"/>
-                <a:satOff val="0"/>
-                <a:lumOff val="0"/>
-                <a:alphaOff val="0"/>
-                <a:lumMod val="110000"/>
-                <a:satMod val="105000"/>
-                <a:tint val="67000"/>
-              </a:schemeClr>
-            </a:gs>
-            <a:gs pos="50000">
-              <a:schemeClr val="accent2">
-                <a:hueOff val="0"/>
-                <a:satOff val="0"/>
-                <a:lumOff val="0"/>
-                <a:alphaOff val="0"/>
-                <a:lumMod val="105000"/>
-                <a:satMod val="103000"/>
-                <a:tint val="73000"/>
-              </a:schemeClr>
-            </a:gs>
-            <a:gs pos="100000">
-              <a:schemeClr val="accent2">
-                <a:hueOff val="0"/>
-                <a:satOff val="0"/>
-                <a:lumOff val="0"/>
-                <a:alphaOff val="0"/>
-                <a:lumMod val="105000"/>
-                <a:satMod val="109000"/>
-                <a:tint val="81000"/>
-              </a:schemeClr>
-            </a:gs>
-          </a:gsLst>
-          <a:lin ang="5400000" scaled="0"/>
-        </a:gradFill>
-        <a:ln w="6350" cap="flat" cmpd="sng" algn="ctr">
-          <a:solidFill>
-            <a:schemeClr val="accent2">
-              <a:hueOff val="0"/>
-              <a:satOff val="0"/>
-              <a:lumOff val="0"/>
-              <a:alphaOff val="0"/>
-            </a:schemeClr>
-          </a:solidFill>
-          <a:prstDash val="solid"/>
-          <a:miter lim="800000"/>
-        </a:ln>
-        <a:effectLst/>
-      </dsp:spPr>
-      <dsp:style>
-        <a:lnRef idx="1">
-          <a:scrgbClr r="0" g="0" b="0"/>
-        </a:lnRef>
-        <a:fillRef idx="2">
-          <a:scrgbClr r="0" g="0" b="0"/>
-        </a:fillRef>
-        <a:effectRef idx="1">
-          <a:scrgbClr r="0" g="0" b="0"/>
-        </a:effectRef>
-        <a:fontRef idx="minor">
-          <a:schemeClr val="dk1"/>
-        </a:fontRef>
-      </dsp:style>
-      <dsp:txBody>
-        <a:bodyPr spcFirstLastPara="0" vert="horz" wrap="square" lIns="149352" tIns="85344" rIns="149352" bIns="85344" numCol="1" spcCol="1270" anchor="ctr" anchorCtr="0">
-          <a:noAutofit/>
-        </a:bodyPr>
-        <a:lstStyle/>
-        <a:p>
-          <a:pPr lvl="0" algn="ctr" defTabSz="933450">
-            <a:lnSpc>
-              <a:spcPct val="90000"/>
-            </a:lnSpc>
-            <a:spcBef>
-              <a:spcPct val="0"/>
-            </a:spcBef>
-            <a:spcAft>
-              <a:spcPct val="35000"/>
-            </a:spcAft>
-          </a:pPr>
-          <a:r>
-            <a:rPr lang="pt-PT" sz="2100" kern="1200" dirty="0" smtClean="0"/>
-            <a:t>Argo</a:t>
-          </a:r>
-          <a:endParaRPr lang="pt-PT" sz="2100" kern="1200" dirty="0"/>
-        </a:p>
-      </dsp:txBody>
-      <dsp:txXfrm>
-        <a:off x="4968058" y="257706"/>
-        <a:ext cx="2177993" cy="604800"/>
-      </dsp:txXfrm>
-    </dsp:sp>
-    <dsp:sp modelId="{EB43DBEE-C047-4A61-962E-C9DD0C876932}">
-      <dsp:nvSpPr>
-        <dsp:cNvPr id="0" name=""/>
-        <dsp:cNvSpPr/>
-      </dsp:nvSpPr>
-      <dsp:spPr>
-        <a:xfrm>
-          <a:off x="4968058" y="862506"/>
-          <a:ext cx="2177993" cy="1815817"/>
-        </a:xfrm>
-        <a:prstGeom prst="rect">
-          <a:avLst/>
-        </a:prstGeom>
-        <a:solidFill>
-          <a:schemeClr val="accent2">
-            <a:alpha val="90000"/>
-            <a:tint val="40000"/>
-            <a:hueOff val="0"/>
-            <a:satOff val="0"/>
-            <a:lumOff val="0"/>
-            <a:alphaOff val="0"/>
-          </a:schemeClr>
-        </a:solidFill>
-        <a:ln w="6350" cap="flat" cmpd="sng" algn="ctr">
-          <a:solidFill>
-            <a:schemeClr val="accent2">
-              <a:alpha val="90000"/>
-              <a:tint val="40000"/>
-              <a:hueOff val="0"/>
-              <a:satOff val="0"/>
-              <a:lumOff val="0"/>
-              <a:alphaOff val="0"/>
-            </a:schemeClr>
-          </a:solidFill>
-          <a:prstDash val="solid"/>
-          <a:miter lim="800000"/>
-        </a:ln>
-        <a:effectLst/>
-      </dsp:spPr>
-      <dsp:style>
-        <a:lnRef idx="1">
-          <a:scrgbClr r="0" g="0" b="0"/>
-        </a:lnRef>
-        <a:fillRef idx="1">
-          <a:scrgbClr r="0" g="0" b="0"/>
-        </a:fillRef>
-        <a:effectRef idx="0">
-          <a:scrgbClr r="0" g="0" b="0"/>
-        </a:effectRef>
-        <a:fontRef idx="minor"/>
-      </dsp:style>
-      <dsp:txBody>
-        <a:bodyPr spcFirstLastPara="0" vert="horz" wrap="square" lIns="112014" tIns="112014" rIns="149352" bIns="168021" numCol="1" spcCol="1270" anchor="t" anchorCtr="0">
-          <a:noAutofit/>
-        </a:bodyPr>
-        <a:lstStyle/>
-        <a:p>
-          <a:pPr marL="228600" lvl="1" indent="-228600" algn="l" defTabSz="933450">
-            <a:lnSpc>
-              <a:spcPct val="90000"/>
-            </a:lnSpc>
-            <a:spcBef>
-              <a:spcPct val="0"/>
-            </a:spcBef>
-            <a:spcAft>
-              <a:spcPct val="15000"/>
-            </a:spcAft>
-            <a:buChar char="••"/>
-          </a:pPr>
-          <a:endParaRPr lang="pt-PT" sz="2100" kern="1200" dirty="0"/>
-        </a:p>
-      </dsp:txBody>
-      <dsp:txXfrm>
-        <a:off x="4968058" y="862506"/>
-        <a:ext cx="2177993" cy="1815817"/>
+        <a:off x="2644312" y="740927"/>
+        <a:ext cx="2319550" cy="1382107"/>
       </dsp:txXfrm>
     </dsp:sp>
   </dsp:spTree>
@@ -8580,7 +8317,15 @@
           </a:r>
           <a:r>
             <a:rPr lang="pt-PT" sz="1300" kern="1200" dirty="0" smtClean="0"/>
-            <a:t> softwares’ uses </a:t>
+            <a:t> </a:t>
+          </a:r>
+          <a:r>
+            <a:rPr lang="pt-PT" sz="1300" kern="1200" dirty="0" err="1" smtClean="0"/>
+            <a:t>software’s</a:t>
+          </a:r>
+          <a:r>
+            <a:rPr lang="pt-PT" sz="1300" kern="1200" dirty="0" smtClean="0"/>
+            <a:t> uses </a:t>
           </a:r>
           <a:r>
             <a:rPr lang="pt-PT" sz="1300" kern="1200" dirty="0" err="1" smtClean="0"/>
@@ -8746,7 +8491,7 @@
           </a:r>
           <a:r>
             <a:rPr lang="pt-PT" sz="1300" kern="1200" dirty="0" smtClean="0"/>
-            <a:t> softwares to </a:t>
+            <a:t> software to </a:t>
           </a:r>
           <a:r>
             <a:rPr lang="pt-PT" sz="1300" kern="1200" dirty="0" err="1" smtClean="0"/>
@@ -8774,9 +8519,9 @@
         <dsp:cNvSpPr/>
       </dsp:nvSpPr>
       <dsp:spPr>
-        <a:xfrm>
-          <a:off x="3848312" y="2518703"/>
-          <a:ext cx="325916" cy="381260"/>
+        <a:xfrm rot="20405442">
+          <a:off x="3830338" y="2131699"/>
+          <a:ext cx="328223" cy="381260"/>
         </a:xfrm>
         <a:prstGeom prst="rightArrow">
           <a:avLst>
@@ -8833,8 +8578,8 @@
         </a:p>
       </dsp:txBody>
       <dsp:txXfrm>
-        <a:off x="3848312" y="2594955"/>
-        <a:ext cx="228141" cy="228756"/>
+        <a:off x="3833281" y="2224717"/>
+        <a:ext cx="229756" cy="228756"/>
       </dsp:txXfrm>
     </dsp:sp>
     <dsp:sp modelId="{02571C03-3AD9-4457-8D9B-F10B831BD88E}">
@@ -8844,7 +8589,7 @@
       </dsp:nvSpPr>
       <dsp:spPr>
         <a:xfrm>
-          <a:off x="4309514" y="2248131"/>
+          <a:off x="4276855" y="1480450"/>
           <a:ext cx="1537341" cy="922404"/>
         </a:xfrm>
         <a:prstGeom prst="roundRect">
@@ -8942,7 +8687,7 @@
         </a:p>
       </dsp:txBody>
       <dsp:txXfrm>
-        <a:off x="4336530" y="2275147"/>
+        <a:off x="4303871" y="1507466"/>
         <a:ext cx="1483309" cy="868372"/>
       </dsp:txXfrm>
     </dsp:sp>
@@ -8952,9 +8697,9 @@
         <dsp:cNvSpPr/>
       </dsp:nvSpPr>
       <dsp:spPr>
-        <a:xfrm>
-          <a:off x="6000589" y="2518703"/>
-          <a:ext cx="325916" cy="381260"/>
+        <a:xfrm rot="1161540">
+          <a:off x="5965810" y="2138275"/>
+          <a:ext cx="363794" cy="381260"/>
         </a:xfrm>
         <a:prstGeom prst="rightArrow">
           <a:avLst>
@@ -9011,8 +8756,8 @@
         </a:p>
       </dsp:txBody>
       <dsp:txXfrm>
-        <a:off x="6000589" y="2594955"/>
-        <a:ext cx="228141" cy="228756"/>
+        <a:off x="5968895" y="2196438"/>
+        <a:ext cx="254656" cy="228756"/>
       </dsp:txXfrm>
     </dsp:sp>
     <dsp:sp modelId="{E304B6CC-F1E1-46BF-ADF3-C2E2CB2875DF}">
@@ -16813,7 +16558,7 @@
           <a:p>
             <a:fld id="{93614D8C-0DC8-4A06-BADF-1FD53A9CECEC}" type="datetimeFigureOut">
               <a:rPr lang="pt-PT" smtClean="0"/>
-              <a:t>31/01/2017</a:t>
+              <a:t>06/02/2017</a:t>
             </a:fld>
             <a:endParaRPr lang="pt-PT"/>
           </a:p>
@@ -17146,7 +16891,7 @@
           <a:p>
             <a:fld id="{2F860F64-E966-4EB5-9711-ED060658A680}" type="slidenum">
               <a:rPr lang="pt-PT" smtClean="0"/>
-              <a:t>2</a:t>
+              <a:t>1</a:t>
             </a:fld>
             <a:endParaRPr lang="pt-PT"/>
           </a:p>
@@ -17155,7 +16900,7 @@
     </p:spTree>
     <p:extLst>
       <p:ext uri="{BB962C8B-B14F-4D97-AF65-F5344CB8AC3E}">
-        <p14:creationId xmlns:p14="http://schemas.microsoft.com/office/powerpoint/2010/main" val="1675691067"/>
+        <p14:creationId xmlns:p14="http://schemas.microsoft.com/office/powerpoint/2010/main" val="621128317"/>
       </p:ext>
     </p:extLst>
   </p:cSld>
@@ -17209,175 +16954,7 @@
           <a:bodyPr/>
           <a:lstStyle/>
           <a:p>
-            <a:r>
-              <a:rPr lang="en-US" sz="1000" b="0" i="0" u="none" strike="noStrike" kern="1200" baseline="0" dirty="0" smtClean="0">
-                <a:solidFill>
-                  <a:srgbClr val="00B0F0"/>
-                </a:solidFill>
-                <a:latin typeface="+mn-lt"/>
-                <a:ea typeface="+mn-ea"/>
-                <a:cs typeface="+mn-cs"/>
-              </a:rPr>
-              <a:t>Figure 5 showcases the overall framework to execute applications in Twin Peaks. The functions of the application that</a:t>
-            </a:r>
-          </a:p>
-          <a:p>
-            <a:r>
-              <a:rPr lang="en-US" sz="1000" b="0" i="0" u="none" strike="noStrike" kern="1200" baseline="0" dirty="0" smtClean="0">
-                <a:solidFill>
-                  <a:srgbClr val="00B0F0"/>
-                </a:solidFill>
-                <a:latin typeface="+mn-lt"/>
-                <a:ea typeface="+mn-ea"/>
-                <a:cs typeface="+mn-cs"/>
-              </a:rPr>
-              <a:t>need to be accelerated are re-written in OpenCL (App Kernel Files) and the code calling these functions is changed</a:t>
-            </a:r>
-          </a:p>
-          <a:p>
-            <a:r>
-              <a:rPr lang="en-US" sz="1000" b="0" i="0" u="none" strike="noStrike" kern="1200" baseline="0" dirty="0" smtClean="0">
-                <a:solidFill>
-                  <a:srgbClr val="00B0F0"/>
-                </a:solidFill>
-                <a:latin typeface="+mn-lt"/>
-                <a:ea typeface="+mn-ea"/>
-                <a:cs typeface="+mn-cs"/>
-              </a:rPr>
-              <a:t>to use the OpenCL API (App Driver Files). The rest of the application remains unchanged (Other App Files).</a:t>
-            </a:r>
-          </a:p>
-          <a:p>
-            <a:r>
-              <a:rPr lang="en-US" sz="1000" b="0" i="0" u="none" strike="noStrike" kern="1200" baseline="0" dirty="0" smtClean="0">
-                <a:solidFill>
-                  <a:srgbClr val="00B0F0"/>
-                </a:solidFill>
-                <a:latin typeface="+mn-lt"/>
-                <a:ea typeface="+mn-ea"/>
-                <a:cs typeface="+mn-cs"/>
-              </a:rPr>
-              <a:t>The kernel files are then compiled using our compiler to generate x86 libraries (</a:t>
-            </a:r>
-            <a:r>
-              <a:rPr lang="en-US" sz="1000" b="0" i="0" u="none" strike="noStrike" kern="1200" baseline="0" dirty="0" err="1" smtClean="0">
-                <a:solidFill>
-                  <a:srgbClr val="00B0F0"/>
-                </a:solidFill>
-                <a:latin typeface="+mn-lt"/>
-                <a:ea typeface="+mn-ea"/>
-                <a:cs typeface="+mn-cs"/>
-              </a:rPr>
-              <a:t>libKernel</a:t>
-            </a:r>
-            <a:r>
-              <a:rPr lang="en-US" sz="1000" b="0" i="0" u="none" strike="noStrike" kern="1200" baseline="0" dirty="0" smtClean="0">
-                <a:solidFill>
-                  <a:srgbClr val="00B0F0"/>
-                </a:solidFill>
-                <a:latin typeface="+mn-lt"/>
-                <a:ea typeface="+mn-ea"/>
-                <a:cs typeface="+mn-cs"/>
-              </a:rPr>
-              <a:t>), whereas the other application</a:t>
-            </a:r>
-          </a:p>
-          <a:p>
-            <a:r>
-              <a:rPr lang="en-US" sz="1000" b="0" i="0" u="none" strike="noStrike" kern="1200" baseline="0" dirty="0" smtClean="0">
-                <a:solidFill>
-                  <a:srgbClr val="00B0F0"/>
-                </a:solidFill>
-                <a:latin typeface="+mn-lt"/>
-                <a:ea typeface="+mn-ea"/>
-                <a:cs typeface="+mn-cs"/>
-              </a:rPr>
-              <a:t>files are compiled using native compilers (e.g., g++, MSVC++) to generate x86 binaries. Our runtime files are</a:t>
-            </a:r>
-          </a:p>
-          <a:p>
-            <a:r>
-              <a:rPr lang="en-US" sz="1000" b="0" i="0" u="none" strike="noStrike" kern="1200" baseline="0" dirty="0" smtClean="0">
-                <a:solidFill>
-                  <a:srgbClr val="00B0F0"/>
-                </a:solidFill>
-                <a:latin typeface="+mn-lt"/>
-                <a:ea typeface="+mn-ea"/>
-                <a:cs typeface="+mn-cs"/>
-              </a:rPr>
-              <a:t>also compiled using the native compilers to generate a runtime </a:t>
-            </a:r>
-            <a:r>
-              <a:rPr lang="pt-PT" sz="1000" b="0" i="0" u="none" strike="noStrike" kern="1200" baseline="0" dirty="0" err="1" smtClean="0">
-                <a:solidFill>
-                  <a:srgbClr val="00B0F0"/>
-                </a:solidFill>
-                <a:latin typeface="+mn-lt"/>
-                <a:ea typeface="+mn-ea"/>
-                <a:cs typeface="+mn-cs"/>
-              </a:rPr>
-              <a:t>library</a:t>
-            </a:r>
-            <a:r>
-              <a:rPr lang="pt-PT" sz="1000" b="0" i="0" u="none" strike="noStrike" kern="1200" baseline="0" dirty="0" smtClean="0">
-                <a:solidFill>
-                  <a:srgbClr val="00B0F0"/>
-                </a:solidFill>
-                <a:latin typeface="+mn-lt"/>
-                <a:ea typeface="+mn-ea"/>
-                <a:cs typeface="+mn-cs"/>
-              </a:rPr>
-              <a:t> (</a:t>
-            </a:r>
-            <a:r>
-              <a:rPr lang="pt-PT" sz="1000" b="0" i="0" u="none" strike="noStrike" kern="1200" baseline="0" dirty="0" err="1" smtClean="0">
-                <a:solidFill>
-                  <a:srgbClr val="00B0F0"/>
-                </a:solidFill>
-                <a:latin typeface="+mn-lt"/>
-                <a:ea typeface="+mn-ea"/>
-                <a:cs typeface="+mn-cs"/>
-              </a:rPr>
-              <a:t>libRuntime</a:t>
-            </a:r>
-            <a:r>
-              <a:rPr lang="pt-PT" sz="1000" b="0" i="0" u="none" strike="noStrike" kern="1200" baseline="0" dirty="0" smtClean="0">
-                <a:solidFill>
-                  <a:srgbClr val="00B0F0"/>
-                </a:solidFill>
-                <a:latin typeface="+mn-lt"/>
-                <a:ea typeface="+mn-ea"/>
-                <a:cs typeface="+mn-cs"/>
-              </a:rPr>
-              <a:t>).</a:t>
-            </a:r>
-          </a:p>
-          <a:p>
-            <a:endParaRPr lang="pt-PT" sz="1000" b="0" i="0" u="none" strike="noStrike" kern="1200" baseline="0" dirty="0" smtClean="0">
-              <a:solidFill>
-                <a:srgbClr val="00B0F0"/>
-              </a:solidFill>
-              <a:latin typeface="+mn-lt"/>
-              <a:ea typeface="+mn-ea"/>
-              <a:cs typeface="+mn-cs"/>
-            </a:endParaRPr>
-          </a:p>
-          <a:p>
-            <a:endParaRPr lang="pt-PT" sz="1000" b="0" i="0" u="none" strike="noStrike" kern="1200" baseline="0" dirty="0" smtClean="0">
-              <a:solidFill>
-                <a:srgbClr val="00B0F0"/>
-              </a:solidFill>
-              <a:latin typeface="+mn-lt"/>
-              <a:ea typeface="+mn-ea"/>
-              <a:cs typeface="+mn-cs"/>
-            </a:endParaRPr>
-          </a:p>
-          <a:p>
-            <a:endParaRPr lang="pt-PT" sz="1000" dirty="0">
-              <a:solidFill>
-                <a:srgbClr val="00B0F0"/>
-              </a:solidFill>
-            </a:endParaRPr>
+            <a:endParaRPr lang="pt-PT"/>
           </a:p>
         </p:txBody>
       </p:sp>
@@ -17398,7 +16975,7 @@
           <a:p>
             <a:fld id="{2F860F64-E966-4EB5-9711-ED060658A680}" type="slidenum">
               <a:rPr lang="pt-PT" smtClean="0"/>
-              <a:t>8</a:t>
+              <a:t>2</a:t>
             </a:fld>
             <a:endParaRPr lang="pt-PT"/>
           </a:p>
@@ -17407,7 +16984,7 @@
     </p:spTree>
     <p:extLst>
       <p:ext uri="{BB962C8B-B14F-4D97-AF65-F5344CB8AC3E}">
-        <p14:creationId xmlns:p14="http://schemas.microsoft.com/office/powerpoint/2010/main" val="4105282146"/>
+        <p14:creationId xmlns:p14="http://schemas.microsoft.com/office/powerpoint/2010/main" val="1675691067"/>
       </p:ext>
     </p:extLst>
   </p:cSld>
@@ -17461,107 +17038,7 @@
           <a:bodyPr/>
           <a:lstStyle/>
           <a:p>
-            <a:r>
-              <a:rPr lang="en-US" sz="1200" b="1" i="0" kern="1200" dirty="0" smtClean="0">
-                <a:solidFill>
-                  <a:schemeClr val="tx1"/>
-                </a:solidFill>
-                <a:effectLst/>
-                <a:latin typeface="+mn-lt"/>
-                <a:ea typeface="+mn-ea"/>
-                <a:cs typeface="+mn-cs"/>
-              </a:rPr>
-              <a:t>Kremlin:</a:t>
-            </a:r>
-            <a:r>
-              <a:rPr lang="en-US" sz="1200" b="0" i="0" kern="1200" dirty="0" smtClean="0">
-                <a:solidFill>
-                  <a:schemeClr val="tx1"/>
-                </a:solidFill>
-                <a:effectLst/>
-                <a:latin typeface="+mn-lt"/>
-                <a:ea typeface="+mn-ea"/>
-                <a:cs typeface="+mn-cs"/>
-              </a:rPr>
-              <a:t> Kremlin aims to answer the question, "What parts of this program should I spent time parallelizing?". In this sense, it is like </a:t>
-            </a:r>
-            <a:r>
-              <a:rPr lang="en-US" sz="1200" b="0" i="0" kern="1200" dirty="0" err="1" smtClean="0">
-                <a:solidFill>
-                  <a:schemeClr val="tx1"/>
-                </a:solidFill>
-                <a:effectLst/>
-                <a:latin typeface="+mn-lt"/>
-                <a:ea typeface="+mn-ea"/>
-                <a:cs typeface="+mn-cs"/>
-              </a:rPr>
-              <a:t>gprof</a:t>
-            </a:r>
-            <a:r>
-              <a:rPr lang="en-US" sz="1200" b="0" i="0" kern="1200" dirty="0" smtClean="0">
-                <a:solidFill>
-                  <a:schemeClr val="tx1"/>
-                </a:solidFill>
-                <a:effectLst/>
-                <a:latin typeface="+mn-lt"/>
-                <a:ea typeface="+mn-ea"/>
-                <a:cs typeface="+mn-cs"/>
-              </a:rPr>
-              <a:t>, but for parallelization. Kremlin profiles a serial program and tells the programmer not only what regions should be parallelized, but also the order in which they should be parallelized to maximize the return on their effort.</a:t>
-            </a:r>
-          </a:p>
-          <a:p>
-            <a:r>
-              <a:rPr lang="en-US" sz="1200" b="1" i="0" kern="1200" dirty="0" smtClean="0">
-                <a:solidFill>
-                  <a:schemeClr val="tx1"/>
-                </a:solidFill>
-                <a:effectLst/>
-                <a:latin typeface="+mn-lt"/>
-                <a:ea typeface="+mn-ea"/>
-                <a:cs typeface="+mn-cs"/>
-              </a:rPr>
-              <a:t>Kismet:</a:t>
-            </a:r>
-            <a:r>
-              <a:rPr lang="en-US" sz="1200" b="0" i="0" kern="1200" dirty="0" smtClean="0">
-                <a:solidFill>
-                  <a:schemeClr val="tx1"/>
-                </a:solidFill>
-                <a:effectLst/>
-                <a:latin typeface="+mn-lt"/>
-                <a:ea typeface="+mn-ea"/>
-                <a:cs typeface="+mn-cs"/>
-              </a:rPr>
-              <a:t> Kismet helps mitigate the risk of parallel software engineering by answering the question, "What is the best performance I can expect if I parallelize this program?" Kismet profiles serial programs and reports the </a:t>
-            </a:r>
-            <a:r>
-              <a:rPr lang="en-US" sz="1200" b="0" i="0" kern="1200" dirty="0" err="1" smtClean="0">
-                <a:solidFill>
-                  <a:schemeClr val="tx1"/>
-                </a:solidFill>
-                <a:effectLst/>
-                <a:latin typeface="+mn-lt"/>
-                <a:ea typeface="+mn-ea"/>
-                <a:cs typeface="+mn-cs"/>
-              </a:rPr>
-              <a:t>upperbound</a:t>
-            </a:r>
-            <a:r>
-              <a:rPr lang="en-US" sz="1200" b="0" i="0" kern="1200" dirty="0" smtClean="0">
-                <a:solidFill>
-                  <a:schemeClr val="tx1"/>
-                </a:solidFill>
-                <a:effectLst/>
-                <a:latin typeface="+mn-lt"/>
-                <a:ea typeface="+mn-ea"/>
-                <a:cs typeface="+mn-cs"/>
-              </a:rPr>
-              <a:t> on parallel speedup based on the program's inherent parallelism and the system it will be running on.</a:t>
-            </a:r>
-          </a:p>
-          <a:p>
-            <a:endParaRPr lang="pt-PT" dirty="0"/>
+            <a:endParaRPr lang="pt-PT"/>
           </a:p>
         </p:txBody>
       </p:sp>
@@ -17582,7 +17059,7 @@
           <a:p>
             <a:fld id="{2F860F64-E966-4EB5-9711-ED060658A680}" type="slidenum">
               <a:rPr lang="pt-PT" smtClean="0"/>
-              <a:t>9</a:t>
+              <a:t>3</a:t>
             </a:fld>
             <a:endParaRPr lang="pt-PT"/>
           </a:p>
@@ -17591,7 +17068,7 @@
     </p:spTree>
     <p:extLst>
       <p:ext uri="{BB962C8B-B14F-4D97-AF65-F5344CB8AC3E}">
-        <p14:creationId xmlns:p14="http://schemas.microsoft.com/office/powerpoint/2010/main" val="2350500474"/>
+        <p14:creationId xmlns:p14="http://schemas.microsoft.com/office/powerpoint/2010/main" val="1650759524"/>
       </p:ext>
     </p:extLst>
   </p:cSld>
@@ -17645,6 +17122,106 @@
           <a:bodyPr/>
           <a:lstStyle/>
           <a:p>
+            <a:r>
+              <a:rPr lang="en-US" sz="1200" b="1" i="0" kern="1200" dirty="0" smtClean="0">
+                <a:solidFill>
+                  <a:schemeClr val="tx1"/>
+                </a:solidFill>
+                <a:effectLst/>
+                <a:latin typeface="+mn-lt"/>
+                <a:ea typeface="+mn-ea"/>
+                <a:cs typeface="+mn-cs"/>
+              </a:rPr>
+              <a:t>Kremlin:</a:t>
+            </a:r>
+            <a:r>
+              <a:rPr lang="en-US" sz="1200" b="0" i="0" kern="1200" dirty="0" smtClean="0">
+                <a:solidFill>
+                  <a:schemeClr val="tx1"/>
+                </a:solidFill>
+                <a:effectLst/>
+                <a:latin typeface="+mn-lt"/>
+                <a:ea typeface="+mn-ea"/>
+                <a:cs typeface="+mn-cs"/>
+              </a:rPr>
+              <a:t> Kremlin aims to answer the question, "What parts of this program should I spent time parallelizing?". In this sense, it is like </a:t>
+            </a:r>
+            <a:r>
+              <a:rPr lang="en-US" sz="1200" b="0" i="0" kern="1200" dirty="0" err="1" smtClean="0">
+                <a:solidFill>
+                  <a:schemeClr val="tx1"/>
+                </a:solidFill>
+                <a:effectLst/>
+                <a:latin typeface="+mn-lt"/>
+                <a:ea typeface="+mn-ea"/>
+                <a:cs typeface="+mn-cs"/>
+              </a:rPr>
+              <a:t>gprof</a:t>
+            </a:r>
+            <a:r>
+              <a:rPr lang="en-US" sz="1200" b="0" i="0" kern="1200" dirty="0" smtClean="0">
+                <a:solidFill>
+                  <a:schemeClr val="tx1"/>
+                </a:solidFill>
+                <a:effectLst/>
+                <a:latin typeface="+mn-lt"/>
+                <a:ea typeface="+mn-ea"/>
+                <a:cs typeface="+mn-cs"/>
+              </a:rPr>
+              <a:t>, but for parallelization. Kremlin profiles a serial program and tells the programmer not only what regions should be parallelized, but also the order in which they should be parallelized to maximize the return on their effort.</a:t>
+            </a:r>
+          </a:p>
+          <a:p>
+            <a:r>
+              <a:rPr lang="en-US" sz="1200" b="1" i="0" kern="1200" dirty="0" smtClean="0">
+                <a:solidFill>
+                  <a:schemeClr val="tx1"/>
+                </a:solidFill>
+                <a:effectLst/>
+                <a:latin typeface="+mn-lt"/>
+                <a:ea typeface="+mn-ea"/>
+                <a:cs typeface="+mn-cs"/>
+              </a:rPr>
+              <a:t>Kismet:</a:t>
+            </a:r>
+            <a:r>
+              <a:rPr lang="en-US" sz="1200" b="0" i="0" kern="1200" dirty="0" smtClean="0">
+                <a:solidFill>
+                  <a:schemeClr val="tx1"/>
+                </a:solidFill>
+                <a:effectLst/>
+                <a:latin typeface="+mn-lt"/>
+                <a:ea typeface="+mn-ea"/>
+                <a:cs typeface="+mn-cs"/>
+              </a:rPr>
+              <a:t> Kismet helps mitigate the risk of parallel software engineering by answering the question, "What is the best performance I can expect if I parallelize this program?" Kismet profiles serial programs and reports the </a:t>
+            </a:r>
+            <a:r>
+              <a:rPr lang="en-US" sz="1200" b="0" i="0" kern="1200" dirty="0" err="1" smtClean="0">
+                <a:solidFill>
+                  <a:schemeClr val="tx1"/>
+                </a:solidFill>
+                <a:effectLst/>
+                <a:latin typeface="+mn-lt"/>
+                <a:ea typeface="+mn-ea"/>
+                <a:cs typeface="+mn-cs"/>
+              </a:rPr>
+              <a:t>upperbound</a:t>
+            </a:r>
+            <a:r>
+              <a:rPr lang="en-US" sz="1200" b="0" i="0" kern="1200" dirty="0" smtClean="0">
+                <a:solidFill>
+                  <a:schemeClr val="tx1"/>
+                </a:solidFill>
+                <a:effectLst/>
+                <a:latin typeface="+mn-lt"/>
+                <a:ea typeface="+mn-ea"/>
+                <a:cs typeface="+mn-cs"/>
+              </a:rPr>
+              <a:t> on parallel speedup based on the program's inherent parallelism and the system it will be running on.</a:t>
+            </a:r>
+          </a:p>
+          <a:p>
             <a:endParaRPr lang="pt-PT" dirty="0"/>
           </a:p>
         </p:txBody>
@@ -17666,7 +17243,7 @@
           <a:p>
             <a:fld id="{2F860F64-E966-4EB5-9711-ED060658A680}" type="slidenum">
               <a:rPr lang="pt-PT" smtClean="0"/>
-              <a:t>12</a:t>
+              <a:t>8</a:t>
             </a:fld>
             <a:endParaRPr lang="pt-PT"/>
           </a:p>
@@ -17675,7 +17252,7 @@
     </p:spTree>
     <p:extLst>
       <p:ext uri="{BB962C8B-B14F-4D97-AF65-F5344CB8AC3E}">
-        <p14:creationId xmlns:p14="http://schemas.microsoft.com/office/powerpoint/2010/main" val="705472300"/>
+        <p14:creationId xmlns:p14="http://schemas.microsoft.com/office/powerpoint/2010/main" val="2350500474"/>
       </p:ext>
     </p:extLst>
   </p:cSld>
@@ -17729,32 +17306,6 @@
           <a:bodyPr/>
           <a:lstStyle/>
           <a:p>
-            <a:r>
-              <a:rPr lang="pt-PT" dirty="0" err="1" smtClean="0"/>
-              <a:t>Codigo</a:t>
-            </a:r>
-            <a:r>
-              <a:rPr lang="pt-PT" dirty="0" smtClean="0"/>
-              <a:t> sequencial dos dois casos de</a:t>
-            </a:r>
-            <a:r>
-              <a:rPr lang="pt-PT" baseline="0" dirty="0" smtClean="0"/>
-              <a:t> uso do projeto</a:t>
-            </a:r>
-          </a:p>
-          <a:p>
-            <a:r>
-              <a:rPr lang="pt-PT" baseline="0" dirty="0" smtClean="0"/>
-              <a:t>Métricas</a:t>
-            </a:r>
-          </a:p>
-          <a:p>
-            <a:r>
-              <a:rPr lang="pt-PT" baseline="0" dirty="0" smtClean="0"/>
-              <a:t>Como vou fazer as medições energéticas -&gt; Recorrer à biblioteca  C RAPL</a:t>
-            </a:r>
-          </a:p>
-          <a:p>
             <a:endParaRPr lang="pt-PT" dirty="0"/>
           </a:p>
         </p:txBody>
@@ -17776,7 +17327,7 @@
           <a:p>
             <a:fld id="{2F860F64-E966-4EB5-9711-ED060658A680}" type="slidenum">
               <a:rPr lang="pt-PT" smtClean="0"/>
-              <a:t>15</a:t>
+              <a:t>11</a:t>
             </a:fld>
             <a:endParaRPr lang="pt-PT"/>
           </a:p>
@@ -17785,7 +17336,7 @@
     </p:spTree>
     <p:extLst>
       <p:ext uri="{BB962C8B-B14F-4D97-AF65-F5344CB8AC3E}">
-        <p14:creationId xmlns:p14="http://schemas.microsoft.com/office/powerpoint/2010/main" val="2710878104"/>
+        <p14:creationId xmlns:p14="http://schemas.microsoft.com/office/powerpoint/2010/main" val="705472300"/>
       </p:ext>
     </p:extLst>
   </p:cSld>
@@ -17886,7 +17437,117 @@
           <a:p>
             <a:fld id="{2F860F64-E966-4EB5-9711-ED060658A680}" type="slidenum">
               <a:rPr lang="pt-PT" smtClean="0"/>
-              <a:t>16</a:t>
+              <a:t>14</a:t>
+            </a:fld>
+            <a:endParaRPr lang="pt-PT"/>
+          </a:p>
+        </p:txBody>
+      </p:sp>
+    </p:spTree>
+    <p:extLst>
+      <p:ext uri="{BB962C8B-B14F-4D97-AF65-F5344CB8AC3E}">
+        <p14:creationId xmlns:p14="http://schemas.microsoft.com/office/powerpoint/2010/main" val="2710878104"/>
+      </p:ext>
+    </p:extLst>
+  </p:cSld>
+  <p:clrMapOvr>
+    <a:masterClrMapping/>
+  </p:clrMapOvr>
+</p:notes>
+</file>
+
+<file path=ppt/notesSlides/notesSlide7.xml><?xml version="1.0" encoding="utf-8"?>
+<p:notes xmlns:a="http://schemas.openxmlformats.org/drawingml/2006/main" xmlns:r="http://schemas.openxmlformats.org/officeDocument/2006/relationships" xmlns:p="http://schemas.openxmlformats.org/presentationml/2006/main">
+  <p:cSld>
+    <p:spTree>
+      <p:nvGrpSpPr>
+        <p:cNvPr id="1" name=""/>
+        <p:cNvGrpSpPr/>
+        <p:nvPr/>
+      </p:nvGrpSpPr>
+      <p:grpSpPr>
+        <a:xfrm>
+          <a:off x="0" y="0"/>
+          <a:ext cx="0" cy="0"/>
+          <a:chOff x="0" y="0"/>
+          <a:chExt cx="0" cy="0"/>
+        </a:xfrm>
+      </p:grpSpPr>
+      <p:sp>
+        <p:nvSpPr>
+          <p:cNvPr id="2" name="Marcador de Posição da Imagem do Diapositivo 1"/>
+          <p:cNvSpPr>
+            <a:spLocks noGrp="1" noRot="1" noChangeAspect="1"/>
+          </p:cNvSpPr>
+          <p:nvPr>
+            <p:ph type="sldImg"/>
+          </p:nvPr>
+        </p:nvSpPr>
+        <p:spPr/>
+      </p:sp>
+      <p:sp>
+        <p:nvSpPr>
+          <p:cNvPr id="3" name="Marcador de Posição de Notas 2"/>
+          <p:cNvSpPr>
+            <a:spLocks noGrp="1"/>
+          </p:cNvSpPr>
+          <p:nvPr>
+            <p:ph type="body" idx="1"/>
+          </p:nvPr>
+        </p:nvSpPr>
+        <p:spPr/>
+        <p:txBody>
+          <a:bodyPr/>
+          <a:lstStyle/>
+          <a:p>
+            <a:r>
+              <a:rPr lang="pt-PT" dirty="0" err="1" smtClean="0"/>
+              <a:t>Codigo</a:t>
+            </a:r>
+            <a:r>
+              <a:rPr lang="pt-PT" dirty="0" smtClean="0"/>
+              <a:t> sequencial dos dois casos de</a:t>
+            </a:r>
+            <a:r>
+              <a:rPr lang="pt-PT" baseline="0" dirty="0" smtClean="0"/>
+              <a:t> uso do projeto</a:t>
+            </a:r>
+          </a:p>
+          <a:p>
+            <a:r>
+              <a:rPr lang="pt-PT" baseline="0" dirty="0" smtClean="0"/>
+              <a:t>Métricas</a:t>
+            </a:r>
+          </a:p>
+          <a:p>
+            <a:r>
+              <a:rPr lang="pt-PT" baseline="0" dirty="0" smtClean="0"/>
+              <a:t>Como vou fazer as medições energéticas -&gt; Recorrer à biblioteca  C RAPL</a:t>
+            </a:r>
+          </a:p>
+          <a:p>
+            <a:endParaRPr lang="pt-PT" dirty="0"/>
+          </a:p>
+        </p:txBody>
+      </p:sp>
+      <p:sp>
+        <p:nvSpPr>
+          <p:cNvPr id="4" name="Marcador de Posição do Número do Diapositivo 3"/>
+          <p:cNvSpPr>
+            <a:spLocks noGrp="1"/>
+          </p:cNvSpPr>
+          <p:nvPr>
+            <p:ph type="sldNum" sz="quarter" idx="10"/>
+          </p:nvPr>
+        </p:nvSpPr>
+        <p:spPr/>
+        <p:txBody>
+          <a:bodyPr/>
+          <a:lstStyle/>
+          <a:p>
+            <a:fld id="{2F860F64-E966-4EB5-9711-ED060658A680}" type="slidenum">
+              <a:rPr lang="pt-PT" smtClean="0"/>
+              <a:t>15</a:t>
             </a:fld>
             <a:endParaRPr lang="pt-PT"/>
           </a:p>
@@ -18036,7 +17697,7 @@
           <a:p>
             <a:r>
               <a:rPr lang="pt-PT" smtClean="0"/>
-              <a:t>06/01/2017</a:t>
+              <a:t>06/02/2017</a:t>
             </a:r>
             <a:endParaRPr lang="pt-PT"/>
           </a:p>
@@ -18210,7 +17871,7 @@
           <a:p>
             <a:r>
               <a:rPr lang="pt-PT" smtClean="0"/>
-              <a:t>06/01/2017</a:t>
+              <a:t>06/02/2017</a:t>
             </a:r>
             <a:endParaRPr lang="pt-PT"/>
           </a:p>
@@ -18394,7 +18055,7 @@
           <a:p>
             <a:r>
               <a:rPr lang="pt-PT" smtClean="0"/>
-              <a:t>06/01/2017</a:t>
+              <a:t>06/02/2017</a:t>
             </a:r>
             <a:endParaRPr lang="pt-PT"/>
           </a:p>
@@ -18568,7 +18229,7 @@
           <a:p>
             <a:r>
               <a:rPr lang="pt-PT" smtClean="0"/>
-              <a:t>06/01/2017</a:t>
+              <a:t>06/02/2017</a:t>
             </a:r>
             <a:endParaRPr lang="pt-PT"/>
           </a:p>
@@ -18818,7 +18479,7 @@
           <a:p>
             <a:r>
               <a:rPr lang="pt-PT" smtClean="0"/>
-              <a:t>06/01/2017</a:t>
+              <a:t>06/02/2017</a:t>
             </a:r>
             <a:endParaRPr lang="pt-PT"/>
           </a:p>
@@ -19054,7 +18715,7 @@
           <a:p>
             <a:r>
               <a:rPr lang="pt-PT" smtClean="0"/>
-              <a:t>06/01/2017</a:t>
+              <a:t>06/02/2017</a:t>
             </a:r>
             <a:endParaRPr lang="pt-PT"/>
           </a:p>
@@ -19425,7 +19086,7 @@
           <a:p>
             <a:r>
               <a:rPr lang="pt-PT" smtClean="0"/>
-              <a:t>06/01/2017</a:t>
+              <a:t>06/02/2017</a:t>
             </a:r>
             <a:endParaRPr lang="pt-PT"/>
           </a:p>
@@ -19547,7 +19208,7 @@
           <a:p>
             <a:r>
               <a:rPr lang="pt-PT" smtClean="0"/>
-              <a:t>06/01/2017</a:t>
+              <a:t>06/02/2017</a:t>
             </a:r>
             <a:endParaRPr lang="pt-PT"/>
           </a:p>
@@ -19646,7 +19307,7 @@
           <a:p>
             <a:r>
               <a:rPr lang="pt-PT" smtClean="0"/>
-              <a:t>06/01/2017</a:t>
+              <a:t>06/02/2017</a:t>
             </a:r>
             <a:endParaRPr lang="pt-PT"/>
           </a:p>
@@ -19927,7 +19588,7 @@
           <a:p>
             <a:r>
               <a:rPr lang="pt-PT" smtClean="0"/>
-              <a:t>06/01/2017</a:t>
+              <a:t>06/02/2017</a:t>
             </a:r>
             <a:endParaRPr lang="pt-PT"/>
           </a:p>
@@ -20184,7 +19845,7 @@
           <a:p>
             <a:r>
               <a:rPr lang="pt-PT" smtClean="0"/>
-              <a:t>06/01/2017</a:t>
+              <a:t>06/02/2017</a:t>
             </a:r>
             <a:endParaRPr lang="pt-PT"/>
           </a:p>
@@ -20401,7 +20062,7 @@
           <a:p>
             <a:r>
               <a:rPr lang="pt-PT" smtClean="0"/>
-              <a:t>06/01/2017</a:t>
+              <a:t>06/02/2017</a:t>
             </a:r>
             <a:endParaRPr lang="pt-PT"/>
           </a:p>
@@ -20924,7 +20585,7 @@
           <p:nvPr/>
         </p:nvPicPr>
         <p:blipFill>
-          <a:blip r:embed="rId2" cstate="print">
+          <a:blip r:embed="rId3" cstate="print">
             <a:extLst>
               <a:ext uri="{28A0092B-C50C-407E-A947-70E740481C1C}">
                 <a14:useLocalDpi xmlns:a14="http://schemas.microsoft.com/office/drawing/2010/main" val="0"/>
@@ -20954,7 +20615,7 @@
           <p:nvPr/>
         </p:nvPicPr>
         <p:blipFill>
-          <a:blip r:embed="rId3">
+          <a:blip r:embed="rId4">
             <a:extLst>
               <a:ext uri="{28A0092B-C50C-407E-A947-70E740481C1C}">
                 <a14:useLocalDpi xmlns:a14="http://schemas.microsoft.com/office/drawing/2010/main" val="0"/>
@@ -21063,21 +20724,37 @@
         </p:nvSpPr>
         <p:spPr/>
         <p:txBody>
-          <a:bodyPr>
-            <a:normAutofit/>
-          </a:bodyPr>
+          <a:bodyPr/>
           <a:lstStyle/>
           <a:p>
             <a:r>
-              <a:rPr lang="pt-PT" sz="4000" b="1" dirty="0" err="1" smtClean="0">
+              <a:rPr lang="pt-PT" b="1" dirty="0" err="1" smtClean="0">
                 <a:solidFill>
                   <a:srgbClr val="8C2D19"/>
                 </a:solidFill>
                 <a:latin typeface="Berlin Sans FB Demi" panose="020E0802020502020306" pitchFamily="34" charset="0"/>
               </a:rPr>
-              <a:t>Problem</a:t>
-            </a:r>
-            <a:endParaRPr lang="pt-PT" sz="4000" b="1" dirty="0">
+              <a:t>Possible</a:t>
+            </a:r>
+            <a:r>
+              <a:rPr lang="pt-PT" b="1" dirty="0" smtClean="0">
+                <a:solidFill>
+                  <a:srgbClr val="8C2D19"/>
+                </a:solidFill>
+                <a:latin typeface="Berlin Sans FB Demi" panose="020E0802020502020306" pitchFamily="34" charset="0"/>
+              </a:rPr>
+              <a:t> </a:t>
+            </a:r>
+            <a:r>
+              <a:rPr lang="pt-PT" b="1" dirty="0" err="1" smtClean="0">
+                <a:solidFill>
+                  <a:srgbClr val="8C2D19"/>
+                </a:solidFill>
+                <a:latin typeface="Berlin Sans FB Demi" panose="020E0802020502020306" pitchFamily="34" charset="0"/>
+              </a:rPr>
+              <a:t>Solution</a:t>
+            </a:r>
+            <a:endParaRPr lang="pt-PT" b="1" dirty="0">
               <a:solidFill>
                 <a:srgbClr val="8C2D19"/>
               </a:solidFill>
@@ -21108,413 +20785,7 @@
                 </a:solidFill>
                 <a:latin typeface="Constantia" panose="02030602050306030303" pitchFamily="18" charset="0"/>
               </a:rPr>
-              <a:t>06/01/2017</a:t>
-            </a:r>
-            <a:endParaRPr lang="pt-PT" dirty="0">
-              <a:solidFill>
-                <a:schemeClr val="bg1"/>
-              </a:solidFill>
-              <a:latin typeface="Constantia" panose="02030602050306030303" pitchFamily="18" charset="0"/>
-            </a:endParaRPr>
-          </a:p>
-        </p:txBody>
-      </p:sp>
-      <p:sp>
-        <p:nvSpPr>
-          <p:cNvPr id="5" name="Marcador de Posição do Rodapé 4"/>
-          <p:cNvSpPr>
-            <a:spLocks noGrp="1"/>
-          </p:cNvSpPr>
-          <p:nvPr>
-            <p:ph type="ftr" sz="quarter" idx="11"/>
-          </p:nvPr>
-        </p:nvSpPr>
-        <p:spPr>
-          <a:xfrm>
-            <a:off x="4038599" y="6356350"/>
-            <a:ext cx="4337649" cy="365125"/>
-          </a:xfrm>
-        </p:spPr>
-        <p:txBody>
-          <a:bodyPr/>
-          <a:lstStyle/>
-          <a:p>
-            <a:r>
-              <a:rPr lang="pt-PT" smtClean="0">
-                <a:solidFill>
-                  <a:schemeClr val="bg1"/>
-                </a:solidFill>
-                <a:latin typeface="Constantia" panose="02030602050306030303" pitchFamily="18" charset="0"/>
-              </a:rPr>
-              <a:t>Faculdade de Engenharia da Universidade do Porto Mestrado Integrado em Engenharia Informática e Computação</a:t>
-            </a:r>
-            <a:endParaRPr lang="pt-PT" dirty="0">
-              <a:solidFill>
-                <a:schemeClr val="bg1"/>
-              </a:solidFill>
-              <a:latin typeface="Constantia" panose="02030602050306030303" pitchFamily="18" charset="0"/>
-            </a:endParaRPr>
-          </a:p>
-        </p:txBody>
-      </p:sp>
-      <p:sp>
-        <p:nvSpPr>
-          <p:cNvPr id="6" name="Marcador de Posição do Número do Diapositivo 5"/>
-          <p:cNvSpPr>
-            <a:spLocks noGrp="1"/>
-          </p:cNvSpPr>
-          <p:nvPr>
-            <p:ph type="sldNum" sz="quarter" idx="12"/>
-          </p:nvPr>
-        </p:nvSpPr>
-        <p:spPr/>
-        <p:txBody>
-          <a:bodyPr/>
-          <a:lstStyle/>
-          <a:p>
-            <a:fld id="{F5F1BD42-12A7-41F2-9B1D-3590AF6DE491}" type="slidenum">
-              <a:rPr lang="pt-PT" smtClean="0">
-                <a:solidFill>
-                  <a:schemeClr val="bg1"/>
-                </a:solidFill>
-                <a:latin typeface="Constantia" panose="02030602050306030303" pitchFamily="18" charset="0"/>
-              </a:rPr>
-              <a:t>10</a:t>
-            </a:fld>
-            <a:endParaRPr lang="pt-PT" dirty="0">
-              <a:solidFill>
-                <a:schemeClr val="bg1"/>
-              </a:solidFill>
-              <a:latin typeface="Constantia" panose="02030602050306030303" pitchFamily="18" charset="0"/>
-            </a:endParaRPr>
-          </a:p>
-        </p:txBody>
-      </p:sp>
-      <p:pic>
-        <p:nvPicPr>
-          <p:cNvPr id="8" name="Imagem 7"/>
-          <p:cNvPicPr>
-            <a:picLocks noChangeAspect="1"/>
-          </p:cNvPicPr>
-          <p:nvPr/>
-        </p:nvPicPr>
-        <p:blipFill>
-          <a:blip r:embed="rId2">
-            <a:extLst>
-              <a:ext uri="{28A0092B-C50C-407E-A947-70E740481C1C}">
-                <a14:useLocalDpi xmlns:a14="http://schemas.microsoft.com/office/drawing/2010/main" val="0"/>
-              </a:ext>
-            </a:extLst>
-          </a:blip>
-          <a:stretch>
-            <a:fillRect/>
-          </a:stretch>
-        </p:blipFill>
-        <p:spPr>
-          <a:xfrm>
-            <a:off x="8042606" y="2219422"/>
-            <a:ext cx="2482575" cy="2359765"/>
-          </a:xfrm>
-          <a:prstGeom prst="rect">
-            <a:avLst/>
-          </a:prstGeom>
-        </p:spPr>
-      </p:pic>
-      <p:pic>
-        <p:nvPicPr>
-          <p:cNvPr id="9" name="Imagem 8"/>
-          <p:cNvPicPr>
-            <a:picLocks noChangeAspect="1"/>
-          </p:cNvPicPr>
-          <p:nvPr/>
-        </p:nvPicPr>
-        <p:blipFill>
-          <a:blip r:embed="rId3">
-            <a:extLst>
-              <a:ext uri="{28A0092B-C50C-407E-A947-70E740481C1C}">
-                <a14:useLocalDpi xmlns:a14="http://schemas.microsoft.com/office/drawing/2010/main" val="0"/>
-              </a:ext>
-            </a:extLst>
-          </a:blip>
-          <a:stretch>
-            <a:fillRect/>
-          </a:stretch>
-        </p:blipFill>
-        <p:spPr>
-          <a:xfrm>
-            <a:off x="1416166" y="2229426"/>
-            <a:ext cx="2482575" cy="2482575"/>
-          </a:xfrm>
-          <a:prstGeom prst="rect">
-            <a:avLst/>
-          </a:prstGeom>
-        </p:spPr>
-      </p:pic>
-      <p:pic>
-        <p:nvPicPr>
-          <p:cNvPr id="11" name="Imagem 10"/>
-          <p:cNvPicPr>
-            <a:picLocks noChangeAspect="1"/>
-          </p:cNvPicPr>
-          <p:nvPr/>
-        </p:nvPicPr>
-        <p:blipFill>
-          <a:blip r:embed="rId4" cstate="print">
-            <a:extLst>
-              <a:ext uri="{28A0092B-C50C-407E-A947-70E740481C1C}">
-                <a14:useLocalDpi xmlns:a14="http://schemas.microsoft.com/office/drawing/2010/main" val="0"/>
-              </a:ext>
-            </a:extLst>
-          </a:blip>
-          <a:stretch>
-            <a:fillRect/>
-          </a:stretch>
-        </p:blipFill>
-        <p:spPr>
-          <a:xfrm>
-            <a:off x="5562032" y="2936640"/>
-            <a:ext cx="942713" cy="942713"/>
-          </a:xfrm>
-          <a:prstGeom prst="rect">
-            <a:avLst/>
-          </a:prstGeom>
-        </p:spPr>
-      </p:pic>
-      <p:sp>
-        <p:nvSpPr>
-          <p:cNvPr id="12" name="CaixaDeTexto 11"/>
-          <p:cNvSpPr txBox="1"/>
-          <p:nvPr/>
-        </p:nvSpPr>
-        <p:spPr>
-          <a:xfrm>
-            <a:off x="1530288" y="4990274"/>
-            <a:ext cx="2570673" cy="707886"/>
-          </a:xfrm>
-          <a:prstGeom prst="rect">
-            <a:avLst/>
-          </a:prstGeom>
-          <a:noFill/>
-        </p:spPr>
-        <p:txBody>
-          <a:bodyPr wrap="square" rtlCol="0">
-            <a:spAutoFit/>
-          </a:bodyPr>
-          <a:lstStyle/>
-          <a:p>
-            <a:r>
-              <a:rPr lang="pt-PT" sz="2000" dirty="0" smtClean="0">
-                <a:latin typeface="Constantia" panose="02030602050306030303" pitchFamily="18" charset="0"/>
-              </a:rPr>
-              <a:t>Software </a:t>
-            </a:r>
-            <a:r>
-              <a:rPr lang="pt-PT" sz="2000" dirty="0" err="1" smtClean="0">
-                <a:latin typeface="Constantia" panose="02030602050306030303" pitchFamily="18" charset="0"/>
-              </a:rPr>
-              <a:t>Application</a:t>
-            </a:r>
-            <a:endParaRPr lang="pt-PT" sz="2000" dirty="0" smtClean="0">
-              <a:latin typeface="Constantia" panose="02030602050306030303" pitchFamily="18" charset="0"/>
-            </a:endParaRPr>
-          </a:p>
-          <a:p>
-            <a:endParaRPr lang="pt-PT" sz="2000" dirty="0">
-              <a:latin typeface="Constantia" panose="02030602050306030303" pitchFamily="18" charset="0"/>
-            </a:endParaRPr>
-          </a:p>
-        </p:txBody>
-      </p:sp>
-      <p:sp>
-        <p:nvSpPr>
-          <p:cNvPr id="13" name="CaixaDeTexto 12"/>
-          <p:cNvSpPr txBox="1"/>
-          <p:nvPr/>
-        </p:nvSpPr>
-        <p:spPr>
-          <a:xfrm>
-            <a:off x="8042606" y="4985111"/>
-            <a:ext cx="2729114" cy="707886"/>
-          </a:xfrm>
-          <a:prstGeom prst="rect">
-            <a:avLst/>
-          </a:prstGeom>
-          <a:noFill/>
-        </p:spPr>
-        <p:txBody>
-          <a:bodyPr wrap="square" rtlCol="0">
-            <a:spAutoFit/>
-          </a:bodyPr>
-          <a:lstStyle/>
-          <a:p>
-            <a:r>
-              <a:rPr lang="pt-PT" sz="2000" dirty="0" err="1" smtClean="0">
-                <a:latin typeface="Constantia" panose="02030602050306030303" pitchFamily="18" charset="0"/>
-              </a:rPr>
-              <a:t>Heterogeneous</a:t>
-            </a:r>
-            <a:r>
-              <a:rPr lang="pt-PT" sz="2000" dirty="0" smtClean="0">
-                <a:latin typeface="Constantia" panose="02030602050306030303" pitchFamily="18" charset="0"/>
-              </a:rPr>
-              <a:t> </a:t>
-            </a:r>
-            <a:r>
-              <a:rPr lang="pt-PT" sz="2000" dirty="0" err="1" smtClean="0">
-                <a:latin typeface="Constantia" panose="02030602050306030303" pitchFamily="18" charset="0"/>
-              </a:rPr>
-              <a:t>System</a:t>
-            </a:r>
-            <a:endParaRPr lang="pt-PT" sz="2000" dirty="0" smtClean="0">
-              <a:latin typeface="Constantia" panose="02030602050306030303" pitchFamily="18" charset="0"/>
-            </a:endParaRPr>
-          </a:p>
-          <a:p>
-            <a:endParaRPr lang="pt-PT" sz="2000" dirty="0">
-              <a:latin typeface="Constantia" panose="02030602050306030303" pitchFamily="18" charset="0"/>
-            </a:endParaRPr>
-          </a:p>
-        </p:txBody>
-      </p:sp>
-    </p:spTree>
-    <p:extLst>
-      <p:ext uri="{BB962C8B-B14F-4D97-AF65-F5344CB8AC3E}">
-        <p14:creationId xmlns:p14="http://schemas.microsoft.com/office/powerpoint/2010/main" val="4066571183"/>
-      </p:ext>
-    </p:extLst>
-  </p:cSld>
-  <p:clrMapOvr>
-    <a:masterClrMapping/>
-  </p:clrMapOvr>
-  <p:timing>
-    <p:tnLst>
-      <p:par>
-        <p:cTn id="1" dur="indefinite" restart="never" nodeType="tmRoot"/>
-      </p:par>
-    </p:tnLst>
-  </p:timing>
-</p:sld>
-</file>
-
-<file path=ppt/slides/slide11.xml><?xml version="1.0" encoding="utf-8"?>
-<p:sld xmlns:a="http://schemas.openxmlformats.org/drawingml/2006/main" xmlns:r="http://schemas.openxmlformats.org/officeDocument/2006/relationships" xmlns:p="http://schemas.openxmlformats.org/presentationml/2006/main">
-  <p:cSld>
-    <p:spTree>
-      <p:nvGrpSpPr>
-        <p:cNvPr id="1" name=""/>
-        <p:cNvGrpSpPr/>
-        <p:nvPr/>
-      </p:nvGrpSpPr>
-      <p:grpSpPr>
-        <a:xfrm>
-          <a:off x="0" y="0"/>
-          <a:ext cx="0" cy="0"/>
-          <a:chOff x="0" y="0"/>
-          <a:chExt cx="0" cy="0"/>
-        </a:xfrm>
-      </p:grpSpPr>
-      <p:sp>
-        <p:nvSpPr>
-          <p:cNvPr id="7" name="CaixaDeTexto 6"/>
-          <p:cNvSpPr txBox="1"/>
-          <p:nvPr/>
-        </p:nvSpPr>
-        <p:spPr>
-          <a:xfrm>
-            <a:off x="0" y="6236898"/>
-            <a:ext cx="12192000" cy="621102"/>
-          </a:xfrm>
-          <a:prstGeom prst="rect">
-            <a:avLst/>
-          </a:prstGeom>
-          <a:solidFill>
-            <a:srgbClr val="8C2D19"/>
-          </a:solidFill>
-        </p:spPr>
-        <p:txBody>
-          <a:bodyPr wrap="square" rtlCol="0">
-            <a:spAutoFit/>
-          </a:bodyPr>
-          <a:lstStyle/>
-          <a:p>
-            <a:endParaRPr lang="pt-PT" dirty="0"/>
-          </a:p>
-        </p:txBody>
-      </p:sp>
-      <p:sp>
-        <p:nvSpPr>
-          <p:cNvPr id="2" name="Título 1"/>
-          <p:cNvSpPr>
-            <a:spLocks noGrp="1"/>
-          </p:cNvSpPr>
-          <p:nvPr>
-            <p:ph type="title"/>
-          </p:nvPr>
-        </p:nvSpPr>
-        <p:spPr/>
-        <p:txBody>
-          <a:bodyPr/>
-          <a:lstStyle/>
-          <a:p>
-            <a:r>
-              <a:rPr lang="pt-PT" b="1" dirty="0" err="1" smtClean="0">
-                <a:solidFill>
-                  <a:srgbClr val="8C2D19"/>
-                </a:solidFill>
-                <a:latin typeface="Berlin Sans FB Demi" panose="020E0802020502020306" pitchFamily="34" charset="0"/>
-              </a:rPr>
-              <a:t>Possible</a:t>
-            </a:r>
-            <a:r>
-              <a:rPr lang="pt-PT" b="1" dirty="0" smtClean="0">
-                <a:solidFill>
-                  <a:srgbClr val="8C2D19"/>
-                </a:solidFill>
-                <a:latin typeface="Berlin Sans FB Demi" panose="020E0802020502020306" pitchFamily="34" charset="0"/>
-              </a:rPr>
-              <a:t> </a:t>
-            </a:r>
-            <a:r>
-              <a:rPr lang="pt-PT" b="1" dirty="0" err="1" smtClean="0">
-                <a:solidFill>
-                  <a:srgbClr val="8C2D19"/>
-                </a:solidFill>
-                <a:latin typeface="Berlin Sans FB Demi" panose="020E0802020502020306" pitchFamily="34" charset="0"/>
-              </a:rPr>
-              <a:t>Solution</a:t>
-            </a:r>
-            <a:endParaRPr lang="pt-PT" b="1" dirty="0">
-              <a:solidFill>
-                <a:srgbClr val="8C2D19"/>
-              </a:solidFill>
-              <a:latin typeface="Berlin Sans FB Demi" panose="020E0802020502020306" pitchFamily="34" charset="0"/>
-            </a:endParaRPr>
-          </a:p>
-        </p:txBody>
-      </p:sp>
-      <p:sp>
-        <p:nvSpPr>
-          <p:cNvPr id="4" name="Marcador de Posição da Data 3"/>
-          <p:cNvSpPr>
-            <a:spLocks noGrp="1"/>
-          </p:cNvSpPr>
-          <p:nvPr>
-            <p:ph type="dt" sz="half" idx="10"/>
-          </p:nvPr>
-        </p:nvSpPr>
-        <p:spPr/>
-        <p:txBody>
-          <a:bodyPr/>
-          <a:lstStyle/>
-          <a:p>
-            <a:r>
-              <a:rPr lang="pt-PT" smtClean="0">
-                <a:solidFill>
-                  <a:schemeClr val="bg1"/>
-                </a:solidFill>
-                <a:latin typeface="Constantia" panose="02030602050306030303" pitchFamily="18" charset="0"/>
-              </a:rPr>
-              <a:t>06/01/2017</a:t>
+              <a:t>06/02/2017</a:t>
             </a:r>
             <a:endParaRPr lang="pt-PT" dirty="0">
               <a:solidFill>
@@ -21546,13 +20817,24 @@
           <a:lstStyle/>
           <a:p>
             <a:r>
-              <a:rPr lang="pt-PT" smtClean="0">
+              <a:rPr lang="pt-PT" dirty="0" smtClean="0">
                 <a:solidFill>
                   <a:schemeClr val="bg1"/>
                 </a:solidFill>
                 <a:latin typeface="Constantia" panose="02030602050306030303" pitchFamily="18" charset="0"/>
               </a:rPr>
-              <a:t>Faculdade de Engenharia da Universidade do Porto Mestrado Integrado em Engenharia Informática e Computação</a:t>
+              <a:t>Faculdade de Engenharia da Universidade do Porto </a:t>
+            </a:r>
+          </a:p>
+          <a:p>
+            <a:r>
+              <a:rPr lang="pt-PT" dirty="0" smtClean="0">
+                <a:solidFill>
+                  <a:schemeClr val="bg1"/>
+                </a:solidFill>
+                <a:latin typeface="Constantia" panose="02030602050306030303" pitchFamily="18" charset="0"/>
+              </a:rPr>
+              <a:t>Mestrado Integrado em Engenharia Informática e Computação</a:t>
             </a:r>
             <a:endParaRPr lang="pt-PT" dirty="0">
               <a:solidFill>
@@ -21585,7 +20867,7 @@
                 </a:solidFill>
                 <a:latin typeface="Constantia" panose="02030602050306030303" pitchFamily="18" charset="0"/>
               </a:rPr>
-              <a:t>11</a:t>
+              <a:t>10</a:t>
             </a:fld>
             <a:endParaRPr lang="pt-PT" dirty="0">
               <a:solidFill>
@@ -21915,7 +21197,7 @@
 </p:sld>
 </file>
 
-<file path=ppt/slides/slide12.xml><?xml version="1.0" encoding="utf-8"?>
+<file path=ppt/slides/slide11.xml><?xml version="1.0" encoding="utf-8"?>
 <p:sld xmlns:a="http://schemas.openxmlformats.org/drawingml/2006/main" xmlns:r="http://schemas.openxmlformats.org/officeDocument/2006/relationships" xmlns:p="http://schemas.openxmlformats.org/presentationml/2006/main">
   <p:cSld>
     <p:spTree>
@@ -22002,6 +21284,15 @@
               </a:rPr>
               <a:t>Aproach</a:t>
             </a:r>
+            <a:r>
+              <a:rPr lang="pt-PT" b="1" dirty="0" smtClean="0">
+                <a:solidFill>
+                  <a:srgbClr val="8C2D19"/>
+                </a:solidFill>
+                <a:latin typeface="Berlin Sans FB Demi" panose="020E0802020502020306" pitchFamily="34" charset="0"/>
+              </a:rPr>
+              <a:t> (1)</a:t>
+            </a:r>
             <a:endParaRPr lang="pt-PT" b="1" dirty="0">
               <a:solidFill>
                 <a:srgbClr val="8C2D19"/>
@@ -22033,7 +21324,7 @@
                 </a:solidFill>
                 <a:latin typeface="Constantia" panose="02030602050306030303" pitchFamily="18" charset="0"/>
               </a:rPr>
-              <a:t>06/01/2017</a:t>
+              <a:t>06/02/2017</a:t>
             </a:r>
             <a:endParaRPr lang="pt-PT" dirty="0">
               <a:solidFill>
@@ -22065,13 +21356,24 @@
           <a:lstStyle/>
           <a:p>
             <a:r>
-              <a:rPr lang="pt-PT" smtClean="0">
+              <a:rPr lang="pt-PT" dirty="0" smtClean="0">
                 <a:solidFill>
                   <a:schemeClr val="bg1"/>
                 </a:solidFill>
                 <a:latin typeface="Constantia" panose="02030602050306030303" pitchFamily="18" charset="0"/>
               </a:rPr>
-              <a:t>Faculdade de Engenharia da Universidade do Porto Mestrado Integrado em Engenharia Informática e Computação</a:t>
+              <a:t>Faculdade de Engenharia da Universidade do Porto </a:t>
+            </a:r>
+          </a:p>
+          <a:p>
+            <a:r>
+              <a:rPr lang="pt-PT" dirty="0" smtClean="0">
+                <a:solidFill>
+                  <a:schemeClr val="bg1"/>
+                </a:solidFill>
+                <a:latin typeface="Constantia" panose="02030602050306030303" pitchFamily="18" charset="0"/>
+              </a:rPr>
+              <a:t>Mestrado Integrado em Engenharia Informática e Computação</a:t>
             </a:r>
             <a:endParaRPr lang="pt-PT" dirty="0">
               <a:solidFill>
@@ -22104,7 +21406,7 @@
                 </a:solidFill>
                 <a:latin typeface="Constantia" panose="02030602050306030303" pitchFamily="18" charset="0"/>
               </a:rPr>
-              <a:t>12</a:t>
+              <a:t>11</a:t>
             </a:fld>
             <a:endParaRPr lang="pt-PT" dirty="0">
               <a:solidFill>
@@ -22384,8 +21686,8 @@
         </p:nvSpPr>
         <p:spPr>
           <a:xfrm>
-            <a:off x="9854005" y="2970864"/>
-            <a:ext cx="1689570" cy="1200329"/>
+            <a:off x="9383486" y="2869978"/>
+            <a:ext cx="2351314" cy="1569660"/>
           </a:xfrm>
           <a:prstGeom prst="rect">
             <a:avLst/>
@@ -22409,24 +21711,27 @@
           <a:p>
             <a:pPr algn="ctr"/>
             <a:r>
+              <a:rPr lang="pt-PT" sz="2400" b="1" dirty="0" smtClean="0">
+                <a:latin typeface="Constantia" panose="02030602050306030303" pitchFamily="18" charset="0"/>
+              </a:rPr>
+              <a:t>+</a:t>
+            </a:r>
+          </a:p>
+          <a:p>
+            <a:pPr algn="ctr"/>
+            <a:r>
+              <a:rPr lang="pt-PT" sz="2400" b="1" dirty="0" smtClean="0">
+                <a:latin typeface="Constantia" panose="02030602050306030303" pitchFamily="18" charset="0"/>
+              </a:rPr>
+              <a:t>Expert </a:t>
+            </a:r>
+            <a:r>
               <a:rPr lang="pt-PT" sz="2400" b="1" dirty="0" err="1" smtClean="0">
                 <a:latin typeface="Constantia" panose="02030602050306030303" pitchFamily="18" charset="0"/>
               </a:rPr>
-              <a:t>Kismet</a:t>
+              <a:t>Parallelization</a:t>
             </a:r>
             <a:endParaRPr lang="pt-PT" sz="2400" b="1" dirty="0" smtClean="0">
-              <a:latin typeface="Constantia" panose="02030602050306030303" pitchFamily="18" charset="0"/>
-            </a:endParaRPr>
-          </a:p>
-          <a:p>
-            <a:pPr algn="ctr"/>
-            <a:r>
-              <a:rPr lang="pt-PT" sz="2400" b="1" dirty="0" smtClean="0">
-                <a:latin typeface="Constantia" panose="02030602050306030303" pitchFamily="18" charset="0"/>
-              </a:rPr>
-              <a:t>Argo</a:t>
-            </a:r>
-            <a:endParaRPr lang="pt-PT" sz="2400" b="1" dirty="0">
               <a:latin typeface="Constantia" panose="02030602050306030303" pitchFamily="18" charset="0"/>
             </a:endParaRPr>
           </a:p>
@@ -22436,6 +21741,439 @@
     <p:extLst>
       <p:ext uri="{BB962C8B-B14F-4D97-AF65-F5344CB8AC3E}">
         <p14:creationId xmlns:p14="http://schemas.microsoft.com/office/powerpoint/2010/main" val="3214432982"/>
+      </p:ext>
+    </p:extLst>
+  </p:cSld>
+  <p:clrMapOvr>
+    <a:masterClrMapping/>
+  </p:clrMapOvr>
+  <p:timing>
+    <p:tnLst>
+      <p:par>
+        <p:cTn id="1" dur="indefinite" restart="never" nodeType="tmRoot"/>
+      </p:par>
+    </p:tnLst>
+  </p:timing>
+</p:sld>
+</file>
+
+<file path=ppt/slides/slide12.xml><?xml version="1.0" encoding="utf-8"?>
+<p:sld xmlns:a="http://schemas.openxmlformats.org/drawingml/2006/main" xmlns:r="http://schemas.openxmlformats.org/officeDocument/2006/relationships" xmlns:p="http://schemas.openxmlformats.org/presentationml/2006/main">
+  <p:cSld>
+    <p:spTree>
+      <p:nvGrpSpPr>
+        <p:cNvPr id="1" name=""/>
+        <p:cNvGrpSpPr/>
+        <p:nvPr/>
+      </p:nvGrpSpPr>
+      <p:grpSpPr>
+        <a:xfrm>
+          <a:off x="0" y="0"/>
+          <a:ext cx="0" cy="0"/>
+          <a:chOff x="0" y="0"/>
+          <a:chExt cx="0" cy="0"/>
+        </a:xfrm>
+      </p:grpSpPr>
+      <p:sp>
+        <p:nvSpPr>
+          <p:cNvPr id="7" name="CaixaDeTexto 6"/>
+          <p:cNvSpPr txBox="1"/>
+          <p:nvPr/>
+        </p:nvSpPr>
+        <p:spPr>
+          <a:xfrm>
+            <a:off x="0" y="6236898"/>
+            <a:ext cx="12192000" cy="621102"/>
+          </a:xfrm>
+          <a:prstGeom prst="rect">
+            <a:avLst/>
+          </a:prstGeom>
+          <a:solidFill>
+            <a:srgbClr val="8C2D19"/>
+          </a:solidFill>
+        </p:spPr>
+        <p:txBody>
+          <a:bodyPr wrap="square" rtlCol="0">
+            <a:spAutoFit/>
+          </a:bodyPr>
+          <a:lstStyle/>
+          <a:p>
+            <a:endParaRPr lang="pt-PT" dirty="0"/>
+          </a:p>
+        </p:txBody>
+      </p:sp>
+      <p:sp>
+        <p:nvSpPr>
+          <p:cNvPr id="2" name="Título 1"/>
+          <p:cNvSpPr>
+            <a:spLocks noGrp="1"/>
+          </p:cNvSpPr>
+          <p:nvPr>
+            <p:ph type="title"/>
+          </p:nvPr>
+        </p:nvSpPr>
+        <p:spPr/>
+        <p:txBody>
+          <a:bodyPr/>
+          <a:lstStyle/>
+          <a:p>
+            <a:r>
+              <a:rPr lang="pt-PT" b="1" dirty="0" err="1" smtClean="0">
+                <a:solidFill>
+                  <a:srgbClr val="8C2D19"/>
+                </a:solidFill>
+                <a:latin typeface="Berlin Sans FB Demi" panose="020E0802020502020306" pitchFamily="34" charset="0"/>
+              </a:rPr>
+              <a:t>Solution’s</a:t>
+            </a:r>
+            <a:r>
+              <a:rPr lang="pt-PT" b="1" dirty="0" smtClean="0">
+                <a:solidFill>
+                  <a:srgbClr val="8C2D19"/>
+                </a:solidFill>
+                <a:latin typeface="Berlin Sans FB Demi" panose="020E0802020502020306" pitchFamily="34" charset="0"/>
+              </a:rPr>
+              <a:t> </a:t>
+            </a:r>
+            <a:r>
+              <a:rPr lang="pt-PT" b="1" dirty="0" err="1" smtClean="0">
+                <a:solidFill>
+                  <a:srgbClr val="8C2D19"/>
+                </a:solidFill>
+                <a:latin typeface="Berlin Sans FB Demi" panose="020E0802020502020306" pitchFamily="34" charset="0"/>
+              </a:rPr>
+              <a:t>Aproach</a:t>
+            </a:r>
+            <a:r>
+              <a:rPr lang="pt-PT" b="1" dirty="0" smtClean="0">
+                <a:solidFill>
+                  <a:srgbClr val="8C2D19"/>
+                </a:solidFill>
+                <a:latin typeface="Berlin Sans FB Demi" panose="020E0802020502020306" pitchFamily="34" charset="0"/>
+              </a:rPr>
+              <a:t> (2)</a:t>
+            </a:r>
+            <a:endParaRPr lang="pt-PT" b="1" dirty="0">
+              <a:solidFill>
+                <a:srgbClr val="8C2D19"/>
+              </a:solidFill>
+              <a:latin typeface="Berlin Sans FB Demi" panose="020E0802020502020306" pitchFamily="34" charset="0"/>
+            </a:endParaRPr>
+          </a:p>
+        </p:txBody>
+      </p:sp>
+      <p:sp>
+        <p:nvSpPr>
+          <p:cNvPr id="4" name="Marcador de Posição da Data 3"/>
+          <p:cNvSpPr>
+            <a:spLocks noGrp="1"/>
+          </p:cNvSpPr>
+          <p:nvPr>
+            <p:ph type="dt" sz="half" idx="10"/>
+          </p:nvPr>
+        </p:nvSpPr>
+        <p:spPr/>
+        <p:txBody>
+          <a:bodyPr/>
+          <a:lstStyle/>
+          <a:p>
+            <a:r>
+              <a:rPr lang="pt-PT" smtClean="0">
+                <a:solidFill>
+                  <a:schemeClr val="bg1"/>
+                </a:solidFill>
+                <a:latin typeface="Constantia" panose="02030602050306030303" pitchFamily="18" charset="0"/>
+              </a:rPr>
+              <a:t>06/02/2017</a:t>
+            </a:r>
+            <a:endParaRPr lang="pt-PT" dirty="0">
+              <a:solidFill>
+                <a:schemeClr val="bg1"/>
+              </a:solidFill>
+              <a:latin typeface="Constantia" panose="02030602050306030303" pitchFamily="18" charset="0"/>
+            </a:endParaRPr>
+          </a:p>
+        </p:txBody>
+      </p:sp>
+      <p:sp>
+        <p:nvSpPr>
+          <p:cNvPr id="5" name="Marcador de Posição do Rodapé 4"/>
+          <p:cNvSpPr>
+            <a:spLocks noGrp="1"/>
+          </p:cNvSpPr>
+          <p:nvPr>
+            <p:ph type="ftr" sz="quarter" idx="11"/>
+          </p:nvPr>
+        </p:nvSpPr>
+        <p:spPr>
+          <a:xfrm>
+            <a:off x="4038599" y="6356350"/>
+            <a:ext cx="4346275" cy="365125"/>
+          </a:xfrm>
+        </p:spPr>
+        <p:txBody>
+          <a:bodyPr/>
+          <a:lstStyle/>
+          <a:p>
+            <a:r>
+              <a:rPr lang="pt-PT" dirty="0" smtClean="0">
+                <a:solidFill>
+                  <a:schemeClr val="bg1"/>
+                </a:solidFill>
+                <a:latin typeface="Constantia" panose="02030602050306030303" pitchFamily="18" charset="0"/>
+              </a:rPr>
+              <a:t>Faculdade de Engenharia da Universidade do Porto </a:t>
+            </a:r>
+          </a:p>
+          <a:p>
+            <a:r>
+              <a:rPr lang="pt-PT" dirty="0" smtClean="0">
+                <a:solidFill>
+                  <a:schemeClr val="bg1"/>
+                </a:solidFill>
+                <a:latin typeface="Constantia" panose="02030602050306030303" pitchFamily="18" charset="0"/>
+              </a:rPr>
+              <a:t>Mestrado Integrado em Engenharia Informática e Computação</a:t>
+            </a:r>
+            <a:endParaRPr lang="pt-PT" dirty="0">
+              <a:solidFill>
+                <a:schemeClr val="bg1"/>
+              </a:solidFill>
+              <a:latin typeface="Constantia" panose="02030602050306030303" pitchFamily="18" charset="0"/>
+            </a:endParaRPr>
+          </a:p>
+        </p:txBody>
+      </p:sp>
+      <p:sp>
+        <p:nvSpPr>
+          <p:cNvPr id="6" name="Marcador de Posição do Número do Diapositivo 5"/>
+          <p:cNvSpPr>
+            <a:spLocks noGrp="1"/>
+          </p:cNvSpPr>
+          <p:nvPr>
+            <p:ph type="sldNum" sz="quarter" idx="12"/>
+          </p:nvPr>
+        </p:nvSpPr>
+        <p:spPr/>
+        <p:txBody>
+          <a:bodyPr/>
+          <a:lstStyle/>
+          <a:p>
+            <a:fld id="{F5F1BD42-12A7-41F2-9B1D-3590AF6DE491}" type="slidenum">
+              <a:rPr lang="pt-PT" smtClean="0">
+                <a:solidFill>
+                  <a:schemeClr val="bg1"/>
+                </a:solidFill>
+                <a:latin typeface="Constantia" panose="02030602050306030303" pitchFamily="18" charset="0"/>
+              </a:rPr>
+              <a:t>12</a:t>
+            </a:fld>
+            <a:endParaRPr lang="pt-PT" dirty="0">
+              <a:solidFill>
+                <a:schemeClr val="bg1"/>
+              </a:solidFill>
+              <a:latin typeface="Constantia" panose="02030602050306030303" pitchFamily="18" charset="0"/>
+            </a:endParaRPr>
+          </a:p>
+        </p:txBody>
+      </p:sp>
+      <p:graphicFrame>
+        <p:nvGraphicFramePr>
+          <p:cNvPr id="14" name="Diagrama 13"/>
+          <p:cNvGraphicFramePr/>
+          <p:nvPr>
+            <p:extLst>
+              <p:ext uri="{D42A27DB-BD31-4B8C-83A1-F6EECF244321}">
+                <p14:modId xmlns:p14="http://schemas.microsoft.com/office/powerpoint/2010/main" val="1430513623"/>
+              </p:ext>
+            </p:extLst>
+          </p:nvPr>
+        </p:nvGraphicFramePr>
+        <p:xfrm>
+          <a:off x="838200" y="2321771"/>
+          <a:ext cx="4963887" cy="2174030"/>
+        </p:xfrm>
+        <a:graphic>
+          <a:graphicData uri="http://schemas.openxmlformats.org/drawingml/2006/diagram">
+            <dgm:relIds xmlns:dgm="http://schemas.openxmlformats.org/drawingml/2006/diagram" xmlns:r="http://schemas.openxmlformats.org/officeDocument/2006/relationships" r:dm="rId2" r:lo="rId3" r:qs="rId4" r:cs="rId5"/>
+          </a:graphicData>
+        </a:graphic>
+      </p:graphicFrame>
+      <p:sp>
+        <p:nvSpPr>
+          <p:cNvPr id="3" name="Seta entalhada para a direita 2"/>
+          <p:cNvSpPr/>
+          <p:nvPr/>
+        </p:nvSpPr>
+        <p:spPr>
+          <a:xfrm>
+            <a:off x="6302829" y="2904075"/>
+            <a:ext cx="1589314" cy="1009422"/>
+          </a:xfrm>
+          <a:prstGeom prst="notchedRightArrow">
+            <a:avLst/>
+          </a:prstGeom>
+          <a:solidFill>
+            <a:schemeClr val="accent2">
+              <a:lumMod val="40000"/>
+              <a:lumOff val="60000"/>
+            </a:schemeClr>
+          </a:solidFill>
+          <a:ln>
+            <a:solidFill>
+              <a:schemeClr val="accent2"/>
+            </a:solidFill>
+          </a:ln>
+        </p:spPr>
+        <p:style>
+          <a:lnRef idx="2">
+            <a:schemeClr val="accent1">
+              <a:shade val="50000"/>
+            </a:schemeClr>
+          </a:lnRef>
+          <a:fillRef idx="1">
+            <a:schemeClr val="accent1"/>
+          </a:fillRef>
+          <a:effectRef idx="0">
+            <a:schemeClr val="accent1"/>
+          </a:effectRef>
+          <a:fontRef idx="minor">
+            <a:schemeClr val="lt1"/>
+          </a:fontRef>
+        </p:style>
+        <p:txBody>
+          <a:bodyPr rtlCol="0" anchor="ctr"/>
+          <a:lstStyle/>
+          <a:p>
+            <a:pPr algn="ctr"/>
+            <a:endParaRPr lang="pt-PT" b="1">
+              <a:ln w="22225">
+                <a:solidFill>
+                  <a:schemeClr val="accent2"/>
+                </a:solidFill>
+                <a:prstDash val="solid"/>
+              </a:ln>
+              <a:solidFill>
+                <a:schemeClr val="accent2">
+                  <a:lumMod val="40000"/>
+                  <a:lumOff val="60000"/>
+                </a:schemeClr>
+              </a:solidFill>
+            </a:endParaRPr>
+          </a:p>
+        </p:txBody>
+      </p:sp>
+      <p:sp>
+        <p:nvSpPr>
+          <p:cNvPr id="10" name="CaixaDeTexto 9"/>
+          <p:cNvSpPr txBox="1"/>
+          <p:nvPr/>
+        </p:nvSpPr>
+        <p:spPr>
+          <a:xfrm>
+            <a:off x="8311243" y="2623956"/>
+            <a:ext cx="3341914" cy="1569660"/>
+          </a:xfrm>
+          <a:prstGeom prst="rect">
+            <a:avLst/>
+          </a:prstGeom>
+          <a:noFill/>
+        </p:spPr>
+        <p:txBody>
+          <a:bodyPr wrap="square" rtlCol="0">
+            <a:spAutoFit/>
+          </a:bodyPr>
+          <a:lstStyle/>
+          <a:p>
+            <a:pPr algn="ctr"/>
+            <a:r>
+              <a:rPr lang="pt-PT" sz="2400" b="1" dirty="0" smtClean="0">
+                <a:latin typeface="Constantia" panose="02030602050306030303" pitchFamily="18" charset="0"/>
+              </a:rPr>
+              <a:t>Compare </a:t>
+            </a:r>
+            <a:r>
+              <a:rPr lang="pt-PT" sz="2400" b="1" dirty="0" err="1" smtClean="0">
+                <a:latin typeface="Constantia" panose="02030602050306030303" pitchFamily="18" charset="0"/>
+              </a:rPr>
+              <a:t>best</a:t>
+            </a:r>
+            <a:r>
+              <a:rPr lang="pt-PT" sz="2400" b="1" dirty="0" smtClean="0">
+                <a:latin typeface="Constantia" panose="02030602050306030303" pitchFamily="18" charset="0"/>
+              </a:rPr>
+              <a:t> </a:t>
+            </a:r>
+            <a:r>
+              <a:rPr lang="pt-PT" sz="2400" b="1" dirty="0" err="1" smtClean="0">
+                <a:latin typeface="Constantia" panose="02030602050306030303" pitchFamily="18" charset="0"/>
+              </a:rPr>
+              <a:t>results</a:t>
+            </a:r>
+            <a:endParaRPr lang="pt-PT" sz="2400" b="1" dirty="0" smtClean="0">
+              <a:latin typeface="Constantia" panose="02030602050306030303" pitchFamily="18" charset="0"/>
+            </a:endParaRPr>
+          </a:p>
+          <a:p>
+            <a:pPr algn="ctr"/>
+            <a:r>
+              <a:rPr lang="pt-PT" sz="2400" b="1" dirty="0" smtClean="0">
+                <a:latin typeface="Constantia" panose="02030602050306030303" pitchFamily="18" charset="0"/>
+              </a:rPr>
+              <a:t>+</a:t>
+            </a:r>
+          </a:p>
+          <a:p>
+            <a:pPr algn="ctr"/>
+            <a:r>
+              <a:rPr lang="pt-PT" sz="2400" b="1" dirty="0" err="1" smtClean="0">
+                <a:latin typeface="Constantia" panose="02030602050306030303" pitchFamily="18" charset="0"/>
+              </a:rPr>
+              <a:t>Find</a:t>
+            </a:r>
+            <a:r>
+              <a:rPr lang="pt-PT" sz="2400" b="1" dirty="0" smtClean="0">
+                <a:latin typeface="Constantia" panose="02030602050306030303" pitchFamily="18" charset="0"/>
+              </a:rPr>
+              <a:t> </a:t>
+            </a:r>
+            <a:r>
+              <a:rPr lang="pt-PT" sz="2400" b="1" dirty="0" err="1" smtClean="0">
+                <a:latin typeface="Constantia" panose="02030602050306030303" pitchFamily="18" charset="0"/>
+              </a:rPr>
+              <a:t>Autotunning’s</a:t>
+            </a:r>
+            <a:endParaRPr lang="pt-PT" sz="2400" b="1" dirty="0">
+              <a:latin typeface="Constantia" panose="02030602050306030303" pitchFamily="18" charset="0"/>
+            </a:endParaRPr>
+          </a:p>
+          <a:p>
+            <a:pPr algn="ctr"/>
+            <a:r>
+              <a:rPr lang="pt-PT" sz="2400" b="1" dirty="0" smtClean="0">
+                <a:latin typeface="Constantia" panose="02030602050306030303" pitchFamily="18" charset="0"/>
+              </a:rPr>
+              <a:t> </a:t>
+            </a:r>
+            <a:r>
+              <a:rPr lang="pt-PT" sz="2400" b="1" dirty="0" err="1" smtClean="0">
+                <a:latin typeface="Constantia" panose="02030602050306030303" pitchFamily="18" charset="0"/>
+              </a:rPr>
+              <a:t>Parameters</a:t>
+            </a:r>
+            <a:r>
+              <a:rPr lang="pt-PT" sz="2400" b="1" dirty="0" smtClean="0">
+                <a:latin typeface="Constantia" panose="02030602050306030303" pitchFamily="18" charset="0"/>
+              </a:rPr>
+              <a:t> </a:t>
+            </a:r>
+          </a:p>
+        </p:txBody>
+      </p:sp>
+    </p:spTree>
+    <p:extLst>
+      <p:ext uri="{BB962C8B-B14F-4D97-AF65-F5344CB8AC3E}">
+        <p14:creationId xmlns:p14="http://schemas.microsoft.com/office/powerpoint/2010/main" val="3847147439"/>
       </p:ext>
     </p:extLst>
   </p:cSld>
@@ -22499,57 +22237,6 @@
       </p:sp>
       <p:sp>
         <p:nvSpPr>
-          <p:cNvPr id="2" name="Título 1"/>
-          <p:cNvSpPr>
-            <a:spLocks noGrp="1"/>
-          </p:cNvSpPr>
-          <p:nvPr>
-            <p:ph type="title"/>
-          </p:nvPr>
-        </p:nvSpPr>
-        <p:spPr/>
-        <p:txBody>
-          <a:bodyPr/>
-          <a:lstStyle/>
-          <a:p>
-            <a:r>
-              <a:rPr lang="pt-PT" b="1" dirty="0" err="1" smtClean="0">
-                <a:solidFill>
-                  <a:srgbClr val="8C2D19"/>
-                </a:solidFill>
-                <a:latin typeface="Berlin Sans FB Demi" panose="020E0802020502020306" pitchFamily="34" charset="0"/>
-              </a:rPr>
-              <a:t>Solution’s</a:t>
-            </a:r>
-            <a:r>
-              <a:rPr lang="pt-PT" b="1" dirty="0" smtClean="0">
-                <a:solidFill>
-                  <a:srgbClr val="8C2D19"/>
-                </a:solidFill>
-                <a:latin typeface="Berlin Sans FB Demi" panose="020E0802020502020306" pitchFamily="34" charset="0"/>
-              </a:rPr>
-              <a:t> </a:t>
-            </a:r>
-            <a:r>
-              <a:rPr lang="pt-PT" b="1" dirty="0" err="1" smtClean="0">
-                <a:solidFill>
-                  <a:srgbClr val="8C2D19"/>
-                </a:solidFill>
-                <a:latin typeface="Berlin Sans FB Demi" panose="020E0802020502020306" pitchFamily="34" charset="0"/>
-              </a:rPr>
-              <a:t>Aproach</a:t>
-            </a:r>
-            <a:endParaRPr lang="pt-PT" b="1" dirty="0">
-              <a:solidFill>
-                <a:srgbClr val="8C2D19"/>
-              </a:solidFill>
-              <a:latin typeface="Berlin Sans FB Demi" panose="020E0802020502020306" pitchFamily="34" charset="0"/>
-            </a:endParaRPr>
-          </a:p>
-        </p:txBody>
-      </p:sp>
-      <p:sp>
-        <p:nvSpPr>
           <p:cNvPr id="4" name="Marcador de Posição da Data 3"/>
           <p:cNvSpPr>
             <a:spLocks noGrp="1"/>
@@ -22570,7 +22257,7 @@
                 </a:solidFill>
                 <a:latin typeface="Constantia" panose="02030602050306030303" pitchFamily="18" charset="0"/>
               </a:rPr>
-              <a:t>06/01/2017</a:t>
+              <a:t>06/02/2017</a:t>
             </a:r>
             <a:endParaRPr lang="pt-PT" dirty="0">
               <a:solidFill>
@@ -22602,13 +22289,24 @@
           <a:lstStyle/>
           <a:p>
             <a:r>
-              <a:rPr lang="pt-PT" smtClean="0">
+              <a:rPr lang="pt-PT" dirty="0" smtClean="0">
                 <a:solidFill>
                   <a:schemeClr val="bg1"/>
                 </a:solidFill>
                 <a:latin typeface="Constantia" panose="02030602050306030303" pitchFamily="18" charset="0"/>
               </a:rPr>
-              <a:t>Faculdade de Engenharia da Universidade do Porto Mestrado Integrado em Engenharia Informática e Computação</a:t>
+              <a:t>Faculdade de Engenharia da Universidade do Porto </a:t>
+            </a:r>
+          </a:p>
+          <a:p>
+            <a:r>
+              <a:rPr lang="pt-PT" dirty="0" smtClean="0">
+                <a:solidFill>
+                  <a:schemeClr val="bg1"/>
+                </a:solidFill>
+                <a:latin typeface="Constantia" panose="02030602050306030303" pitchFamily="18" charset="0"/>
+              </a:rPr>
+              <a:t>Mestrado Integrado em Engenharia Informática e Computação</a:t>
             </a:r>
             <a:endParaRPr lang="pt-PT" dirty="0">
               <a:solidFill>
@@ -22642,197 +22340,6 @@
                 <a:latin typeface="Constantia" panose="02030602050306030303" pitchFamily="18" charset="0"/>
               </a:rPr>
               <a:t>13</a:t>
-            </a:fld>
-            <a:endParaRPr lang="pt-PT" dirty="0">
-              <a:solidFill>
-                <a:schemeClr val="bg1"/>
-              </a:solidFill>
-              <a:latin typeface="Constantia" panose="02030602050306030303" pitchFamily="18" charset="0"/>
-            </a:endParaRPr>
-          </a:p>
-        </p:txBody>
-      </p:sp>
-      <p:graphicFrame>
-        <p:nvGraphicFramePr>
-          <p:cNvPr id="14" name="Diagrama 13"/>
-          <p:cNvGraphicFramePr/>
-          <p:nvPr>
-            <p:extLst>
-              <p:ext uri="{D42A27DB-BD31-4B8C-83A1-F6EECF244321}">
-                <p14:modId xmlns:p14="http://schemas.microsoft.com/office/powerpoint/2010/main" val="1638702699"/>
-              </p:ext>
-            </p:extLst>
-          </p:nvPr>
-        </p:nvGraphicFramePr>
-        <p:xfrm>
-          <a:off x="2521857" y="2180254"/>
-          <a:ext cx="7148286" cy="2936031"/>
-        </p:xfrm>
-        <a:graphic>
-          <a:graphicData uri="http://schemas.openxmlformats.org/drawingml/2006/diagram">
-            <dgm:relIds xmlns:dgm="http://schemas.openxmlformats.org/drawingml/2006/diagram" xmlns:r="http://schemas.openxmlformats.org/officeDocument/2006/relationships" r:dm="rId2" r:lo="rId3" r:qs="rId4" r:cs="rId5"/>
-          </a:graphicData>
-        </a:graphic>
-      </p:graphicFrame>
-    </p:spTree>
-    <p:extLst>
-      <p:ext uri="{BB962C8B-B14F-4D97-AF65-F5344CB8AC3E}">
-        <p14:creationId xmlns:p14="http://schemas.microsoft.com/office/powerpoint/2010/main" val="3847147439"/>
-      </p:ext>
-    </p:extLst>
-  </p:cSld>
-  <p:clrMapOvr>
-    <a:masterClrMapping/>
-  </p:clrMapOvr>
-  <p:timing>
-    <p:tnLst>
-      <p:par>
-        <p:cTn id="1" dur="indefinite" restart="never" nodeType="tmRoot"/>
-      </p:par>
-    </p:tnLst>
-  </p:timing>
-</p:sld>
-</file>
-
-<file path=ppt/slides/slide14.xml><?xml version="1.0" encoding="utf-8"?>
-<p:sld xmlns:a="http://schemas.openxmlformats.org/drawingml/2006/main" xmlns:r="http://schemas.openxmlformats.org/officeDocument/2006/relationships" xmlns:p="http://schemas.openxmlformats.org/presentationml/2006/main">
-  <p:cSld>
-    <p:spTree>
-      <p:nvGrpSpPr>
-        <p:cNvPr id="1" name=""/>
-        <p:cNvGrpSpPr/>
-        <p:nvPr/>
-      </p:nvGrpSpPr>
-      <p:grpSpPr>
-        <a:xfrm>
-          <a:off x="0" y="0"/>
-          <a:ext cx="0" cy="0"/>
-          <a:chOff x="0" y="0"/>
-          <a:chExt cx="0" cy="0"/>
-        </a:xfrm>
-      </p:grpSpPr>
-      <p:sp>
-        <p:nvSpPr>
-          <p:cNvPr id="7" name="CaixaDeTexto 6"/>
-          <p:cNvSpPr txBox="1"/>
-          <p:nvPr/>
-        </p:nvSpPr>
-        <p:spPr>
-          <a:xfrm>
-            <a:off x="0" y="6236898"/>
-            <a:ext cx="12192000" cy="621102"/>
-          </a:xfrm>
-          <a:prstGeom prst="rect">
-            <a:avLst/>
-          </a:prstGeom>
-          <a:solidFill>
-            <a:srgbClr val="8C2D19"/>
-          </a:solidFill>
-        </p:spPr>
-        <p:txBody>
-          <a:bodyPr wrap="square" rtlCol="0">
-            <a:spAutoFit/>
-          </a:bodyPr>
-          <a:lstStyle/>
-          <a:p>
-            <a:endParaRPr lang="pt-PT" dirty="0"/>
-          </a:p>
-        </p:txBody>
-      </p:sp>
-      <p:sp>
-        <p:nvSpPr>
-          <p:cNvPr id="4" name="Marcador de Posição da Data 3"/>
-          <p:cNvSpPr>
-            <a:spLocks noGrp="1"/>
-          </p:cNvSpPr>
-          <p:nvPr>
-            <p:ph type="dt" sz="half" idx="10"/>
-          </p:nvPr>
-        </p:nvSpPr>
-        <p:spPr/>
-        <p:txBody>
-          <a:bodyPr/>
-          <a:lstStyle/>
-          <a:p>
-            <a:r>
-              <a:rPr lang="pt-PT" smtClean="0">
-                <a:solidFill>
-                  <a:schemeClr val="bg1"/>
-                </a:solidFill>
-                <a:latin typeface="Constantia" panose="02030602050306030303" pitchFamily="18" charset="0"/>
-              </a:rPr>
-              <a:t>06/01/2017</a:t>
-            </a:r>
-            <a:endParaRPr lang="pt-PT" dirty="0">
-              <a:solidFill>
-                <a:schemeClr val="bg1"/>
-              </a:solidFill>
-              <a:latin typeface="Constantia" panose="02030602050306030303" pitchFamily="18" charset="0"/>
-            </a:endParaRPr>
-          </a:p>
-        </p:txBody>
-      </p:sp>
-      <p:sp>
-        <p:nvSpPr>
-          <p:cNvPr id="5" name="Marcador de Posição do Rodapé 4"/>
-          <p:cNvSpPr>
-            <a:spLocks noGrp="1"/>
-          </p:cNvSpPr>
-          <p:nvPr>
-            <p:ph type="ftr" sz="quarter" idx="11"/>
-          </p:nvPr>
-        </p:nvSpPr>
-        <p:spPr>
-          <a:xfrm>
-            <a:off x="4038599" y="6356350"/>
-            <a:ext cx="4346275" cy="365125"/>
-          </a:xfrm>
-        </p:spPr>
-        <p:txBody>
-          <a:bodyPr/>
-          <a:lstStyle/>
-          <a:p>
-            <a:r>
-              <a:rPr lang="pt-PT" smtClean="0">
-                <a:solidFill>
-                  <a:schemeClr val="bg1"/>
-                </a:solidFill>
-                <a:latin typeface="Constantia" panose="02030602050306030303" pitchFamily="18" charset="0"/>
-              </a:rPr>
-              <a:t>Faculdade de Engenharia da Universidade do Porto Mestrado Integrado em Engenharia Informática e Computação</a:t>
-            </a:r>
-            <a:endParaRPr lang="pt-PT" dirty="0">
-              <a:solidFill>
-                <a:schemeClr val="bg1"/>
-              </a:solidFill>
-              <a:latin typeface="Constantia" panose="02030602050306030303" pitchFamily="18" charset="0"/>
-            </a:endParaRPr>
-          </a:p>
-        </p:txBody>
-      </p:sp>
-      <p:sp>
-        <p:nvSpPr>
-          <p:cNvPr id="6" name="Marcador de Posição do Número do Diapositivo 5"/>
-          <p:cNvSpPr>
-            <a:spLocks noGrp="1"/>
-          </p:cNvSpPr>
-          <p:nvPr>
-            <p:ph type="sldNum" sz="quarter" idx="12"/>
-          </p:nvPr>
-        </p:nvSpPr>
-        <p:spPr/>
-        <p:txBody>
-          <a:bodyPr/>
-          <a:lstStyle/>
-          <a:p>
-            <a:fld id="{F5F1BD42-12A7-41F2-9B1D-3590AF6DE491}" type="slidenum">
-              <a:rPr lang="pt-PT" smtClean="0">
-                <a:solidFill>
-                  <a:schemeClr val="bg1"/>
-                </a:solidFill>
-                <a:latin typeface="Constantia" panose="02030602050306030303" pitchFamily="18" charset="0"/>
-              </a:rPr>
-              <a:t>14</a:t>
             </a:fld>
             <a:endParaRPr lang="pt-PT" dirty="0">
               <a:solidFill>
@@ -22864,31 +22371,13 @@
           <a:lstStyle/>
           <a:p>
             <a:r>
-              <a:rPr lang="pt-PT" b="1" dirty="0" err="1" smtClean="0">
+              <a:rPr lang="pt-PT" b="1" smtClean="0">
                 <a:solidFill>
                   <a:srgbClr val="8C2D19"/>
                 </a:solidFill>
                 <a:latin typeface="Berlin Sans FB Demi" panose="020E0802020502020306" pitchFamily="34" charset="0"/>
               </a:rPr>
-              <a:t>Solution’s</a:t>
-            </a:r>
-            <a:r>
-              <a:rPr lang="pt-PT" b="1" dirty="0" smtClean="0">
-                <a:solidFill>
-                  <a:srgbClr val="8C2D19"/>
-                </a:solidFill>
-                <a:latin typeface="Berlin Sans FB Demi" panose="020E0802020502020306" pitchFamily="34" charset="0"/>
-              </a:rPr>
-              <a:t> </a:t>
-            </a:r>
-            <a:r>
-              <a:rPr lang="pt-PT" b="1" dirty="0" err="1" smtClean="0">
-                <a:solidFill>
-                  <a:srgbClr val="8C2D19"/>
-                </a:solidFill>
-                <a:latin typeface="Berlin Sans FB Demi" panose="020E0802020502020306" pitchFamily="34" charset="0"/>
-              </a:rPr>
-              <a:t>Methodology</a:t>
+              <a:t>Solution’s Methodology</a:t>
             </a:r>
             <a:endParaRPr lang="pt-PT" b="1" dirty="0">
               <a:solidFill>
@@ -22906,13 +22395,13 @@
           <p:nvPr>
             <p:extLst>
               <p:ext uri="{D42A27DB-BD31-4B8C-83A1-F6EECF244321}">
-                <p14:modId xmlns:p14="http://schemas.microsoft.com/office/powerpoint/2010/main" val="1219010518"/>
+                <p14:modId xmlns:p14="http://schemas.microsoft.com/office/powerpoint/2010/main" val="1355023442"/>
               </p:ext>
             </p:extLst>
           </p:nvPr>
         </p:nvGraphicFramePr>
         <p:xfrm>
-          <a:off x="914401" y="719666"/>
+          <a:off x="838200" y="1046237"/>
           <a:ext cx="10156370" cy="5418667"/>
         </p:xfrm>
         <a:graphic>
@@ -22923,16 +22412,16 @@
       </p:graphicFrame>
       <p:grpSp>
         <p:nvGrpSpPr>
-          <p:cNvPr id="29" name="Grupo 28"/>
+          <p:cNvPr id="14" name="Grupo 13"/>
           <p:cNvGrpSpPr/>
           <p:nvPr/>
         </p:nvGrpSpPr>
         <p:grpSpPr>
           <a:xfrm>
-            <a:off x="3924648" y="3900351"/>
-            <a:ext cx="1927860" cy="731520"/>
-            <a:chOff x="4283876" y="3855720"/>
-            <a:chExt cx="1927860" cy="731520"/>
+            <a:off x="3831230" y="4290363"/>
+            <a:ext cx="1927860" cy="1207345"/>
+            <a:chOff x="3907431" y="3963792"/>
+            <a:chExt cx="1927860" cy="1207345"/>
           </a:xfrm>
         </p:grpSpPr>
         <p:cxnSp>
@@ -22943,7 +22432,7 @@
           </p:nvCxnSpPr>
           <p:spPr>
             <a:xfrm>
-              <a:off x="6211736" y="3855720"/>
+              <a:off x="5835291" y="4439617"/>
               <a:ext cx="0" cy="731520"/>
             </a:xfrm>
             <a:prstGeom prst="line">
@@ -22973,7 +22462,7 @@
           </p:nvCxnSpPr>
           <p:spPr>
             <a:xfrm>
-              <a:off x="4283876" y="4587240"/>
+              <a:off x="3907431" y="5171137"/>
               <a:ext cx="1927860" cy="0"/>
             </a:xfrm>
             <a:prstGeom prst="line">
@@ -23003,8 +22492,8 @@
           </p:nvCxnSpPr>
           <p:spPr>
             <a:xfrm flipV="1">
-              <a:off x="4283876" y="3855720"/>
-              <a:ext cx="0" cy="731520"/>
+              <a:off x="3907431" y="3963792"/>
+              <a:ext cx="540" cy="1207345"/>
             </a:xfrm>
             <a:prstGeom prst="straightConnector1">
               <a:avLst/>
@@ -23037,7 +22526,7 @@
         </p:nvGrpSpPr>
         <p:grpSpPr>
           <a:xfrm rot="10800000">
-            <a:off x="8320496" y="2221775"/>
+            <a:off x="8244295" y="2548346"/>
             <a:ext cx="1927860" cy="739140"/>
             <a:chOff x="6457014" y="1600200"/>
             <a:chExt cx="1927860" cy="739140"/>
@@ -23137,10 +22626,914 @@
           </p:style>
         </p:cxnSp>
       </p:grpSp>
+      <p:grpSp>
+        <p:nvGrpSpPr>
+          <p:cNvPr id="17" name="Grupo 16"/>
+          <p:cNvGrpSpPr/>
+          <p:nvPr/>
+        </p:nvGrpSpPr>
+        <p:grpSpPr>
+          <a:xfrm>
+            <a:off x="5103640" y="3779879"/>
+            <a:ext cx="1537341" cy="922404"/>
+            <a:chOff x="4276855" y="1480450"/>
+            <a:chExt cx="1537341" cy="922404"/>
+          </a:xfrm>
+        </p:grpSpPr>
+        <p:sp>
+          <p:nvSpPr>
+            <p:cNvPr id="18" name="Retângulo arredondado 17"/>
+            <p:cNvSpPr/>
+            <p:nvPr/>
+          </p:nvSpPr>
+          <p:spPr>
+            <a:xfrm>
+              <a:off x="4276855" y="1480450"/>
+              <a:ext cx="1537341" cy="922404"/>
+            </a:xfrm>
+            <a:prstGeom prst="roundRect">
+              <a:avLst>
+                <a:gd name="adj" fmla="val 10000"/>
+              </a:avLst>
+            </a:prstGeom>
+          </p:spPr>
+          <p:style>
+            <a:lnRef idx="2">
+              <a:schemeClr val="accent2">
+                <a:shade val="80000"/>
+                <a:hueOff val="0"/>
+                <a:satOff val="0"/>
+                <a:lumOff val="0"/>
+                <a:alphaOff val="0"/>
+              </a:schemeClr>
+            </a:lnRef>
+            <a:fillRef idx="1">
+              <a:schemeClr val="lt1">
+                <a:hueOff val="0"/>
+                <a:satOff val="0"/>
+                <a:lumOff val="0"/>
+                <a:alphaOff val="0"/>
+              </a:schemeClr>
+            </a:fillRef>
+            <a:effectRef idx="0">
+              <a:schemeClr val="lt1">
+                <a:hueOff val="0"/>
+                <a:satOff val="0"/>
+                <a:lumOff val="0"/>
+                <a:alphaOff val="0"/>
+              </a:schemeClr>
+            </a:effectRef>
+            <a:fontRef idx="minor">
+              <a:schemeClr val="dk1">
+                <a:hueOff val="0"/>
+                <a:satOff val="0"/>
+                <a:lumOff val="0"/>
+                <a:alphaOff val="0"/>
+              </a:schemeClr>
+            </a:fontRef>
+          </p:style>
+        </p:sp>
+        <p:sp>
+          <p:nvSpPr>
+            <p:cNvPr id="19" name="Retângulo 18"/>
+            <p:cNvSpPr/>
+            <p:nvPr/>
+          </p:nvSpPr>
+          <p:spPr>
+            <a:xfrm>
+              <a:off x="4303871" y="1507466"/>
+              <a:ext cx="1483309" cy="868372"/>
+            </a:xfrm>
+            <a:prstGeom prst="rect">
+              <a:avLst/>
+            </a:prstGeom>
+          </p:spPr>
+          <p:style>
+            <a:lnRef idx="0">
+              <a:scrgbClr r="0" g="0" b="0"/>
+            </a:lnRef>
+            <a:fillRef idx="0">
+              <a:scrgbClr r="0" g="0" b="0"/>
+            </a:fillRef>
+            <a:effectRef idx="0">
+              <a:scrgbClr r="0" g="0" b="0"/>
+            </a:effectRef>
+            <a:fontRef idx="minor">
+              <a:schemeClr val="dk1">
+                <a:hueOff val="0"/>
+                <a:satOff val="0"/>
+                <a:lumOff val="0"/>
+                <a:alphaOff val="0"/>
+              </a:schemeClr>
+            </a:fontRef>
+          </p:style>
+          <p:txBody>
+            <a:bodyPr spcFirstLastPara="0" vert="horz" wrap="square" lIns="49530" tIns="49530" rIns="49530" bIns="49530" numCol="1" spcCol="1270" anchor="ctr" anchorCtr="0">
+              <a:noAutofit/>
+            </a:bodyPr>
+            <a:lstStyle/>
+            <a:p>
+              <a:pPr lvl="0" algn="ctr" defTabSz="577850">
+                <a:lnSpc>
+                  <a:spcPct val="90000"/>
+                </a:lnSpc>
+                <a:spcBef>
+                  <a:spcPct val="0"/>
+                </a:spcBef>
+                <a:spcAft>
+                  <a:spcPct val="35000"/>
+                </a:spcAft>
+              </a:pPr>
+              <a:r>
+                <a:rPr lang="pt-PT" sz="1300" kern="1200" dirty="0" err="1" smtClean="0"/>
+                <a:t>Manually</a:t>
+              </a:r>
+              <a:r>
+                <a:rPr lang="pt-PT" sz="1300" kern="1200" dirty="0" smtClean="0"/>
+                <a:t> </a:t>
+              </a:r>
+              <a:r>
+                <a:rPr lang="pt-PT" sz="1300" kern="1200" dirty="0" err="1" smtClean="0"/>
+                <a:t>parallelize</a:t>
+              </a:r>
+              <a:r>
+                <a:rPr lang="pt-PT" sz="1300" kern="1200" dirty="0" smtClean="0"/>
+                <a:t> </a:t>
+              </a:r>
+              <a:r>
+                <a:rPr lang="pt-PT" sz="1300" kern="1200" dirty="0" err="1" smtClean="0"/>
+                <a:t>code</a:t>
+              </a:r>
+              <a:endParaRPr lang="pt-PT" sz="1300" kern="1200" dirty="0"/>
+            </a:p>
+          </p:txBody>
+        </p:sp>
+      </p:grpSp>
+      <p:grpSp>
+        <p:nvGrpSpPr>
+          <p:cNvPr id="27" name="Grupo 26"/>
+          <p:cNvGrpSpPr/>
+          <p:nvPr/>
+        </p:nvGrpSpPr>
+        <p:grpSpPr>
+          <a:xfrm>
+            <a:off x="6846287" y="4050451"/>
+            <a:ext cx="328223" cy="381260"/>
+            <a:chOff x="3830338" y="2131699"/>
+            <a:chExt cx="328223" cy="381260"/>
+          </a:xfrm>
+        </p:grpSpPr>
+        <p:sp>
+          <p:nvSpPr>
+            <p:cNvPr id="30" name="Seta para a direita 29"/>
+            <p:cNvSpPr/>
+            <p:nvPr/>
+          </p:nvSpPr>
+          <p:spPr>
+            <a:xfrm rot="20405442">
+              <a:off x="3830338" y="2131699"/>
+              <a:ext cx="328223" cy="381260"/>
+            </a:xfrm>
+            <a:prstGeom prst="rightArrow">
+              <a:avLst>
+                <a:gd name="adj1" fmla="val 60000"/>
+                <a:gd name="adj2" fmla="val 50000"/>
+              </a:avLst>
+            </a:prstGeom>
+          </p:spPr>
+          <p:style>
+            <a:lnRef idx="0">
+              <a:schemeClr val="accent2">
+                <a:tint val="60000"/>
+                <a:hueOff val="0"/>
+                <a:satOff val="0"/>
+                <a:lumOff val="0"/>
+                <a:alphaOff val="0"/>
+              </a:schemeClr>
+            </a:lnRef>
+            <a:fillRef idx="1">
+              <a:schemeClr val="accent2">
+                <a:tint val="60000"/>
+                <a:hueOff val="0"/>
+                <a:satOff val="0"/>
+                <a:lumOff val="0"/>
+                <a:alphaOff val="0"/>
+              </a:schemeClr>
+            </a:fillRef>
+            <a:effectRef idx="0">
+              <a:schemeClr val="accent2">
+                <a:tint val="60000"/>
+                <a:hueOff val="0"/>
+                <a:satOff val="0"/>
+                <a:lumOff val="0"/>
+                <a:alphaOff val="0"/>
+              </a:schemeClr>
+            </a:effectRef>
+            <a:fontRef idx="minor">
+              <a:schemeClr val="dk1">
+                <a:hueOff val="0"/>
+                <a:satOff val="0"/>
+                <a:lumOff val="0"/>
+                <a:alphaOff val="0"/>
+              </a:schemeClr>
+            </a:fontRef>
+          </p:style>
+        </p:sp>
+        <p:sp>
+          <p:nvSpPr>
+            <p:cNvPr id="31" name="Seta para a direita 4"/>
+            <p:cNvSpPr/>
+            <p:nvPr/>
+          </p:nvSpPr>
+          <p:spPr>
+            <a:xfrm rot="20405442">
+              <a:off x="3833281" y="2224717"/>
+              <a:ext cx="229756" cy="228756"/>
+            </a:xfrm>
+            <a:prstGeom prst="rect">
+              <a:avLst/>
+            </a:prstGeom>
+          </p:spPr>
+          <p:style>
+            <a:lnRef idx="0">
+              <a:scrgbClr r="0" g="0" b="0"/>
+            </a:lnRef>
+            <a:fillRef idx="0">
+              <a:scrgbClr r="0" g="0" b="0"/>
+            </a:fillRef>
+            <a:effectRef idx="0">
+              <a:scrgbClr r="0" g="0" b="0"/>
+            </a:effectRef>
+            <a:fontRef idx="minor">
+              <a:schemeClr val="dk1">
+                <a:hueOff val="0"/>
+                <a:satOff val="0"/>
+                <a:lumOff val="0"/>
+                <a:alphaOff val="0"/>
+              </a:schemeClr>
+            </a:fontRef>
+          </p:style>
+          <p:txBody>
+            <a:bodyPr spcFirstLastPara="0" vert="horz" wrap="square" lIns="0" tIns="0" rIns="0" bIns="0" numCol="1" spcCol="1270" anchor="ctr" anchorCtr="0">
+              <a:noAutofit/>
+            </a:bodyPr>
+            <a:lstStyle/>
+            <a:p>
+              <a:pPr lvl="0" algn="ctr" defTabSz="488950">
+                <a:lnSpc>
+                  <a:spcPct val="90000"/>
+                </a:lnSpc>
+                <a:spcBef>
+                  <a:spcPct val="0"/>
+                </a:spcBef>
+                <a:spcAft>
+                  <a:spcPct val="35000"/>
+                </a:spcAft>
+              </a:pPr>
+              <a:endParaRPr lang="pt-PT" sz="1100" kern="1200"/>
+            </a:p>
+          </p:txBody>
+        </p:sp>
+      </p:grpSp>
+      <p:grpSp>
+        <p:nvGrpSpPr>
+          <p:cNvPr id="32" name="Grupo 31"/>
+          <p:cNvGrpSpPr/>
+          <p:nvPr/>
+        </p:nvGrpSpPr>
+        <p:grpSpPr>
+          <a:xfrm>
+            <a:off x="4664747" y="4099733"/>
+            <a:ext cx="363794" cy="381260"/>
+            <a:chOff x="5965810" y="2138275"/>
+            <a:chExt cx="363794" cy="381260"/>
+          </a:xfrm>
+        </p:grpSpPr>
+        <p:sp>
+          <p:nvSpPr>
+            <p:cNvPr id="33" name="Seta para a direita 32"/>
+            <p:cNvSpPr/>
+            <p:nvPr/>
+          </p:nvSpPr>
+          <p:spPr>
+            <a:xfrm rot="1161540">
+              <a:off x="5965810" y="2138275"/>
+              <a:ext cx="363794" cy="381260"/>
+            </a:xfrm>
+            <a:prstGeom prst="rightArrow">
+              <a:avLst>
+                <a:gd name="adj1" fmla="val 60000"/>
+                <a:gd name="adj2" fmla="val 50000"/>
+              </a:avLst>
+            </a:prstGeom>
+          </p:spPr>
+          <p:style>
+            <a:lnRef idx="0">
+              <a:schemeClr val="accent2">
+                <a:tint val="60000"/>
+                <a:hueOff val="0"/>
+                <a:satOff val="0"/>
+                <a:lumOff val="0"/>
+                <a:alphaOff val="0"/>
+              </a:schemeClr>
+            </a:lnRef>
+            <a:fillRef idx="1">
+              <a:schemeClr val="accent2">
+                <a:tint val="60000"/>
+                <a:hueOff val="0"/>
+                <a:satOff val="0"/>
+                <a:lumOff val="0"/>
+                <a:alphaOff val="0"/>
+              </a:schemeClr>
+            </a:fillRef>
+            <a:effectRef idx="0">
+              <a:schemeClr val="accent2">
+                <a:tint val="60000"/>
+                <a:hueOff val="0"/>
+                <a:satOff val="0"/>
+                <a:lumOff val="0"/>
+                <a:alphaOff val="0"/>
+              </a:schemeClr>
+            </a:effectRef>
+            <a:fontRef idx="minor">
+              <a:schemeClr val="dk1">
+                <a:hueOff val="0"/>
+                <a:satOff val="0"/>
+                <a:lumOff val="0"/>
+                <a:alphaOff val="0"/>
+              </a:schemeClr>
+            </a:fontRef>
+          </p:style>
+        </p:sp>
+        <p:sp>
+          <p:nvSpPr>
+            <p:cNvPr id="34" name="Seta para a direita 4"/>
+            <p:cNvSpPr/>
+            <p:nvPr/>
+          </p:nvSpPr>
+          <p:spPr>
+            <a:xfrm rot="1161540">
+              <a:off x="5968895" y="2196438"/>
+              <a:ext cx="254656" cy="228756"/>
+            </a:xfrm>
+            <a:prstGeom prst="rect">
+              <a:avLst/>
+            </a:prstGeom>
+          </p:spPr>
+          <p:style>
+            <a:lnRef idx="0">
+              <a:scrgbClr r="0" g="0" b="0"/>
+            </a:lnRef>
+            <a:fillRef idx="0">
+              <a:scrgbClr r="0" g="0" b="0"/>
+            </a:fillRef>
+            <a:effectRef idx="0">
+              <a:scrgbClr r="0" g="0" b="0"/>
+            </a:effectRef>
+            <a:fontRef idx="minor">
+              <a:schemeClr val="dk1">
+                <a:hueOff val="0"/>
+                <a:satOff val="0"/>
+                <a:lumOff val="0"/>
+                <a:alphaOff val="0"/>
+              </a:schemeClr>
+            </a:fontRef>
+          </p:style>
+          <p:txBody>
+            <a:bodyPr spcFirstLastPara="0" vert="horz" wrap="square" lIns="0" tIns="0" rIns="0" bIns="0" numCol="1" spcCol="1270" anchor="ctr" anchorCtr="0">
+              <a:noAutofit/>
+            </a:bodyPr>
+            <a:lstStyle/>
+            <a:p>
+              <a:pPr lvl="0" algn="ctr" defTabSz="488950">
+                <a:lnSpc>
+                  <a:spcPct val="90000"/>
+                </a:lnSpc>
+                <a:spcBef>
+                  <a:spcPct val="0"/>
+                </a:spcBef>
+                <a:spcAft>
+                  <a:spcPct val="35000"/>
+                </a:spcAft>
+              </a:pPr>
+              <a:endParaRPr lang="pt-PT" sz="1100" kern="1200"/>
+            </a:p>
+          </p:txBody>
+        </p:sp>
+      </p:grpSp>
+      <p:grpSp>
+        <p:nvGrpSpPr>
+          <p:cNvPr id="12" name="Grupo 11"/>
+          <p:cNvGrpSpPr/>
+          <p:nvPr/>
+        </p:nvGrpSpPr>
+        <p:grpSpPr>
+          <a:xfrm>
+            <a:off x="3831229" y="1780982"/>
+            <a:ext cx="1927861" cy="1407779"/>
+            <a:chOff x="3907430" y="1454411"/>
+            <a:chExt cx="1927861" cy="1407779"/>
+          </a:xfrm>
+        </p:grpSpPr>
+        <p:cxnSp>
+          <p:nvCxnSpPr>
+            <p:cNvPr id="35" name="Conexão reta 34"/>
+            <p:cNvCxnSpPr/>
+            <p:nvPr/>
+          </p:nvCxnSpPr>
+          <p:spPr>
+            <a:xfrm>
+              <a:off x="5835291" y="1454411"/>
+              <a:ext cx="0" cy="731520"/>
+            </a:xfrm>
+            <a:prstGeom prst="line">
+              <a:avLst/>
+            </a:prstGeom>
+          </p:spPr>
+          <p:style>
+            <a:lnRef idx="1">
+              <a:schemeClr val="accent2"/>
+            </a:lnRef>
+            <a:fillRef idx="0">
+              <a:schemeClr val="accent2"/>
+            </a:fillRef>
+            <a:effectRef idx="0">
+              <a:schemeClr val="accent2"/>
+            </a:effectRef>
+            <a:fontRef idx="minor">
+              <a:schemeClr val="tx1"/>
+            </a:fontRef>
+          </p:style>
+        </p:cxnSp>
+        <p:cxnSp>
+          <p:nvCxnSpPr>
+            <p:cNvPr id="36" name="Conexão reta 35"/>
+            <p:cNvCxnSpPr/>
+            <p:nvPr/>
+          </p:nvCxnSpPr>
+          <p:spPr>
+            <a:xfrm>
+              <a:off x="3907431" y="1454411"/>
+              <a:ext cx="1927860" cy="0"/>
+            </a:xfrm>
+            <a:prstGeom prst="line">
+              <a:avLst/>
+            </a:prstGeom>
+          </p:spPr>
+          <p:style>
+            <a:lnRef idx="1">
+              <a:schemeClr val="accent2"/>
+            </a:lnRef>
+            <a:fillRef idx="0">
+              <a:schemeClr val="accent2"/>
+            </a:fillRef>
+            <a:effectRef idx="0">
+              <a:schemeClr val="accent2"/>
+            </a:effectRef>
+            <a:fontRef idx="minor">
+              <a:schemeClr val="tx1"/>
+            </a:fontRef>
+          </p:style>
+        </p:cxnSp>
+        <p:cxnSp>
+          <p:nvCxnSpPr>
+            <p:cNvPr id="37" name="Conexão reta unidirecional 36"/>
+            <p:cNvCxnSpPr/>
+            <p:nvPr/>
+          </p:nvCxnSpPr>
+          <p:spPr>
+            <a:xfrm flipH="1">
+              <a:off x="3907430" y="1454411"/>
+              <a:ext cx="1" cy="1407779"/>
+            </a:xfrm>
+            <a:prstGeom prst="straightConnector1">
+              <a:avLst/>
+            </a:prstGeom>
+            <a:ln>
+              <a:tailEnd type="triangle"/>
+            </a:ln>
+          </p:spPr>
+          <p:style>
+            <a:lnRef idx="1">
+              <a:schemeClr val="accent2"/>
+            </a:lnRef>
+            <a:fillRef idx="0">
+              <a:schemeClr val="accent2"/>
+            </a:fillRef>
+            <a:effectRef idx="0">
+              <a:schemeClr val="accent2"/>
+            </a:effectRef>
+            <a:fontRef idx="minor">
+              <a:schemeClr val="tx1"/>
+            </a:fontRef>
+          </p:style>
+        </p:cxnSp>
+      </p:grpSp>
     </p:spTree>
     <p:extLst>
       <p:ext uri="{BB962C8B-B14F-4D97-AF65-F5344CB8AC3E}">
         <p14:creationId xmlns:p14="http://schemas.microsoft.com/office/powerpoint/2010/main" val="4136561766"/>
+      </p:ext>
+    </p:extLst>
+  </p:cSld>
+  <p:clrMapOvr>
+    <a:masterClrMapping/>
+  </p:clrMapOvr>
+  <p:timing>
+    <p:tnLst>
+      <p:par>
+        <p:cTn id="1" dur="indefinite" restart="never" nodeType="tmRoot"/>
+      </p:par>
+    </p:tnLst>
+  </p:timing>
+</p:sld>
+</file>
+
+<file path=ppt/slides/slide14.xml><?xml version="1.0" encoding="utf-8"?>
+<p:sld xmlns:a="http://schemas.openxmlformats.org/drawingml/2006/main" xmlns:r="http://schemas.openxmlformats.org/officeDocument/2006/relationships" xmlns:p="http://schemas.openxmlformats.org/presentationml/2006/main">
+  <p:cSld>
+    <p:spTree>
+      <p:nvGrpSpPr>
+        <p:cNvPr id="1" name=""/>
+        <p:cNvGrpSpPr/>
+        <p:nvPr/>
+      </p:nvGrpSpPr>
+      <p:grpSpPr>
+        <a:xfrm>
+          <a:off x="0" y="0"/>
+          <a:ext cx="0" cy="0"/>
+          <a:chOff x="0" y="0"/>
+          <a:chExt cx="0" cy="0"/>
+        </a:xfrm>
+      </p:grpSpPr>
+      <p:sp>
+        <p:nvSpPr>
+          <p:cNvPr id="7" name="CaixaDeTexto 6"/>
+          <p:cNvSpPr txBox="1"/>
+          <p:nvPr/>
+        </p:nvSpPr>
+        <p:spPr>
+          <a:xfrm>
+            <a:off x="0" y="6236898"/>
+            <a:ext cx="12192000" cy="621102"/>
+          </a:xfrm>
+          <a:prstGeom prst="rect">
+            <a:avLst/>
+          </a:prstGeom>
+          <a:solidFill>
+            <a:srgbClr val="8C2D19"/>
+          </a:solidFill>
+        </p:spPr>
+        <p:txBody>
+          <a:bodyPr wrap="square" rtlCol="0">
+            <a:spAutoFit/>
+          </a:bodyPr>
+          <a:lstStyle/>
+          <a:p>
+            <a:endParaRPr lang="pt-PT" dirty="0"/>
+          </a:p>
+        </p:txBody>
+      </p:sp>
+      <p:sp>
+        <p:nvSpPr>
+          <p:cNvPr id="4" name="Marcador de Posição da Data 3"/>
+          <p:cNvSpPr>
+            <a:spLocks noGrp="1"/>
+          </p:cNvSpPr>
+          <p:nvPr>
+            <p:ph type="dt" sz="half" idx="10"/>
+          </p:nvPr>
+        </p:nvSpPr>
+        <p:spPr/>
+        <p:txBody>
+          <a:bodyPr/>
+          <a:lstStyle/>
+          <a:p>
+            <a:r>
+              <a:rPr lang="pt-PT" smtClean="0">
+                <a:solidFill>
+                  <a:schemeClr val="bg1"/>
+                </a:solidFill>
+                <a:latin typeface="Constantia" panose="02030602050306030303" pitchFamily="18" charset="0"/>
+              </a:rPr>
+              <a:t>06/02/2017</a:t>
+            </a:r>
+            <a:endParaRPr lang="pt-PT" dirty="0">
+              <a:solidFill>
+                <a:schemeClr val="bg1"/>
+              </a:solidFill>
+              <a:latin typeface="Constantia" panose="02030602050306030303" pitchFamily="18" charset="0"/>
+            </a:endParaRPr>
+          </a:p>
+        </p:txBody>
+      </p:sp>
+      <p:sp>
+        <p:nvSpPr>
+          <p:cNvPr id="5" name="Marcador de Posição do Rodapé 4"/>
+          <p:cNvSpPr>
+            <a:spLocks noGrp="1"/>
+          </p:cNvSpPr>
+          <p:nvPr>
+            <p:ph type="ftr" sz="quarter" idx="11"/>
+          </p:nvPr>
+        </p:nvSpPr>
+        <p:spPr>
+          <a:xfrm>
+            <a:off x="4038599" y="6356350"/>
+            <a:ext cx="4346275" cy="365125"/>
+          </a:xfrm>
+        </p:spPr>
+        <p:txBody>
+          <a:bodyPr/>
+          <a:lstStyle/>
+          <a:p>
+            <a:r>
+              <a:rPr lang="pt-PT" dirty="0" smtClean="0">
+                <a:solidFill>
+                  <a:schemeClr val="bg1"/>
+                </a:solidFill>
+                <a:latin typeface="Constantia" panose="02030602050306030303" pitchFamily="18" charset="0"/>
+              </a:rPr>
+              <a:t>Faculdade de Engenharia da Universidade do Porto </a:t>
+            </a:r>
+          </a:p>
+          <a:p>
+            <a:r>
+              <a:rPr lang="pt-PT" dirty="0" smtClean="0">
+                <a:solidFill>
+                  <a:schemeClr val="bg1"/>
+                </a:solidFill>
+                <a:latin typeface="Constantia" panose="02030602050306030303" pitchFamily="18" charset="0"/>
+              </a:rPr>
+              <a:t>Mestrado Integrado em Engenharia Informática e Computação</a:t>
+            </a:r>
+            <a:endParaRPr lang="pt-PT" dirty="0">
+              <a:solidFill>
+                <a:schemeClr val="bg1"/>
+              </a:solidFill>
+              <a:latin typeface="Constantia" panose="02030602050306030303" pitchFamily="18" charset="0"/>
+            </a:endParaRPr>
+          </a:p>
+        </p:txBody>
+      </p:sp>
+      <p:sp>
+        <p:nvSpPr>
+          <p:cNvPr id="6" name="Marcador de Posição do Número do Diapositivo 5"/>
+          <p:cNvSpPr>
+            <a:spLocks noGrp="1"/>
+          </p:cNvSpPr>
+          <p:nvPr>
+            <p:ph type="sldNum" sz="quarter" idx="12"/>
+          </p:nvPr>
+        </p:nvSpPr>
+        <p:spPr/>
+        <p:txBody>
+          <a:bodyPr/>
+          <a:lstStyle/>
+          <a:p>
+            <a:fld id="{F5F1BD42-12A7-41F2-9B1D-3590AF6DE491}" type="slidenum">
+              <a:rPr lang="pt-PT" smtClean="0">
+                <a:solidFill>
+                  <a:schemeClr val="bg1"/>
+                </a:solidFill>
+                <a:latin typeface="Constantia" panose="02030602050306030303" pitchFamily="18" charset="0"/>
+              </a:rPr>
+              <a:t>14</a:t>
+            </a:fld>
+            <a:endParaRPr lang="pt-PT" dirty="0">
+              <a:solidFill>
+                <a:schemeClr val="bg1"/>
+              </a:solidFill>
+              <a:latin typeface="Constantia" panose="02030602050306030303" pitchFamily="18" charset="0"/>
+            </a:endParaRPr>
+          </a:p>
+        </p:txBody>
+      </p:sp>
+      <p:sp>
+        <p:nvSpPr>
+          <p:cNvPr id="18" name="Título 1"/>
+          <p:cNvSpPr>
+            <a:spLocks noGrp="1"/>
+          </p:cNvSpPr>
+          <p:nvPr>
+            <p:ph type="title"/>
+          </p:nvPr>
+        </p:nvSpPr>
+        <p:spPr>
+          <a:xfrm>
+            <a:off x="838200" y="365125"/>
+            <a:ext cx="10515600" cy="1325563"/>
+          </a:xfrm>
+        </p:spPr>
+        <p:txBody>
+          <a:bodyPr/>
+          <a:lstStyle/>
+          <a:p>
+            <a:r>
+              <a:rPr lang="pt-PT" b="1" dirty="0" err="1" smtClean="0">
+                <a:solidFill>
+                  <a:srgbClr val="8C2D19"/>
+                </a:solidFill>
+                <a:latin typeface="Berlin Sans FB Demi" panose="020E0802020502020306" pitchFamily="34" charset="0"/>
+              </a:rPr>
+              <a:t>Solution’s</a:t>
+            </a:r>
+            <a:r>
+              <a:rPr lang="pt-PT" b="1" dirty="0" smtClean="0">
+                <a:solidFill>
+                  <a:srgbClr val="8C2D19"/>
+                </a:solidFill>
+                <a:latin typeface="Berlin Sans FB Demi" panose="020E0802020502020306" pitchFamily="34" charset="0"/>
+              </a:rPr>
+              <a:t> </a:t>
+            </a:r>
+            <a:r>
+              <a:rPr lang="pt-PT" b="1" dirty="0" err="1" smtClean="0">
+                <a:solidFill>
+                  <a:srgbClr val="8C2D19"/>
+                </a:solidFill>
+                <a:latin typeface="Berlin Sans FB Demi" panose="020E0802020502020306" pitchFamily="34" charset="0"/>
+              </a:rPr>
+              <a:t>Validation</a:t>
+            </a:r>
+            <a:r>
+              <a:rPr lang="pt-PT" b="1" dirty="0" smtClean="0">
+                <a:solidFill>
+                  <a:srgbClr val="8C2D19"/>
+                </a:solidFill>
+                <a:latin typeface="Berlin Sans FB Demi" panose="020E0802020502020306" pitchFamily="34" charset="0"/>
+              </a:rPr>
+              <a:t> (1)</a:t>
+            </a:r>
+            <a:endParaRPr lang="pt-PT" b="1" dirty="0">
+              <a:solidFill>
+                <a:srgbClr val="8C2D19"/>
+              </a:solidFill>
+              <a:latin typeface="Berlin Sans FB Demi" panose="020E0802020502020306" pitchFamily="34" charset="0"/>
+            </a:endParaRPr>
+          </a:p>
+        </p:txBody>
+      </p:sp>
+      <p:sp>
+        <p:nvSpPr>
+          <p:cNvPr id="8" name="Marcador de Posição de Conteúdo 10"/>
+          <p:cNvSpPr>
+            <a:spLocks noGrp="1"/>
+          </p:cNvSpPr>
+          <p:nvPr>
+            <p:ph idx="1"/>
+          </p:nvPr>
+        </p:nvSpPr>
+        <p:spPr>
+          <a:xfrm>
+            <a:off x="838200" y="1825625"/>
+            <a:ext cx="10515600" cy="4351338"/>
+          </a:xfrm>
+        </p:spPr>
+        <p:txBody>
+          <a:bodyPr>
+            <a:normAutofit/>
+          </a:bodyPr>
+          <a:lstStyle/>
+          <a:p>
+            <a:pPr marL="0" indent="0">
+              <a:buNone/>
+            </a:pPr>
+            <a:r>
+              <a:rPr lang="pt-PT" b="1" dirty="0" smtClean="0"/>
+              <a:t>2 use cases:</a:t>
+            </a:r>
+          </a:p>
+          <a:p>
+            <a:endParaRPr lang="pt-PT" sz="2000" dirty="0"/>
+          </a:p>
+          <a:p>
+            <a:pPr algn="just"/>
+            <a:r>
+              <a:rPr lang="pt-PT" sz="2000" dirty="0" smtClean="0"/>
+              <a:t>A </a:t>
+            </a:r>
+            <a:r>
+              <a:rPr lang="pt-PT" sz="2000" dirty="0" err="1"/>
+              <a:t>biopharmaceutical</a:t>
+            </a:r>
+            <a:r>
+              <a:rPr lang="pt-PT" sz="2000" dirty="0"/>
+              <a:t> HPC </a:t>
+            </a:r>
+            <a:r>
+              <a:rPr lang="pt-PT" sz="2000" dirty="0" err="1"/>
+              <a:t>application</a:t>
+            </a:r>
+            <a:r>
+              <a:rPr lang="pt-PT" sz="2000" dirty="0"/>
+              <a:t> for </a:t>
+            </a:r>
+            <a:r>
+              <a:rPr lang="pt-PT" sz="2000" dirty="0" err="1"/>
+              <a:t>accelerating</a:t>
+            </a:r>
+            <a:r>
+              <a:rPr lang="pt-PT" sz="2000" dirty="0"/>
+              <a:t> </a:t>
+            </a:r>
+            <a:r>
+              <a:rPr lang="pt-PT" sz="2000" dirty="0" err="1"/>
+              <a:t>drug</a:t>
+            </a:r>
+            <a:r>
+              <a:rPr lang="pt-PT" sz="2000" dirty="0"/>
+              <a:t> </a:t>
+            </a:r>
+            <a:r>
+              <a:rPr lang="pt-PT" sz="2000" dirty="0" err="1" smtClean="0"/>
+              <a:t>discovery</a:t>
+            </a:r>
+            <a:r>
+              <a:rPr lang="pt-PT" sz="2000" dirty="0" smtClean="0"/>
+              <a:t>;</a:t>
+            </a:r>
+          </a:p>
+          <a:p>
+            <a:pPr marL="0" indent="0">
+              <a:buNone/>
+            </a:pPr>
+            <a:r>
+              <a:rPr lang="pt-PT" sz="2000" dirty="0"/>
+              <a:t>	</a:t>
+            </a:r>
+            <a:r>
+              <a:rPr lang="pt-PT" sz="2000" dirty="0" smtClean="0"/>
+              <a:t>				</a:t>
+            </a:r>
+          </a:p>
+          <a:p>
+            <a:pPr marL="0" indent="0">
+              <a:buNone/>
+            </a:pPr>
+            <a:r>
+              <a:rPr lang="pt-PT" sz="2000" dirty="0"/>
+              <a:t>	</a:t>
+            </a:r>
+            <a:r>
+              <a:rPr lang="pt-PT" sz="2000" dirty="0" smtClean="0"/>
+              <a:t>				</a:t>
+            </a:r>
+            <a:r>
+              <a:rPr lang="pt-PT" dirty="0" smtClean="0"/>
+              <a:t>&amp;</a:t>
+            </a:r>
+            <a:endParaRPr lang="pt-PT" dirty="0"/>
+          </a:p>
+          <a:p>
+            <a:endParaRPr lang="pt-PT" sz="2000" dirty="0" smtClean="0"/>
+          </a:p>
+          <a:p>
+            <a:pPr algn="just"/>
+            <a:r>
+              <a:rPr lang="en-US" sz="2000" dirty="0"/>
+              <a:t>A</a:t>
+            </a:r>
+            <a:r>
+              <a:rPr lang="en-US" sz="2000" dirty="0" smtClean="0"/>
+              <a:t> </a:t>
+            </a:r>
+            <a:r>
+              <a:rPr lang="en-US" sz="2000" dirty="0"/>
+              <a:t>self-adaptive navigation system to be used in smart </a:t>
+            </a:r>
+            <a:r>
+              <a:rPr lang="en-US" sz="2000" dirty="0" smtClean="0"/>
+              <a:t>cities</a:t>
+            </a:r>
+            <a:endParaRPr lang="pt-PT" sz="1800" dirty="0" smtClean="0">
+              <a:solidFill>
+                <a:schemeClr val="bg2">
+                  <a:lumMod val="25000"/>
+                </a:schemeClr>
+              </a:solidFill>
+              <a:latin typeface="Constantia" panose="02030602050306030303" pitchFamily="18" charset="0"/>
+            </a:endParaRPr>
+          </a:p>
+          <a:p>
+            <a:pPr marL="0" indent="0">
+              <a:buNone/>
+            </a:pPr>
+            <a:endParaRPr lang="pt-PT" sz="1800" dirty="0">
+              <a:solidFill>
+                <a:schemeClr val="bg2">
+                  <a:lumMod val="25000"/>
+                </a:schemeClr>
+              </a:solidFill>
+              <a:latin typeface="Constantia" panose="02030602050306030303" pitchFamily="18" charset="0"/>
+            </a:endParaRPr>
+          </a:p>
+        </p:txBody>
+      </p:sp>
+    </p:spTree>
+    <p:extLst>
+      <p:ext uri="{BB962C8B-B14F-4D97-AF65-F5344CB8AC3E}">
+        <p14:creationId xmlns:p14="http://schemas.microsoft.com/office/powerpoint/2010/main" val="970312392"/>
       </p:ext>
     </p:extLst>
   </p:cSld>
@@ -23224,7 +23617,7 @@
                 </a:solidFill>
                 <a:latin typeface="Constantia" panose="02030602050306030303" pitchFamily="18" charset="0"/>
               </a:rPr>
-              <a:t>06/01/2017</a:t>
+              <a:t>06/02/2017</a:t>
             </a:r>
             <a:endParaRPr lang="pt-PT" dirty="0">
               <a:solidFill>
@@ -23256,13 +23649,24 @@
           <a:lstStyle/>
           <a:p>
             <a:r>
-              <a:rPr lang="pt-PT" smtClean="0">
+              <a:rPr lang="pt-PT" dirty="0" smtClean="0">
                 <a:solidFill>
                   <a:schemeClr val="bg1"/>
                 </a:solidFill>
                 <a:latin typeface="Constantia" panose="02030602050306030303" pitchFamily="18" charset="0"/>
               </a:rPr>
-              <a:t>Faculdade de Engenharia da Universidade do Porto Mestrado Integrado em Engenharia Informática e Computação</a:t>
+              <a:t>Faculdade de Engenharia da Universidade do Porto </a:t>
+            </a:r>
+          </a:p>
+          <a:p>
+            <a:r>
+              <a:rPr lang="pt-PT" dirty="0" smtClean="0">
+                <a:solidFill>
+                  <a:schemeClr val="bg1"/>
+                </a:solidFill>
+                <a:latin typeface="Constantia" panose="02030602050306030303" pitchFamily="18" charset="0"/>
+              </a:rPr>
+              <a:t>Mestrado Integrado em Engenharia Informática e Computação</a:t>
             </a:r>
             <a:endParaRPr lang="pt-PT" dirty="0">
               <a:solidFill>
@@ -23352,6 +23756,15 @@
                 <a:latin typeface="Berlin Sans FB Demi" panose="020E0802020502020306" pitchFamily="34" charset="0"/>
               </a:rPr>
               <a:t>Validation</a:t>
+            </a:r>
+            <a:r>
+              <a:rPr lang="pt-PT" b="1" dirty="0" smtClean="0">
+                <a:solidFill>
+                  <a:srgbClr val="8C2D19"/>
+                </a:solidFill>
+                <a:latin typeface="Berlin Sans FB Demi" panose="020E0802020502020306" pitchFamily="34" charset="0"/>
+              </a:rPr>
+              <a:t> (2)</a:t>
             </a:r>
             <a:endParaRPr lang="pt-PT" b="1" dirty="0">
               <a:solidFill>
@@ -23387,190 +23800,6 @@
             <a:pPr marL="0" indent="0">
               <a:buNone/>
             </a:pPr>
-            <a:r>
-              <a:rPr lang="pt-PT" b="1" dirty="0" smtClean="0"/>
-              <a:t>2 use cases:</a:t>
-            </a:r>
-          </a:p>
-          <a:p>
-            <a:endParaRPr lang="pt-PT" sz="2000" dirty="0"/>
-          </a:p>
-          <a:p>
-            <a:pPr algn="just"/>
-            <a:r>
-              <a:rPr lang="pt-PT" sz="2000" dirty="0" smtClean="0"/>
-              <a:t>A </a:t>
-            </a:r>
-            <a:r>
-              <a:rPr lang="pt-PT" sz="2000" dirty="0" err="1"/>
-              <a:t>biopharmaceutical</a:t>
-            </a:r>
-            <a:r>
-              <a:rPr lang="pt-PT" sz="2000" dirty="0"/>
-              <a:t> HPC </a:t>
-            </a:r>
-            <a:r>
-              <a:rPr lang="pt-PT" sz="2000" dirty="0" err="1"/>
-              <a:t>application</a:t>
-            </a:r>
-            <a:r>
-              <a:rPr lang="pt-PT" sz="2000" dirty="0"/>
-              <a:t> for </a:t>
-            </a:r>
-            <a:r>
-              <a:rPr lang="pt-PT" sz="2000" dirty="0" err="1"/>
-              <a:t>accelerating</a:t>
-            </a:r>
-            <a:r>
-              <a:rPr lang="pt-PT" sz="2000" dirty="0"/>
-              <a:t> </a:t>
-            </a:r>
-            <a:r>
-              <a:rPr lang="pt-PT" sz="2000" dirty="0" err="1"/>
-              <a:t>drug</a:t>
-            </a:r>
-            <a:r>
-              <a:rPr lang="pt-PT" sz="2000" dirty="0"/>
-              <a:t> </a:t>
-            </a:r>
-            <a:r>
-              <a:rPr lang="pt-PT" sz="2000" dirty="0" err="1"/>
-              <a:t>discovery</a:t>
-            </a:r>
-            <a:r>
-              <a:rPr lang="pt-PT" sz="2000" dirty="0"/>
-              <a:t> </a:t>
-            </a:r>
-            <a:r>
-              <a:rPr lang="pt-PT" sz="2000" dirty="0" err="1"/>
-              <a:t>deployed</a:t>
-            </a:r>
-            <a:r>
-              <a:rPr lang="pt-PT" sz="2000" dirty="0"/>
-              <a:t> </a:t>
-            </a:r>
-            <a:r>
-              <a:rPr lang="pt-PT" sz="2000" dirty="0" err="1"/>
-              <a:t>on</a:t>
-            </a:r>
-            <a:r>
-              <a:rPr lang="pt-PT" sz="2000" dirty="0"/>
-              <a:t> </a:t>
-            </a:r>
-            <a:r>
-              <a:rPr lang="pt-PT" sz="2000" dirty="0" err="1"/>
-              <a:t>the</a:t>
-            </a:r>
-            <a:r>
-              <a:rPr lang="pt-PT" sz="2000" dirty="0"/>
-              <a:t> 1.2 </a:t>
-            </a:r>
-            <a:r>
-              <a:rPr lang="pt-PT" sz="2000" dirty="0" err="1"/>
-              <a:t>PetaFlops</a:t>
-            </a:r>
-            <a:r>
-              <a:rPr lang="pt-PT" sz="2000" dirty="0"/>
-              <a:t> </a:t>
-            </a:r>
-            <a:r>
-              <a:rPr lang="pt-PT" sz="2000" dirty="0" err="1"/>
-              <a:t>heterogeneous</a:t>
-            </a:r>
-            <a:r>
-              <a:rPr lang="pt-PT" sz="2000" dirty="0"/>
-              <a:t> </a:t>
-            </a:r>
-            <a:r>
-              <a:rPr lang="pt-PT" sz="2000" dirty="0" err="1"/>
-              <a:t>NeXtScale</a:t>
-            </a:r>
-            <a:r>
-              <a:rPr lang="pt-PT" sz="2000" dirty="0"/>
-              <a:t> Intel-</a:t>
-            </a:r>
-            <a:r>
-              <a:rPr lang="pt-PT" sz="2000" dirty="0" err="1"/>
-              <a:t>based</a:t>
-            </a:r>
-            <a:r>
-              <a:rPr lang="pt-PT" sz="2000" dirty="0"/>
-              <a:t> IBM </a:t>
-            </a:r>
-            <a:r>
-              <a:rPr lang="pt-PT" sz="2000" dirty="0" err="1"/>
-              <a:t>system</a:t>
-            </a:r>
-            <a:r>
-              <a:rPr lang="pt-PT" sz="2000" dirty="0"/>
-              <a:t> </a:t>
-            </a:r>
-            <a:r>
-              <a:rPr lang="pt-PT" sz="2000" dirty="0" err="1"/>
-              <a:t>at</a:t>
-            </a:r>
-            <a:r>
-              <a:rPr lang="pt-PT" sz="2000" dirty="0"/>
-              <a:t> </a:t>
-            </a:r>
-            <a:r>
-              <a:rPr lang="pt-PT" sz="2000" dirty="0" smtClean="0"/>
-              <a:t>CINECA;</a:t>
-            </a:r>
-          </a:p>
-          <a:p>
-            <a:pPr marL="0" indent="0">
-              <a:buNone/>
-            </a:pPr>
-            <a:r>
-              <a:rPr lang="pt-PT" sz="2000" dirty="0"/>
-              <a:t>	</a:t>
-            </a:r>
-            <a:r>
-              <a:rPr lang="pt-PT" sz="2000" dirty="0" smtClean="0"/>
-              <a:t>				</a:t>
-            </a:r>
-          </a:p>
-          <a:p>
-            <a:pPr marL="0" indent="0">
-              <a:buNone/>
-            </a:pPr>
-            <a:r>
-              <a:rPr lang="pt-PT" sz="2000" dirty="0"/>
-              <a:t>	</a:t>
-            </a:r>
-            <a:r>
-              <a:rPr lang="pt-PT" sz="2000" dirty="0" smtClean="0"/>
-              <a:t>				</a:t>
-            </a:r>
-            <a:r>
-              <a:rPr lang="pt-PT" dirty="0" smtClean="0"/>
-              <a:t>&amp;</a:t>
-            </a:r>
-            <a:endParaRPr lang="pt-PT" dirty="0"/>
-          </a:p>
-          <a:p>
-            <a:endParaRPr lang="pt-PT" sz="2000" dirty="0" smtClean="0"/>
-          </a:p>
-          <a:p>
-            <a:pPr algn="just"/>
-            <a:r>
-              <a:rPr lang="en-US" sz="2000" dirty="0"/>
-              <a:t>a self-adaptive navigation system to be used in smart cities deployed on the server-side on an heterogeneous Intel-based 1.46 </a:t>
-            </a:r>
-            <a:r>
-              <a:rPr lang="en-US" sz="2000" dirty="0" err="1"/>
-              <a:t>PetaFlops</a:t>
-            </a:r>
-            <a:r>
-              <a:rPr lang="en-US" sz="2000" dirty="0"/>
-              <a:t> class system provided by IT4Innovations.</a:t>
-            </a:r>
-          </a:p>
-          <a:p>
-            <a:pPr marL="0" indent="0">
-              <a:buNone/>
-            </a:pPr>
             <a:endParaRPr lang="pt-PT" sz="1800" dirty="0" smtClean="0">
               <a:solidFill>
                 <a:schemeClr val="bg2">
@@ -23595,10 +23824,294 @@
           </a:p>
         </p:txBody>
       </p:sp>
+      <p:graphicFrame>
+        <p:nvGraphicFramePr>
+          <p:cNvPr id="10" name="Diagrama 9"/>
+          <p:cNvGraphicFramePr/>
+          <p:nvPr>
+            <p:extLst>
+              <p:ext uri="{D42A27DB-BD31-4B8C-83A1-F6EECF244321}">
+                <p14:modId xmlns:p14="http://schemas.microsoft.com/office/powerpoint/2010/main" val="1083555553"/>
+              </p:ext>
+            </p:extLst>
+          </p:nvPr>
+        </p:nvGraphicFramePr>
+        <p:xfrm>
+          <a:off x="324758" y="1953984"/>
+          <a:ext cx="5553528" cy="3569304"/>
+        </p:xfrm>
+        <a:graphic>
+          <a:graphicData uri="http://schemas.openxmlformats.org/drawingml/2006/diagram">
+            <dgm:relIds xmlns:dgm="http://schemas.openxmlformats.org/drawingml/2006/diagram" xmlns:r="http://schemas.openxmlformats.org/officeDocument/2006/relationships" r:dm="rId3" r:lo="rId4" r:qs="rId5" r:cs="rId6"/>
+          </a:graphicData>
+        </a:graphic>
+      </p:graphicFrame>
+      <p:sp>
+        <p:nvSpPr>
+          <p:cNvPr id="12" name="CaixaDeTexto 11"/>
+          <p:cNvSpPr txBox="1"/>
+          <p:nvPr/>
+        </p:nvSpPr>
+        <p:spPr>
+          <a:xfrm>
+            <a:off x="2517269" y="3738636"/>
+            <a:ext cx="1135850" cy="523220"/>
+          </a:xfrm>
+          <a:prstGeom prst="rect">
+            <a:avLst/>
+          </a:prstGeom>
+          <a:noFill/>
+        </p:spPr>
+        <p:txBody>
+          <a:bodyPr wrap="square" rtlCol="0">
+            <a:spAutoFit/>
+          </a:bodyPr>
+          <a:lstStyle/>
+          <a:p>
+            <a:pPr algn="ctr"/>
+            <a:r>
+              <a:rPr lang="pt-PT" sz="2800" b="1" dirty="0" smtClean="0">
+                <a:latin typeface="Constantia" panose="02030602050306030303" pitchFamily="18" charset="0"/>
+              </a:rPr>
+              <a:t>VS</a:t>
+            </a:r>
+            <a:endParaRPr lang="pt-PT" sz="2800" b="1" dirty="0">
+              <a:latin typeface="Constantia" panose="02030602050306030303" pitchFamily="18" charset="0"/>
+            </a:endParaRPr>
+          </a:p>
+        </p:txBody>
+      </p:sp>
+      <p:sp>
+        <p:nvSpPr>
+          <p:cNvPr id="11" name="Chaveta à direita 10"/>
+          <p:cNvSpPr/>
+          <p:nvPr/>
+        </p:nvSpPr>
+        <p:spPr>
+          <a:xfrm>
+            <a:off x="5913612" y="1825625"/>
+            <a:ext cx="1338943" cy="3494314"/>
+          </a:xfrm>
+          <a:prstGeom prst="rightBrace">
+            <a:avLst/>
+          </a:prstGeom>
+          <a:ln w="22225"/>
+        </p:spPr>
+        <p:style>
+          <a:lnRef idx="1">
+            <a:schemeClr val="accent2"/>
+          </a:lnRef>
+          <a:fillRef idx="0">
+            <a:schemeClr val="accent2"/>
+          </a:fillRef>
+          <a:effectRef idx="0">
+            <a:schemeClr val="accent2"/>
+          </a:effectRef>
+          <a:fontRef idx="minor">
+            <a:schemeClr val="tx1"/>
+          </a:fontRef>
+        </p:style>
+        <p:txBody>
+          <a:bodyPr rtlCol="0" anchor="ctr"/>
+          <a:lstStyle/>
+          <a:p>
+            <a:pPr algn="ctr"/>
+            <a:endParaRPr lang="pt-PT" b="1">
+              <a:ln w="22225">
+                <a:solidFill>
+                  <a:schemeClr val="accent2"/>
+                </a:solidFill>
+                <a:prstDash val="solid"/>
+              </a:ln>
+              <a:solidFill>
+                <a:schemeClr val="accent2">
+                  <a:lumMod val="40000"/>
+                  <a:lumOff val="60000"/>
+                </a:schemeClr>
+              </a:solidFill>
+            </a:endParaRPr>
+          </a:p>
+        </p:txBody>
+      </p:sp>
+      <p:sp>
+        <p:nvSpPr>
+          <p:cNvPr id="14" name="CaixaDeTexto 13"/>
+          <p:cNvSpPr txBox="1"/>
+          <p:nvPr/>
+        </p:nvSpPr>
+        <p:spPr>
+          <a:xfrm>
+            <a:off x="8022964" y="2615251"/>
+            <a:ext cx="2930734" cy="2246769"/>
+          </a:xfrm>
+          <a:prstGeom prst="rect">
+            <a:avLst/>
+          </a:prstGeom>
+          <a:noFill/>
+        </p:spPr>
+        <p:txBody>
+          <a:bodyPr wrap="square" rtlCol="0">
+            <a:spAutoFit/>
+          </a:bodyPr>
+          <a:lstStyle/>
+          <a:p>
+            <a:pPr algn="ctr"/>
+            <a:r>
+              <a:rPr lang="pt-PT" sz="2000" dirty="0" err="1" smtClean="0">
+                <a:latin typeface="Constantia" panose="02030602050306030303" pitchFamily="18" charset="0"/>
+              </a:rPr>
+              <a:t>Energy</a:t>
+            </a:r>
+            <a:r>
+              <a:rPr lang="pt-PT" sz="2000" dirty="0" smtClean="0">
+                <a:latin typeface="Constantia" panose="02030602050306030303" pitchFamily="18" charset="0"/>
+              </a:rPr>
+              <a:t> </a:t>
+            </a:r>
+            <a:r>
+              <a:rPr lang="pt-PT" sz="2000" dirty="0" err="1" smtClean="0">
+                <a:latin typeface="Constantia" panose="02030602050306030303" pitchFamily="18" charset="0"/>
+              </a:rPr>
+              <a:t>Consuming</a:t>
+            </a:r>
+            <a:endParaRPr lang="pt-PT" sz="2000" dirty="0" smtClean="0">
+              <a:latin typeface="Constantia" panose="02030602050306030303" pitchFamily="18" charset="0"/>
+            </a:endParaRPr>
+          </a:p>
+          <a:p>
+            <a:pPr algn="ctr"/>
+            <a:endParaRPr lang="pt-PT" sz="2000" dirty="0">
+              <a:latin typeface="Constantia" panose="02030602050306030303" pitchFamily="18" charset="0"/>
+            </a:endParaRPr>
+          </a:p>
+          <a:p>
+            <a:pPr algn="ctr"/>
+            <a:r>
+              <a:rPr lang="pt-PT" sz="2000" dirty="0" err="1" smtClean="0">
+                <a:latin typeface="Constantia" panose="02030602050306030303" pitchFamily="18" charset="0"/>
+              </a:rPr>
+              <a:t>Execution</a:t>
+            </a:r>
+            <a:r>
+              <a:rPr lang="pt-PT" sz="2000" dirty="0" smtClean="0">
+                <a:latin typeface="Constantia" panose="02030602050306030303" pitchFamily="18" charset="0"/>
+              </a:rPr>
+              <a:t> Time</a:t>
+            </a:r>
+          </a:p>
+          <a:p>
+            <a:pPr algn="ctr"/>
+            <a:endParaRPr lang="pt-PT" sz="2000" dirty="0">
+              <a:latin typeface="Constantia" panose="02030602050306030303" pitchFamily="18" charset="0"/>
+            </a:endParaRPr>
+          </a:p>
+          <a:p>
+            <a:pPr algn="ctr"/>
+            <a:r>
+              <a:rPr lang="pt-PT" sz="2000" dirty="0" err="1" smtClean="0">
+                <a:latin typeface="Constantia" panose="02030602050306030303" pitchFamily="18" charset="0"/>
+              </a:rPr>
+              <a:t>Memory</a:t>
+            </a:r>
+            <a:r>
+              <a:rPr lang="pt-PT" sz="2000" dirty="0">
+                <a:latin typeface="Constantia" panose="02030602050306030303" pitchFamily="18" charset="0"/>
+              </a:rPr>
+              <a:t> </a:t>
+            </a:r>
+            <a:r>
+              <a:rPr lang="pt-PT" sz="2000" dirty="0" err="1" smtClean="0">
+                <a:latin typeface="Constantia" panose="02030602050306030303" pitchFamily="18" charset="0"/>
+              </a:rPr>
+              <a:t>Accesses</a:t>
+            </a:r>
+            <a:endParaRPr lang="pt-PT" sz="2000" dirty="0" smtClean="0">
+              <a:latin typeface="Constantia" panose="02030602050306030303" pitchFamily="18" charset="0"/>
+            </a:endParaRPr>
+          </a:p>
+          <a:p>
+            <a:pPr algn="ctr"/>
+            <a:endParaRPr lang="pt-PT" sz="2000" dirty="0">
+              <a:latin typeface="Constantia" panose="02030602050306030303" pitchFamily="18" charset="0"/>
+            </a:endParaRPr>
+          </a:p>
+          <a:p>
+            <a:pPr algn="ctr"/>
+            <a:r>
+              <a:rPr lang="pt-PT" sz="2000" dirty="0" err="1" smtClean="0">
+                <a:latin typeface="Constantia" panose="02030602050306030303" pitchFamily="18" charset="0"/>
+              </a:rPr>
+              <a:t>Processing</a:t>
+            </a:r>
+            <a:r>
+              <a:rPr lang="pt-PT" sz="2000" dirty="0" smtClean="0">
+                <a:latin typeface="Constantia" panose="02030602050306030303" pitchFamily="18" charset="0"/>
+              </a:rPr>
+              <a:t> </a:t>
+            </a:r>
+            <a:r>
+              <a:rPr lang="pt-PT" sz="2000" dirty="0" err="1" smtClean="0">
+                <a:latin typeface="Constantia" panose="02030602050306030303" pitchFamily="18" charset="0"/>
+              </a:rPr>
+              <a:t>Power</a:t>
+            </a:r>
+            <a:endParaRPr lang="pt-PT" sz="2000" dirty="0">
+              <a:latin typeface="Constantia" panose="02030602050306030303" pitchFamily="18" charset="0"/>
+            </a:endParaRPr>
+          </a:p>
+        </p:txBody>
+      </p:sp>
+      <p:sp>
+        <p:nvSpPr>
+          <p:cNvPr id="15" name="CaixaDeTexto 14"/>
+          <p:cNvSpPr txBox="1"/>
+          <p:nvPr/>
+        </p:nvSpPr>
+        <p:spPr>
+          <a:xfrm>
+            <a:off x="7988743" y="1655662"/>
+            <a:ext cx="2999175" cy="461665"/>
+          </a:xfrm>
+          <a:prstGeom prst="rect">
+            <a:avLst/>
+          </a:prstGeom>
+          <a:noFill/>
+        </p:spPr>
+        <p:txBody>
+          <a:bodyPr wrap="square" rtlCol="0">
+            <a:spAutoFit/>
+          </a:bodyPr>
+          <a:lstStyle/>
+          <a:p>
+            <a:pPr algn="ctr"/>
+            <a:r>
+              <a:rPr lang="pt-PT" sz="2400" b="1" dirty="0" err="1" smtClean="0">
+                <a:latin typeface="Constantia" panose="02030602050306030303" pitchFamily="18" charset="0"/>
+              </a:rPr>
+              <a:t>Evaluation</a:t>
+            </a:r>
+            <a:r>
+              <a:rPr lang="pt-PT" sz="2400" b="1" dirty="0" smtClean="0">
+                <a:latin typeface="Constantia" panose="02030602050306030303" pitchFamily="18" charset="0"/>
+              </a:rPr>
+              <a:t> </a:t>
+            </a:r>
+            <a:r>
+              <a:rPr lang="pt-PT" sz="2400" b="1" dirty="0" err="1" smtClean="0">
+                <a:latin typeface="Constantia" panose="02030602050306030303" pitchFamily="18" charset="0"/>
+              </a:rPr>
+              <a:t>Metrics</a:t>
+            </a:r>
+            <a:endParaRPr lang="pt-PT" sz="2400" b="1" dirty="0">
+              <a:latin typeface="Constantia" panose="02030602050306030303" pitchFamily="18" charset="0"/>
+            </a:endParaRPr>
+          </a:p>
+        </p:txBody>
+      </p:sp>
     </p:spTree>
     <p:extLst>
       <p:ext uri="{BB962C8B-B14F-4D97-AF65-F5344CB8AC3E}">
-        <p14:creationId xmlns:p14="http://schemas.microsoft.com/office/powerpoint/2010/main" val="970312392"/>
+        <p14:creationId xmlns:p14="http://schemas.microsoft.com/office/powerpoint/2010/main" val="2308911436"/>
       </p:ext>
     </p:extLst>
   </p:cSld>
@@ -23662,564 +24175,6 @@
       </p:sp>
       <p:sp>
         <p:nvSpPr>
-          <p:cNvPr id="4" name="Marcador de Posição da Data 3"/>
-          <p:cNvSpPr>
-            <a:spLocks noGrp="1"/>
-          </p:cNvSpPr>
-          <p:nvPr>
-            <p:ph type="dt" sz="half" idx="10"/>
-          </p:nvPr>
-        </p:nvSpPr>
-        <p:spPr/>
-        <p:txBody>
-          <a:bodyPr/>
-          <a:lstStyle/>
-          <a:p>
-            <a:r>
-              <a:rPr lang="pt-PT" smtClean="0">
-                <a:solidFill>
-                  <a:schemeClr val="bg1"/>
-                </a:solidFill>
-                <a:latin typeface="Constantia" panose="02030602050306030303" pitchFamily="18" charset="0"/>
-              </a:rPr>
-              <a:t>06/01/2017</a:t>
-            </a:r>
-            <a:endParaRPr lang="pt-PT" dirty="0">
-              <a:solidFill>
-                <a:schemeClr val="bg1"/>
-              </a:solidFill>
-              <a:latin typeface="Constantia" panose="02030602050306030303" pitchFamily="18" charset="0"/>
-            </a:endParaRPr>
-          </a:p>
-        </p:txBody>
-      </p:sp>
-      <p:sp>
-        <p:nvSpPr>
-          <p:cNvPr id="5" name="Marcador de Posição do Rodapé 4"/>
-          <p:cNvSpPr>
-            <a:spLocks noGrp="1"/>
-          </p:cNvSpPr>
-          <p:nvPr>
-            <p:ph type="ftr" sz="quarter" idx="11"/>
-          </p:nvPr>
-        </p:nvSpPr>
-        <p:spPr>
-          <a:xfrm>
-            <a:off x="4038599" y="6356350"/>
-            <a:ext cx="4346275" cy="365125"/>
-          </a:xfrm>
-        </p:spPr>
-        <p:txBody>
-          <a:bodyPr/>
-          <a:lstStyle/>
-          <a:p>
-            <a:r>
-              <a:rPr lang="pt-PT" smtClean="0">
-                <a:solidFill>
-                  <a:schemeClr val="bg1"/>
-                </a:solidFill>
-                <a:latin typeface="Constantia" panose="02030602050306030303" pitchFamily="18" charset="0"/>
-              </a:rPr>
-              <a:t>Faculdade de Engenharia da Universidade do Porto Mestrado Integrado em Engenharia Informática e Computação</a:t>
-            </a:r>
-            <a:endParaRPr lang="pt-PT" dirty="0">
-              <a:solidFill>
-                <a:schemeClr val="bg1"/>
-              </a:solidFill>
-              <a:latin typeface="Constantia" panose="02030602050306030303" pitchFamily="18" charset="0"/>
-            </a:endParaRPr>
-          </a:p>
-        </p:txBody>
-      </p:sp>
-      <p:sp>
-        <p:nvSpPr>
-          <p:cNvPr id="6" name="Marcador de Posição do Número do Diapositivo 5"/>
-          <p:cNvSpPr>
-            <a:spLocks noGrp="1"/>
-          </p:cNvSpPr>
-          <p:nvPr>
-            <p:ph type="sldNum" sz="quarter" idx="12"/>
-          </p:nvPr>
-        </p:nvSpPr>
-        <p:spPr/>
-        <p:txBody>
-          <a:bodyPr/>
-          <a:lstStyle/>
-          <a:p>
-            <a:fld id="{F5F1BD42-12A7-41F2-9B1D-3590AF6DE491}" type="slidenum">
-              <a:rPr lang="pt-PT" smtClean="0">
-                <a:solidFill>
-                  <a:schemeClr val="bg1"/>
-                </a:solidFill>
-                <a:latin typeface="Constantia" panose="02030602050306030303" pitchFamily="18" charset="0"/>
-              </a:rPr>
-              <a:t>16</a:t>
-            </a:fld>
-            <a:endParaRPr lang="pt-PT" dirty="0">
-              <a:solidFill>
-                <a:schemeClr val="bg1"/>
-              </a:solidFill>
-              <a:latin typeface="Constantia" panose="02030602050306030303" pitchFamily="18" charset="0"/>
-            </a:endParaRPr>
-          </a:p>
-        </p:txBody>
-      </p:sp>
-      <p:sp>
-        <p:nvSpPr>
-          <p:cNvPr id="18" name="Título 1"/>
-          <p:cNvSpPr>
-            <a:spLocks noGrp="1"/>
-          </p:cNvSpPr>
-          <p:nvPr>
-            <p:ph type="title"/>
-          </p:nvPr>
-        </p:nvSpPr>
-        <p:spPr>
-          <a:xfrm>
-            <a:off x="838200" y="365125"/>
-            <a:ext cx="10515600" cy="1325563"/>
-          </a:xfrm>
-        </p:spPr>
-        <p:txBody>
-          <a:bodyPr/>
-          <a:lstStyle/>
-          <a:p>
-            <a:r>
-              <a:rPr lang="pt-PT" b="1" dirty="0" err="1" smtClean="0">
-                <a:solidFill>
-                  <a:srgbClr val="8C2D19"/>
-                </a:solidFill>
-                <a:latin typeface="Berlin Sans FB Demi" panose="020E0802020502020306" pitchFamily="34" charset="0"/>
-              </a:rPr>
-              <a:t>Solution’s</a:t>
-            </a:r>
-            <a:r>
-              <a:rPr lang="pt-PT" b="1" dirty="0" smtClean="0">
-                <a:solidFill>
-                  <a:srgbClr val="8C2D19"/>
-                </a:solidFill>
-                <a:latin typeface="Berlin Sans FB Demi" panose="020E0802020502020306" pitchFamily="34" charset="0"/>
-              </a:rPr>
-              <a:t> </a:t>
-            </a:r>
-            <a:r>
-              <a:rPr lang="pt-PT" b="1" dirty="0" err="1" smtClean="0">
-                <a:solidFill>
-                  <a:srgbClr val="8C2D19"/>
-                </a:solidFill>
-                <a:latin typeface="Berlin Sans FB Demi" panose="020E0802020502020306" pitchFamily="34" charset="0"/>
-              </a:rPr>
-              <a:t>Validation</a:t>
-            </a:r>
-            <a:endParaRPr lang="pt-PT" b="1" dirty="0">
-              <a:solidFill>
-                <a:srgbClr val="8C2D19"/>
-              </a:solidFill>
-              <a:latin typeface="Berlin Sans FB Demi" panose="020E0802020502020306" pitchFamily="34" charset="0"/>
-            </a:endParaRPr>
-          </a:p>
-        </p:txBody>
-      </p:sp>
-      <p:sp>
-        <p:nvSpPr>
-          <p:cNvPr id="8" name="Marcador de Posição de Conteúdo 10"/>
-          <p:cNvSpPr>
-            <a:spLocks noGrp="1"/>
-          </p:cNvSpPr>
-          <p:nvPr>
-            <p:ph idx="1"/>
-          </p:nvPr>
-        </p:nvSpPr>
-        <p:spPr>
-          <a:xfrm>
-            <a:off x="838200" y="1825625"/>
-            <a:ext cx="10515600" cy="4351338"/>
-          </a:xfrm>
-        </p:spPr>
-        <p:txBody>
-          <a:bodyPr>
-            <a:normAutofit/>
-          </a:bodyPr>
-          <a:lstStyle/>
-          <a:p>
-            <a:pPr marL="0" indent="0">
-              <a:buNone/>
-            </a:pPr>
-            <a:endParaRPr lang="pt-PT" sz="1800" dirty="0" smtClean="0">
-              <a:solidFill>
-                <a:schemeClr val="bg2">
-                  <a:lumMod val="25000"/>
-                </a:schemeClr>
-              </a:solidFill>
-              <a:latin typeface="Constantia" panose="02030602050306030303" pitchFamily="18" charset="0"/>
-            </a:endParaRPr>
-          </a:p>
-          <a:p>
-            <a:pPr marL="0" indent="0">
-              <a:buNone/>
-            </a:pPr>
-            <a:endParaRPr lang="pt-PT" sz="1800" dirty="0">
-              <a:solidFill>
-                <a:schemeClr val="bg2">
-                  <a:lumMod val="25000"/>
-                </a:schemeClr>
-              </a:solidFill>
-              <a:latin typeface="Constantia" panose="02030602050306030303" pitchFamily="18" charset="0"/>
-            </a:endParaRPr>
-          </a:p>
-        </p:txBody>
-      </p:sp>
-      <p:graphicFrame>
-        <p:nvGraphicFramePr>
-          <p:cNvPr id="10" name="Diagrama 9"/>
-          <p:cNvGraphicFramePr/>
-          <p:nvPr>
-            <p:extLst>
-              <p:ext uri="{D42A27DB-BD31-4B8C-83A1-F6EECF244321}">
-                <p14:modId xmlns:p14="http://schemas.microsoft.com/office/powerpoint/2010/main" val="1083555553"/>
-              </p:ext>
-            </p:extLst>
-          </p:nvPr>
-        </p:nvGraphicFramePr>
-        <p:xfrm>
-          <a:off x="324758" y="1953984"/>
-          <a:ext cx="5553528" cy="3569304"/>
-        </p:xfrm>
-        <a:graphic>
-          <a:graphicData uri="http://schemas.openxmlformats.org/drawingml/2006/diagram">
-            <dgm:relIds xmlns:dgm="http://schemas.openxmlformats.org/drawingml/2006/diagram" xmlns:r="http://schemas.openxmlformats.org/officeDocument/2006/relationships" r:dm="rId3" r:lo="rId4" r:qs="rId5" r:cs="rId6"/>
-          </a:graphicData>
-        </a:graphic>
-      </p:graphicFrame>
-      <p:sp>
-        <p:nvSpPr>
-          <p:cNvPr id="12" name="CaixaDeTexto 11"/>
-          <p:cNvSpPr txBox="1"/>
-          <p:nvPr/>
-        </p:nvSpPr>
-        <p:spPr>
-          <a:xfrm>
-            <a:off x="2517269" y="3738636"/>
-            <a:ext cx="1135850" cy="523220"/>
-          </a:xfrm>
-          <a:prstGeom prst="rect">
-            <a:avLst/>
-          </a:prstGeom>
-          <a:noFill/>
-        </p:spPr>
-        <p:txBody>
-          <a:bodyPr wrap="square" rtlCol="0">
-            <a:spAutoFit/>
-          </a:bodyPr>
-          <a:lstStyle/>
-          <a:p>
-            <a:pPr algn="ctr"/>
-            <a:r>
-              <a:rPr lang="pt-PT" sz="2800" b="1" dirty="0" smtClean="0">
-                <a:latin typeface="Constantia" panose="02030602050306030303" pitchFamily="18" charset="0"/>
-              </a:rPr>
-              <a:t>VS</a:t>
-            </a:r>
-            <a:endParaRPr lang="pt-PT" sz="2800" b="1" dirty="0">
-              <a:latin typeface="Constantia" panose="02030602050306030303" pitchFamily="18" charset="0"/>
-            </a:endParaRPr>
-          </a:p>
-        </p:txBody>
-      </p:sp>
-      <p:sp>
-        <p:nvSpPr>
-          <p:cNvPr id="11" name="Chaveta à direita 10"/>
-          <p:cNvSpPr/>
-          <p:nvPr/>
-        </p:nvSpPr>
-        <p:spPr>
-          <a:xfrm>
-            <a:off x="5913612" y="1825625"/>
-            <a:ext cx="1338943" cy="3494314"/>
-          </a:xfrm>
-          <a:prstGeom prst="rightBrace">
-            <a:avLst/>
-          </a:prstGeom>
-          <a:ln w="22225"/>
-        </p:spPr>
-        <p:style>
-          <a:lnRef idx="1">
-            <a:schemeClr val="accent2"/>
-          </a:lnRef>
-          <a:fillRef idx="0">
-            <a:schemeClr val="accent2"/>
-          </a:fillRef>
-          <a:effectRef idx="0">
-            <a:schemeClr val="accent2"/>
-          </a:effectRef>
-          <a:fontRef idx="minor">
-            <a:schemeClr val="tx1"/>
-          </a:fontRef>
-        </p:style>
-        <p:txBody>
-          <a:bodyPr rtlCol="0" anchor="ctr"/>
-          <a:lstStyle/>
-          <a:p>
-            <a:pPr algn="ctr"/>
-            <a:endParaRPr lang="pt-PT" b="1">
-              <a:ln w="22225">
-                <a:solidFill>
-                  <a:schemeClr val="accent2"/>
-                </a:solidFill>
-                <a:prstDash val="solid"/>
-              </a:ln>
-              <a:solidFill>
-                <a:schemeClr val="accent2">
-                  <a:lumMod val="40000"/>
-                  <a:lumOff val="60000"/>
-                </a:schemeClr>
-              </a:solidFill>
-            </a:endParaRPr>
-          </a:p>
-        </p:txBody>
-      </p:sp>
-      <p:sp>
-        <p:nvSpPr>
-          <p:cNvPr id="14" name="CaixaDeTexto 13"/>
-          <p:cNvSpPr txBox="1"/>
-          <p:nvPr/>
-        </p:nvSpPr>
-        <p:spPr>
-          <a:xfrm>
-            <a:off x="8022964" y="2615251"/>
-            <a:ext cx="2930734" cy="2246769"/>
-          </a:xfrm>
-          <a:prstGeom prst="rect">
-            <a:avLst/>
-          </a:prstGeom>
-          <a:noFill/>
-        </p:spPr>
-        <p:txBody>
-          <a:bodyPr wrap="square" rtlCol="0">
-            <a:spAutoFit/>
-          </a:bodyPr>
-          <a:lstStyle/>
-          <a:p>
-            <a:pPr algn="ctr"/>
-            <a:r>
-              <a:rPr lang="pt-PT" sz="2000" dirty="0" err="1" smtClean="0">
-                <a:latin typeface="Constantia" panose="02030602050306030303" pitchFamily="18" charset="0"/>
-              </a:rPr>
-              <a:t>Energy</a:t>
-            </a:r>
-            <a:r>
-              <a:rPr lang="pt-PT" sz="2000" dirty="0" smtClean="0">
-                <a:latin typeface="Constantia" panose="02030602050306030303" pitchFamily="18" charset="0"/>
-              </a:rPr>
-              <a:t> </a:t>
-            </a:r>
-            <a:r>
-              <a:rPr lang="pt-PT" sz="2000" dirty="0" err="1" smtClean="0">
-                <a:latin typeface="Constantia" panose="02030602050306030303" pitchFamily="18" charset="0"/>
-              </a:rPr>
-              <a:t>Consuming</a:t>
-            </a:r>
-            <a:endParaRPr lang="pt-PT" sz="2000" dirty="0" smtClean="0">
-              <a:latin typeface="Constantia" panose="02030602050306030303" pitchFamily="18" charset="0"/>
-            </a:endParaRPr>
-          </a:p>
-          <a:p>
-            <a:pPr algn="ctr"/>
-            <a:endParaRPr lang="pt-PT" sz="2000" dirty="0">
-              <a:latin typeface="Constantia" panose="02030602050306030303" pitchFamily="18" charset="0"/>
-            </a:endParaRPr>
-          </a:p>
-          <a:p>
-            <a:pPr algn="ctr"/>
-            <a:r>
-              <a:rPr lang="pt-PT" sz="2000" dirty="0" err="1" smtClean="0">
-                <a:latin typeface="Constantia" panose="02030602050306030303" pitchFamily="18" charset="0"/>
-              </a:rPr>
-              <a:t>Execution</a:t>
-            </a:r>
-            <a:r>
-              <a:rPr lang="pt-PT" sz="2000" dirty="0" smtClean="0">
-                <a:latin typeface="Constantia" panose="02030602050306030303" pitchFamily="18" charset="0"/>
-              </a:rPr>
-              <a:t> Time</a:t>
-            </a:r>
-          </a:p>
-          <a:p>
-            <a:pPr algn="ctr"/>
-            <a:endParaRPr lang="pt-PT" sz="2000" dirty="0">
-              <a:latin typeface="Constantia" panose="02030602050306030303" pitchFamily="18" charset="0"/>
-            </a:endParaRPr>
-          </a:p>
-          <a:p>
-            <a:pPr algn="ctr"/>
-            <a:r>
-              <a:rPr lang="pt-PT" sz="2000" dirty="0" err="1" smtClean="0">
-                <a:latin typeface="Constantia" panose="02030602050306030303" pitchFamily="18" charset="0"/>
-              </a:rPr>
-              <a:t>Memory</a:t>
-            </a:r>
-            <a:r>
-              <a:rPr lang="pt-PT" sz="2000" dirty="0">
-                <a:latin typeface="Constantia" panose="02030602050306030303" pitchFamily="18" charset="0"/>
-              </a:rPr>
-              <a:t> </a:t>
-            </a:r>
-            <a:r>
-              <a:rPr lang="pt-PT" sz="2000" dirty="0" err="1" smtClean="0">
-                <a:latin typeface="Constantia" panose="02030602050306030303" pitchFamily="18" charset="0"/>
-              </a:rPr>
-              <a:t>Accesses</a:t>
-            </a:r>
-            <a:endParaRPr lang="pt-PT" sz="2000" dirty="0" smtClean="0">
-              <a:latin typeface="Constantia" panose="02030602050306030303" pitchFamily="18" charset="0"/>
-            </a:endParaRPr>
-          </a:p>
-          <a:p>
-            <a:pPr algn="ctr"/>
-            <a:endParaRPr lang="pt-PT" sz="2000" dirty="0">
-              <a:latin typeface="Constantia" panose="02030602050306030303" pitchFamily="18" charset="0"/>
-            </a:endParaRPr>
-          </a:p>
-          <a:p>
-            <a:pPr algn="ctr"/>
-            <a:r>
-              <a:rPr lang="pt-PT" sz="2000" dirty="0" err="1" smtClean="0">
-                <a:latin typeface="Constantia" panose="02030602050306030303" pitchFamily="18" charset="0"/>
-              </a:rPr>
-              <a:t>Processing</a:t>
-            </a:r>
-            <a:r>
-              <a:rPr lang="pt-PT" sz="2000" dirty="0" smtClean="0">
-                <a:latin typeface="Constantia" panose="02030602050306030303" pitchFamily="18" charset="0"/>
-              </a:rPr>
-              <a:t> </a:t>
-            </a:r>
-            <a:r>
-              <a:rPr lang="pt-PT" sz="2000" dirty="0" err="1" smtClean="0">
-                <a:latin typeface="Constantia" panose="02030602050306030303" pitchFamily="18" charset="0"/>
-              </a:rPr>
-              <a:t>Power</a:t>
-            </a:r>
-            <a:endParaRPr lang="pt-PT" sz="2000" dirty="0">
-              <a:latin typeface="Constantia" panose="02030602050306030303" pitchFamily="18" charset="0"/>
-            </a:endParaRPr>
-          </a:p>
-        </p:txBody>
-      </p:sp>
-      <p:sp>
-        <p:nvSpPr>
-          <p:cNvPr id="15" name="CaixaDeTexto 14"/>
-          <p:cNvSpPr txBox="1"/>
-          <p:nvPr/>
-        </p:nvSpPr>
-        <p:spPr>
-          <a:xfrm>
-            <a:off x="7988743" y="1655662"/>
-            <a:ext cx="2999175" cy="461665"/>
-          </a:xfrm>
-          <a:prstGeom prst="rect">
-            <a:avLst/>
-          </a:prstGeom>
-          <a:noFill/>
-        </p:spPr>
-        <p:txBody>
-          <a:bodyPr wrap="square" rtlCol="0">
-            <a:spAutoFit/>
-          </a:bodyPr>
-          <a:lstStyle/>
-          <a:p>
-            <a:pPr algn="ctr"/>
-            <a:r>
-              <a:rPr lang="pt-PT" sz="2400" b="1" dirty="0" err="1" smtClean="0">
-                <a:latin typeface="Constantia" panose="02030602050306030303" pitchFamily="18" charset="0"/>
-              </a:rPr>
-              <a:t>Evaluation</a:t>
-            </a:r>
-            <a:r>
-              <a:rPr lang="pt-PT" sz="2400" b="1" dirty="0" smtClean="0">
-                <a:latin typeface="Constantia" panose="02030602050306030303" pitchFamily="18" charset="0"/>
-              </a:rPr>
-              <a:t> </a:t>
-            </a:r>
-            <a:r>
-              <a:rPr lang="pt-PT" sz="2400" b="1" dirty="0" err="1" smtClean="0">
-                <a:latin typeface="Constantia" panose="02030602050306030303" pitchFamily="18" charset="0"/>
-              </a:rPr>
-              <a:t>Metrics</a:t>
-            </a:r>
-            <a:endParaRPr lang="pt-PT" sz="2400" b="1" dirty="0">
-              <a:latin typeface="Constantia" panose="02030602050306030303" pitchFamily="18" charset="0"/>
-            </a:endParaRPr>
-          </a:p>
-        </p:txBody>
-      </p:sp>
-    </p:spTree>
-    <p:extLst>
-      <p:ext uri="{BB962C8B-B14F-4D97-AF65-F5344CB8AC3E}">
-        <p14:creationId xmlns:p14="http://schemas.microsoft.com/office/powerpoint/2010/main" val="2308911436"/>
-      </p:ext>
-    </p:extLst>
-  </p:cSld>
-  <p:clrMapOvr>
-    <a:masterClrMapping/>
-  </p:clrMapOvr>
-  <p:timing>
-    <p:tnLst>
-      <p:par>
-        <p:cTn id="1" dur="indefinite" restart="never" nodeType="tmRoot"/>
-      </p:par>
-    </p:tnLst>
-  </p:timing>
-</p:sld>
-</file>
-
-<file path=ppt/slides/slide17.xml><?xml version="1.0" encoding="utf-8"?>
-<p:sld xmlns:a="http://schemas.openxmlformats.org/drawingml/2006/main" xmlns:r="http://schemas.openxmlformats.org/officeDocument/2006/relationships" xmlns:p="http://schemas.openxmlformats.org/presentationml/2006/main">
-  <p:cSld>
-    <p:spTree>
-      <p:nvGrpSpPr>
-        <p:cNvPr id="1" name=""/>
-        <p:cNvGrpSpPr/>
-        <p:nvPr/>
-      </p:nvGrpSpPr>
-      <p:grpSpPr>
-        <a:xfrm>
-          <a:off x="0" y="0"/>
-          <a:ext cx="0" cy="0"/>
-          <a:chOff x="0" y="0"/>
-          <a:chExt cx="0" cy="0"/>
-        </a:xfrm>
-      </p:grpSpPr>
-      <p:sp>
-        <p:nvSpPr>
-          <p:cNvPr id="7" name="CaixaDeTexto 6"/>
-          <p:cNvSpPr txBox="1"/>
-          <p:nvPr/>
-        </p:nvSpPr>
-        <p:spPr>
-          <a:xfrm>
-            <a:off x="0" y="6236898"/>
-            <a:ext cx="12192000" cy="621102"/>
-          </a:xfrm>
-          <a:prstGeom prst="rect">
-            <a:avLst/>
-          </a:prstGeom>
-          <a:solidFill>
-            <a:srgbClr val="8C2D19"/>
-          </a:solidFill>
-        </p:spPr>
-        <p:txBody>
-          <a:bodyPr wrap="square" rtlCol="0">
-            <a:spAutoFit/>
-          </a:bodyPr>
-          <a:lstStyle/>
-          <a:p>
-            <a:endParaRPr lang="pt-PT" dirty="0"/>
-          </a:p>
-        </p:txBody>
-      </p:sp>
-      <p:sp>
-        <p:nvSpPr>
           <p:cNvPr id="2" name="Título 1"/>
           <p:cNvSpPr>
             <a:spLocks noGrp="1"/>
@@ -24241,6 +24196,24 @@
                 <a:latin typeface="Berlin Sans FB Demi" panose="020E0802020502020306" pitchFamily="34" charset="0"/>
               </a:rPr>
               <a:t>Impact</a:t>
+            </a:r>
+            <a:r>
+              <a:rPr lang="pt-PT" b="1" dirty="0" smtClean="0">
+                <a:solidFill>
+                  <a:srgbClr val="8C2D19"/>
+                </a:solidFill>
+                <a:latin typeface="Berlin Sans FB Demi" panose="020E0802020502020306" pitchFamily="34" charset="0"/>
+              </a:rPr>
+              <a:t>/</a:t>
+            </a:r>
+            <a:r>
+              <a:rPr lang="pt-PT" b="1" dirty="0" err="1" smtClean="0">
+                <a:solidFill>
+                  <a:srgbClr val="8C2D19"/>
+                </a:solidFill>
+                <a:latin typeface="Berlin Sans FB Demi" panose="020E0802020502020306" pitchFamily="34" charset="0"/>
+              </a:rPr>
+              <a:t>Goals</a:t>
             </a:r>
             <a:endParaRPr lang="pt-PT" b="1" dirty="0">
               <a:solidFill>
@@ -24273,7 +24246,7 @@
                 </a:solidFill>
                 <a:latin typeface="Constantia" panose="02030602050306030303" pitchFamily="18" charset="0"/>
               </a:rPr>
-              <a:t>06/01/2017</a:t>
+              <a:t>06/02/2017</a:t>
             </a:r>
             <a:endParaRPr lang="pt-PT">
               <a:solidFill>
@@ -24305,13 +24278,24 @@
           <a:lstStyle/>
           <a:p>
             <a:r>
-              <a:rPr lang="pt-PT" smtClean="0">
+              <a:rPr lang="pt-PT" dirty="0" smtClean="0">
                 <a:solidFill>
                   <a:schemeClr val="bg1"/>
                 </a:solidFill>
                 <a:latin typeface="Constantia" panose="02030602050306030303" pitchFamily="18" charset="0"/>
               </a:rPr>
-              <a:t>Faculdade de Engenharia da Universidade do Porto Mestrado Integrado em Engenharia Informática e Computação</a:t>
+              <a:t>Faculdade de Engenharia da Universidade do Porto </a:t>
+            </a:r>
+          </a:p>
+          <a:p>
+            <a:r>
+              <a:rPr lang="pt-PT" dirty="0" smtClean="0">
+                <a:solidFill>
+                  <a:schemeClr val="bg1"/>
+                </a:solidFill>
+                <a:latin typeface="Constantia" panose="02030602050306030303" pitchFamily="18" charset="0"/>
+              </a:rPr>
+              <a:t>Mestrado Integrado em Engenharia Informática e Computação</a:t>
             </a:r>
             <a:endParaRPr lang="pt-PT" dirty="0">
               <a:solidFill>
@@ -24344,7 +24328,7 @@
                 </a:solidFill>
                 <a:latin typeface="Constantia" panose="02030602050306030303" pitchFamily="18" charset="0"/>
               </a:rPr>
-              <a:t>17</a:t>
+              <a:t>16</a:t>
             </a:fld>
             <a:endParaRPr lang="pt-PT">
               <a:solidFill>
@@ -24689,6 +24673,357 @@
 </p:sld>
 </file>
 
+<file path=ppt/slides/slide17.xml><?xml version="1.0" encoding="utf-8"?>
+<p:sld xmlns:a="http://schemas.openxmlformats.org/drawingml/2006/main" xmlns:r="http://schemas.openxmlformats.org/officeDocument/2006/relationships" xmlns:p="http://schemas.openxmlformats.org/presentationml/2006/main">
+  <p:cSld>
+    <p:spTree>
+      <p:nvGrpSpPr>
+        <p:cNvPr id="1" name=""/>
+        <p:cNvGrpSpPr/>
+        <p:nvPr/>
+      </p:nvGrpSpPr>
+      <p:grpSpPr>
+        <a:xfrm>
+          <a:off x="0" y="0"/>
+          <a:ext cx="0" cy="0"/>
+          <a:chOff x="0" y="0"/>
+          <a:chExt cx="0" cy="0"/>
+        </a:xfrm>
+      </p:grpSpPr>
+      <p:sp>
+        <p:nvSpPr>
+          <p:cNvPr id="7" name="CaixaDeTexto 6"/>
+          <p:cNvSpPr txBox="1"/>
+          <p:nvPr/>
+        </p:nvSpPr>
+        <p:spPr>
+          <a:xfrm>
+            <a:off x="0" y="6236898"/>
+            <a:ext cx="12192000" cy="621102"/>
+          </a:xfrm>
+          <a:prstGeom prst="rect">
+            <a:avLst/>
+          </a:prstGeom>
+          <a:solidFill>
+            <a:srgbClr val="8C2D19"/>
+          </a:solidFill>
+        </p:spPr>
+        <p:txBody>
+          <a:bodyPr wrap="square" rtlCol="0">
+            <a:spAutoFit/>
+          </a:bodyPr>
+          <a:lstStyle/>
+          <a:p>
+            <a:endParaRPr lang="pt-PT" dirty="0"/>
+          </a:p>
+        </p:txBody>
+      </p:sp>
+      <p:sp>
+        <p:nvSpPr>
+          <p:cNvPr id="4" name="Marcador de Posição da Data 3"/>
+          <p:cNvSpPr>
+            <a:spLocks noGrp="1"/>
+          </p:cNvSpPr>
+          <p:nvPr>
+            <p:ph type="dt" sz="half" idx="10"/>
+          </p:nvPr>
+        </p:nvSpPr>
+        <p:spPr/>
+        <p:txBody>
+          <a:bodyPr/>
+          <a:lstStyle/>
+          <a:p>
+            <a:r>
+              <a:rPr lang="pt-PT" smtClean="0">
+                <a:solidFill>
+                  <a:schemeClr val="bg1"/>
+                </a:solidFill>
+                <a:latin typeface="Constantia" panose="02030602050306030303" pitchFamily="18" charset="0"/>
+              </a:rPr>
+              <a:t>06/02/2017</a:t>
+            </a:r>
+            <a:endParaRPr lang="pt-PT" dirty="0">
+              <a:solidFill>
+                <a:schemeClr val="bg1"/>
+              </a:solidFill>
+              <a:latin typeface="Constantia" panose="02030602050306030303" pitchFamily="18" charset="0"/>
+            </a:endParaRPr>
+          </a:p>
+        </p:txBody>
+      </p:sp>
+      <p:sp>
+        <p:nvSpPr>
+          <p:cNvPr id="5" name="Marcador de Posição do Rodapé 4"/>
+          <p:cNvSpPr>
+            <a:spLocks noGrp="1"/>
+          </p:cNvSpPr>
+          <p:nvPr>
+            <p:ph type="ftr" sz="quarter" idx="11"/>
+          </p:nvPr>
+        </p:nvSpPr>
+        <p:spPr>
+          <a:xfrm>
+            <a:off x="4038599" y="6356350"/>
+            <a:ext cx="4346275" cy="365125"/>
+          </a:xfrm>
+        </p:spPr>
+        <p:txBody>
+          <a:bodyPr/>
+          <a:lstStyle/>
+          <a:p>
+            <a:r>
+              <a:rPr lang="pt-PT" dirty="0" smtClean="0">
+                <a:solidFill>
+                  <a:schemeClr val="bg1"/>
+                </a:solidFill>
+                <a:latin typeface="Constantia" panose="02030602050306030303" pitchFamily="18" charset="0"/>
+              </a:rPr>
+              <a:t>Faculdade de Engenharia da Universidade do Porto </a:t>
+            </a:r>
+          </a:p>
+          <a:p>
+            <a:r>
+              <a:rPr lang="pt-PT" dirty="0" smtClean="0">
+                <a:solidFill>
+                  <a:schemeClr val="bg1"/>
+                </a:solidFill>
+                <a:latin typeface="Constantia" panose="02030602050306030303" pitchFamily="18" charset="0"/>
+              </a:rPr>
+              <a:t>Mestrado Integrado em Engenharia Informática e Computação</a:t>
+            </a:r>
+            <a:endParaRPr lang="pt-PT" dirty="0">
+              <a:solidFill>
+                <a:schemeClr val="bg1"/>
+              </a:solidFill>
+              <a:latin typeface="Constantia" panose="02030602050306030303" pitchFamily="18" charset="0"/>
+            </a:endParaRPr>
+          </a:p>
+        </p:txBody>
+      </p:sp>
+      <p:sp>
+        <p:nvSpPr>
+          <p:cNvPr id="6" name="Marcador de Posição do Número do Diapositivo 5"/>
+          <p:cNvSpPr>
+            <a:spLocks noGrp="1"/>
+          </p:cNvSpPr>
+          <p:nvPr>
+            <p:ph type="sldNum" sz="quarter" idx="12"/>
+          </p:nvPr>
+        </p:nvSpPr>
+        <p:spPr/>
+        <p:txBody>
+          <a:bodyPr/>
+          <a:lstStyle/>
+          <a:p>
+            <a:fld id="{F5F1BD42-12A7-41F2-9B1D-3590AF6DE491}" type="slidenum">
+              <a:rPr lang="pt-PT" smtClean="0">
+                <a:solidFill>
+                  <a:schemeClr val="bg1"/>
+                </a:solidFill>
+                <a:latin typeface="Constantia" panose="02030602050306030303" pitchFamily="18" charset="0"/>
+              </a:rPr>
+              <a:t>17</a:t>
+            </a:fld>
+            <a:endParaRPr lang="pt-PT" dirty="0">
+              <a:solidFill>
+                <a:schemeClr val="bg1"/>
+              </a:solidFill>
+              <a:latin typeface="Constantia" panose="02030602050306030303" pitchFamily="18" charset="0"/>
+            </a:endParaRPr>
+          </a:p>
+        </p:txBody>
+      </p:sp>
+      <p:sp>
+        <p:nvSpPr>
+          <p:cNvPr id="16" name="Título 1"/>
+          <p:cNvSpPr>
+            <a:spLocks noGrp="1"/>
+          </p:cNvSpPr>
+          <p:nvPr>
+            <p:ph type="title"/>
+          </p:nvPr>
+        </p:nvSpPr>
+        <p:spPr>
+          <a:xfrm>
+            <a:off x="838200" y="365125"/>
+            <a:ext cx="10515600" cy="1325563"/>
+          </a:xfrm>
+        </p:spPr>
+        <p:txBody>
+          <a:bodyPr/>
+          <a:lstStyle/>
+          <a:p>
+            <a:r>
+              <a:rPr lang="pt-PT" b="1" dirty="0" err="1" smtClean="0">
+                <a:solidFill>
+                  <a:srgbClr val="8C2D19"/>
+                </a:solidFill>
+                <a:latin typeface="Berlin Sans FB Demi" panose="020E0802020502020306" pitchFamily="34" charset="0"/>
+              </a:rPr>
+              <a:t>Work</a:t>
+            </a:r>
+            <a:r>
+              <a:rPr lang="pt-PT" b="1" dirty="0" smtClean="0">
+                <a:solidFill>
+                  <a:srgbClr val="8C2D19"/>
+                </a:solidFill>
+                <a:latin typeface="Berlin Sans FB Demi" panose="020E0802020502020306" pitchFamily="34" charset="0"/>
+              </a:rPr>
+              <a:t> </a:t>
+            </a:r>
+            <a:r>
+              <a:rPr lang="pt-PT" b="1" dirty="0" err="1" smtClean="0">
+                <a:solidFill>
+                  <a:srgbClr val="8C2D19"/>
+                </a:solidFill>
+                <a:latin typeface="Berlin Sans FB Demi" panose="020E0802020502020306" pitchFamily="34" charset="0"/>
+              </a:rPr>
+              <a:t>Plan</a:t>
+            </a:r>
+            <a:endParaRPr lang="pt-PT" b="1" dirty="0">
+              <a:solidFill>
+                <a:srgbClr val="8C2D19"/>
+              </a:solidFill>
+              <a:latin typeface="Berlin Sans FB Demi" panose="020E0802020502020306" pitchFamily="34" charset="0"/>
+            </a:endParaRPr>
+          </a:p>
+        </p:txBody>
+      </p:sp>
+      <p:pic>
+        <p:nvPicPr>
+          <p:cNvPr id="2" name="Imagem 1"/>
+          <p:cNvPicPr>
+            <a:picLocks noChangeAspect="1"/>
+          </p:cNvPicPr>
+          <p:nvPr/>
+        </p:nvPicPr>
+        <p:blipFill>
+          <a:blip r:embed="rId2"/>
+          <a:stretch>
+            <a:fillRect/>
+          </a:stretch>
+        </p:blipFill>
+        <p:spPr>
+          <a:xfrm>
+            <a:off x="148590" y="2045650"/>
+            <a:ext cx="11921490" cy="1288099"/>
+          </a:xfrm>
+          <a:prstGeom prst="rect">
+            <a:avLst/>
+          </a:prstGeom>
+        </p:spPr>
+      </p:pic>
+      <p:sp>
+        <p:nvSpPr>
+          <p:cNvPr id="8" name="CaixaDeTexto 7"/>
+          <p:cNvSpPr txBox="1"/>
+          <p:nvPr/>
+        </p:nvSpPr>
+        <p:spPr>
+          <a:xfrm>
+            <a:off x="838200" y="3993672"/>
+            <a:ext cx="3341914" cy="923330"/>
+          </a:xfrm>
+          <a:prstGeom prst="rect">
+            <a:avLst/>
+          </a:prstGeom>
+          <a:noFill/>
+        </p:spPr>
+        <p:txBody>
+          <a:bodyPr wrap="square" rtlCol="0">
+            <a:spAutoFit/>
+          </a:bodyPr>
+          <a:lstStyle/>
+          <a:p>
+            <a:pPr marL="342900" indent="-342900">
+              <a:buFont typeface="Arial" panose="020B0604020202020204" pitchFamily="34" charset="0"/>
+              <a:buChar char="•"/>
+            </a:pPr>
+            <a:r>
+              <a:rPr lang="pt-PT" b="1" dirty="0" err="1" smtClean="0">
+                <a:latin typeface="Constantia" panose="02030602050306030303" pitchFamily="18" charset="0"/>
+              </a:rPr>
+              <a:t>From</a:t>
+            </a:r>
+            <a:r>
+              <a:rPr lang="pt-PT" b="1" dirty="0" smtClean="0">
+                <a:latin typeface="Constantia" panose="02030602050306030303" pitchFamily="18" charset="0"/>
+              </a:rPr>
+              <a:t> 13/2 </a:t>
+            </a:r>
+            <a:r>
+              <a:rPr lang="pt-PT" b="1" dirty="0" err="1" smtClean="0">
+                <a:latin typeface="Constantia" panose="02030602050306030303" pitchFamily="18" charset="0"/>
+              </a:rPr>
+              <a:t>until</a:t>
+            </a:r>
+            <a:r>
+              <a:rPr lang="pt-PT" b="1" dirty="0" smtClean="0">
+                <a:latin typeface="Constantia" panose="02030602050306030303" pitchFamily="18" charset="0"/>
+              </a:rPr>
+              <a:t> 16/6</a:t>
+            </a:r>
+          </a:p>
+          <a:p>
+            <a:endParaRPr lang="pt-PT" b="1" dirty="0" smtClean="0">
+              <a:latin typeface="Constantia" panose="02030602050306030303" pitchFamily="18" charset="0"/>
+            </a:endParaRPr>
+          </a:p>
+          <a:p>
+            <a:pPr marL="342900" indent="-342900">
+              <a:buFont typeface="Arial" panose="020B0604020202020204" pitchFamily="34" charset="0"/>
+              <a:buChar char="•"/>
+            </a:pPr>
+            <a:r>
+              <a:rPr lang="pt-PT" b="1" dirty="0" smtClean="0">
+                <a:latin typeface="Constantia" panose="02030602050306030303" pitchFamily="18" charset="0"/>
+              </a:rPr>
+              <a:t>5 </a:t>
+            </a:r>
+            <a:r>
+              <a:rPr lang="pt-PT" b="1" dirty="0" err="1" smtClean="0">
+                <a:latin typeface="Constantia" panose="02030602050306030303" pitchFamily="18" charset="0"/>
+              </a:rPr>
+              <a:t>distinct</a:t>
+            </a:r>
+            <a:r>
+              <a:rPr lang="pt-PT" b="1" dirty="0" smtClean="0">
+                <a:latin typeface="Constantia" panose="02030602050306030303" pitchFamily="18" charset="0"/>
+              </a:rPr>
+              <a:t> </a:t>
+            </a:r>
+            <a:r>
+              <a:rPr lang="pt-PT" b="1" dirty="0" err="1" smtClean="0">
+                <a:latin typeface="Constantia" panose="02030602050306030303" pitchFamily="18" charset="0"/>
+              </a:rPr>
+              <a:t>phases</a:t>
+            </a:r>
+            <a:endParaRPr lang="pt-PT" b="1" dirty="0" smtClean="0">
+              <a:latin typeface="Constantia" panose="02030602050306030303" pitchFamily="18" charset="0"/>
+            </a:endParaRPr>
+          </a:p>
+        </p:txBody>
+      </p:sp>
+    </p:spTree>
+    <p:extLst>
+      <p:ext uri="{BB962C8B-B14F-4D97-AF65-F5344CB8AC3E}">
+        <p14:creationId xmlns:p14="http://schemas.microsoft.com/office/powerpoint/2010/main" val="104715159"/>
+      </p:ext>
+    </p:extLst>
+  </p:cSld>
+  <p:clrMapOvr>
+    <a:masterClrMapping/>
+  </p:clrMapOvr>
+  <p:timing>
+    <p:tnLst>
+      <p:par>
+        <p:cTn id="1" dur="indefinite" restart="never" nodeType="tmRoot"/>
+      </p:par>
+    </p:tnLst>
+  </p:timing>
+</p:sld>
+</file>
+
 <file path=ppt/slides/slide18.xml><?xml version="1.0" encoding="utf-8"?>
 <p:sld xmlns:a="http://schemas.openxmlformats.org/drawingml/2006/main" xmlns:r="http://schemas.openxmlformats.org/officeDocument/2006/relationships" xmlns:p="http://schemas.openxmlformats.org/presentationml/2006/main">
   <p:cSld>
@@ -24756,232 +25091,7 @@
                 </a:solidFill>
                 <a:latin typeface="Constantia" panose="02030602050306030303" pitchFamily="18" charset="0"/>
               </a:rPr>
-              <a:t>06/01/2017</a:t>
-            </a:r>
-            <a:endParaRPr lang="pt-PT" dirty="0">
-              <a:solidFill>
-                <a:schemeClr val="bg1"/>
-              </a:solidFill>
-              <a:latin typeface="Constantia" panose="02030602050306030303" pitchFamily="18" charset="0"/>
-            </a:endParaRPr>
-          </a:p>
-        </p:txBody>
-      </p:sp>
-      <p:sp>
-        <p:nvSpPr>
-          <p:cNvPr id="5" name="Marcador de Posição do Rodapé 4"/>
-          <p:cNvSpPr>
-            <a:spLocks noGrp="1"/>
-          </p:cNvSpPr>
-          <p:nvPr>
-            <p:ph type="ftr" sz="quarter" idx="11"/>
-          </p:nvPr>
-        </p:nvSpPr>
-        <p:spPr>
-          <a:xfrm>
-            <a:off x="4038599" y="6356350"/>
-            <a:ext cx="4346275" cy="365125"/>
-          </a:xfrm>
-        </p:spPr>
-        <p:txBody>
-          <a:bodyPr/>
-          <a:lstStyle/>
-          <a:p>
-            <a:r>
-              <a:rPr lang="pt-PT" smtClean="0">
-                <a:solidFill>
-                  <a:schemeClr val="bg1"/>
-                </a:solidFill>
-                <a:latin typeface="Constantia" panose="02030602050306030303" pitchFamily="18" charset="0"/>
-              </a:rPr>
-              <a:t>Faculdade de Engenharia da Universidade do Porto Mestrado Integrado em Engenharia Informática e Computação</a:t>
-            </a:r>
-            <a:endParaRPr lang="pt-PT" dirty="0">
-              <a:solidFill>
-                <a:schemeClr val="bg1"/>
-              </a:solidFill>
-              <a:latin typeface="Constantia" panose="02030602050306030303" pitchFamily="18" charset="0"/>
-            </a:endParaRPr>
-          </a:p>
-        </p:txBody>
-      </p:sp>
-      <p:sp>
-        <p:nvSpPr>
-          <p:cNvPr id="6" name="Marcador de Posição do Número do Diapositivo 5"/>
-          <p:cNvSpPr>
-            <a:spLocks noGrp="1"/>
-          </p:cNvSpPr>
-          <p:nvPr>
-            <p:ph type="sldNum" sz="quarter" idx="12"/>
-          </p:nvPr>
-        </p:nvSpPr>
-        <p:spPr/>
-        <p:txBody>
-          <a:bodyPr/>
-          <a:lstStyle/>
-          <a:p>
-            <a:fld id="{F5F1BD42-12A7-41F2-9B1D-3590AF6DE491}" type="slidenum">
-              <a:rPr lang="pt-PT" smtClean="0">
-                <a:solidFill>
-                  <a:schemeClr val="bg1"/>
-                </a:solidFill>
-                <a:latin typeface="Constantia" panose="02030602050306030303" pitchFamily="18" charset="0"/>
-              </a:rPr>
-              <a:t>18</a:t>
-            </a:fld>
-            <a:endParaRPr lang="pt-PT" dirty="0">
-              <a:solidFill>
-                <a:schemeClr val="bg1"/>
-              </a:solidFill>
-              <a:latin typeface="Constantia" panose="02030602050306030303" pitchFamily="18" charset="0"/>
-            </a:endParaRPr>
-          </a:p>
-        </p:txBody>
-      </p:sp>
-      <p:sp>
-        <p:nvSpPr>
-          <p:cNvPr id="16" name="Título 1"/>
-          <p:cNvSpPr>
-            <a:spLocks noGrp="1"/>
-          </p:cNvSpPr>
-          <p:nvPr>
-            <p:ph type="title"/>
-          </p:nvPr>
-        </p:nvSpPr>
-        <p:spPr>
-          <a:xfrm>
-            <a:off x="838200" y="365125"/>
-            <a:ext cx="10515600" cy="1325563"/>
-          </a:xfrm>
-        </p:spPr>
-        <p:txBody>
-          <a:bodyPr/>
-          <a:lstStyle/>
-          <a:p>
-            <a:r>
-              <a:rPr lang="pt-PT" b="1" dirty="0" err="1" smtClean="0">
-                <a:solidFill>
-                  <a:srgbClr val="8C2D19"/>
-                </a:solidFill>
-                <a:latin typeface="Berlin Sans FB Demi" panose="020E0802020502020306" pitchFamily="34" charset="0"/>
-              </a:rPr>
-              <a:t>Work</a:t>
-            </a:r>
-            <a:r>
-              <a:rPr lang="pt-PT" b="1" dirty="0" smtClean="0">
-                <a:solidFill>
-                  <a:srgbClr val="8C2D19"/>
-                </a:solidFill>
-                <a:latin typeface="Berlin Sans FB Demi" panose="020E0802020502020306" pitchFamily="34" charset="0"/>
-              </a:rPr>
-              <a:t> </a:t>
-            </a:r>
-            <a:r>
-              <a:rPr lang="pt-PT" b="1" dirty="0" err="1" smtClean="0">
-                <a:solidFill>
-                  <a:srgbClr val="8C2D19"/>
-                </a:solidFill>
-                <a:latin typeface="Berlin Sans FB Demi" panose="020E0802020502020306" pitchFamily="34" charset="0"/>
-              </a:rPr>
-              <a:t>Plan</a:t>
-            </a:r>
-            <a:endParaRPr lang="pt-PT" b="1" dirty="0">
-              <a:solidFill>
-                <a:srgbClr val="8C2D19"/>
-              </a:solidFill>
-              <a:latin typeface="Berlin Sans FB Demi" panose="020E0802020502020306" pitchFamily="34" charset="0"/>
-            </a:endParaRPr>
-          </a:p>
-        </p:txBody>
-      </p:sp>
-    </p:spTree>
-    <p:extLst>
-      <p:ext uri="{BB962C8B-B14F-4D97-AF65-F5344CB8AC3E}">
-        <p14:creationId xmlns:p14="http://schemas.microsoft.com/office/powerpoint/2010/main" val="104715159"/>
-      </p:ext>
-    </p:extLst>
-  </p:cSld>
-  <p:clrMapOvr>
-    <a:masterClrMapping/>
-  </p:clrMapOvr>
-  <p:timing>
-    <p:tnLst>
-      <p:par>
-        <p:cTn id="1" dur="indefinite" restart="never" nodeType="tmRoot"/>
-      </p:par>
-    </p:tnLst>
-  </p:timing>
-</p:sld>
-</file>
-
-<file path=ppt/slides/slide19.xml><?xml version="1.0" encoding="utf-8"?>
-<p:sld xmlns:a="http://schemas.openxmlformats.org/drawingml/2006/main" xmlns:r="http://schemas.openxmlformats.org/officeDocument/2006/relationships" xmlns:p="http://schemas.openxmlformats.org/presentationml/2006/main">
-  <p:cSld>
-    <p:spTree>
-      <p:nvGrpSpPr>
-        <p:cNvPr id="1" name=""/>
-        <p:cNvGrpSpPr/>
-        <p:nvPr/>
-      </p:nvGrpSpPr>
-      <p:grpSpPr>
-        <a:xfrm>
-          <a:off x="0" y="0"/>
-          <a:ext cx="0" cy="0"/>
-          <a:chOff x="0" y="0"/>
-          <a:chExt cx="0" cy="0"/>
-        </a:xfrm>
-      </p:grpSpPr>
-      <p:sp>
-        <p:nvSpPr>
-          <p:cNvPr id="7" name="CaixaDeTexto 6"/>
-          <p:cNvSpPr txBox="1"/>
-          <p:nvPr/>
-        </p:nvSpPr>
-        <p:spPr>
-          <a:xfrm>
-            <a:off x="0" y="6236898"/>
-            <a:ext cx="12192000" cy="621102"/>
-          </a:xfrm>
-          <a:prstGeom prst="rect">
-            <a:avLst/>
-          </a:prstGeom>
-          <a:solidFill>
-            <a:srgbClr val="8C2D19"/>
-          </a:solidFill>
-        </p:spPr>
-        <p:txBody>
-          <a:bodyPr wrap="square" rtlCol="0">
-            <a:spAutoFit/>
-          </a:bodyPr>
-          <a:lstStyle/>
-          <a:p>
-            <a:endParaRPr lang="pt-PT" dirty="0"/>
-          </a:p>
-        </p:txBody>
-      </p:sp>
-      <p:sp>
-        <p:nvSpPr>
-          <p:cNvPr id="4" name="Marcador de Posição da Data 3"/>
-          <p:cNvSpPr>
-            <a:spLocks noGrp="1"/>
-          </p:cNvSpPr>
-          <p:nvPr>
-            <p:ph type="dt" sz="half" idx="10"/>
-          </p:nvPr>
-        </p:nvSpPr>
-        <p:spPr/>
-        <p:txBody>
-          <a:bodyPr/>
-          <a:lstStyle/>
-          <a:p>
-            <a:r>
-              <a:rPr lang="pt-PT" smtClean="0">
-                <a:solidFill>
-                  <a:schemeClr val="bg1"/>
-                </a:solidFill>
-                <a:latin typeface="Constantia" panose="02030602050306030303" pitchFamily="18" charset="0"/>
-              </a:rPr>
-              <a:t>06/01/2017</a:t>
+              <a:t>06/02/2017</a:t>
             </a:r>
             <a:endParaRPr lang="pt-PT" dirty="0">
               <a:solidFill>
@@ -25013,13 +25123,24 @@
           <a:lstStyle/>
           <a:p>
             <a:r>
-              <a:rPr lang="pt-PT" smtClean="0">
+              <a:rPr lang="pt-PT" dirty="0" smtClean="0">
                 <a:solidFill>
                   <a:schemeClr val="bg1"/>
                 </a:solidFill>
                 <a:latin typeface="Constantia" panose="02030602050306030303" pitchFamily="18" charset="0"/>
               </a:rPr>
-              <a:t>Faculdade de Engenharia da Universidade do Porto Mestrado Integrado em Engenharia Informática e Computação</a:t>
+              <a:t>Faculdade de Engenharia da Universidade do Porto </a:t>
+            </a:r>
+          </a:p>
+          <a:p>
+            <a:r>
+              <a:rPr lang="pt-PT" dirty="0" smtClean="0">
+                <a:solidFill>
+                  <a:schemeClr val="bg1"/>
+                </a:solidFill>
+                <a:latin typeface="Constantia" panose="02030602050306030303" pitchFamily="18" charset="0"/>
+              </a:rPr>
+              <a:t>Mestrado Integrado em Engenharia Informática e Computação</a:t>
             </a:r>
             <a:endParaRPr lang="pt-PT" dirty="0">
               <a:solidFill>
@@ -25052,7 +25173,7 @@
                 </a:solidFill>
                 <a:latin typeface="Constantia" panose="02030602050306030303" pitchFamily="18" charset="0"/>
               </a:rPr>
-              <a:t>19</a:t>
+              <a:t>18</a:t>
             </a:fld>
             <a:endParaRPr lang="pt-PT" dirty="0">
               <a:solidFill>
@@ -25213,7 +25334,7 @@
                 </a:solidFill>
                 <a:latin typeface="Constantia" panose="02030602050306030303" pitchFamily="18" charset="0"/>
               </a:rPr>
-              <a:t>06/01/2017</a:t>
+              <a:t>06/02/2017</a:t>
             </a:r>
             <a:endParaRPr lang="pt-PT" dirty="0">
               <a:solidFill>
@@ -25245,7 +25366,7 @@
           <a:lstStyle/>
           <a:p>
             <a:r>
-              <a:rPr lang="pt-PT" dirty="0" smtClean="0">
+              <a:rPr lang="pt-PT" smtClean="0">
                 <a:solidFill>
                   <a:schemeClr val="bg1"/>
                 </a:solidFill>
@@ -25256,7 +25377,7 @@
           </a:p>
           <a:p>
             <a:r>
-              <a:rPr lang="pt-PT" dirty="0" smtClean="0">
+              <a:rPr lang="pt-PT" smtClean="0">
                 <a:solidFill>
                   <a:schemeClr val="bg1"/>
                 </a:solidFill>
@@ -25678,6 +25799,28 @@
                 <a:latin typeface="Constantia" panose="02030602050306030303" pitchFamily="18" charset="0"/>
               </a:rPr>
               <a:t>Impact</a:t>
+            </a:r>
+            <a:r>
+              <a:rPr lang="pt-PT" sz="1800" dirty="0" smtClean="0">
+                <a:solidFill>
+                  <a:schemeClr val="bg2">
+                    <a:lumMod val="25000"/>
+                  </a:schemeClr>
+                </a:solidFill>
+                <a:latin typeface="Constantia" panose="02030602050306030303" pitchFamily="18" charset="0"/>
+              </a:rPr>
+              <a:t>/</a:t>
+            </a:r>
+            <a:r>
+              <a:rPr lang="pt-PT" sz="1800" dirty="0" err="1" smtClean="0">
+                <a:solidFill>
+                  <a:schemeClr val="bg2">
+                    <a:lumMod val="25000"/>
+                  </a:schemeClr>
+                </a:solidFill>
+                <a:latin typeface="Constantia" panose="02030602050306030303" pitchFamily="18" charset="0"/>
+              </a:rPr>
+              <a:t>Goals</a:t>
             </a:r>
             <a:endParaRPr lang="pt-PT" sz="1800" dirty="0" smtClean="0">
               <a:solidFill>
@@ -25833,7 +25976,7 @@
                 </a:solidFill>
                 <a:latin typeface="Constantia" panose="02030602050306030303" pitchFamily="18" charset="0"/>
               </a:rPr>
-              <a:t>06/01/2017</a:t>
+              <a:t>06/02/2017</a:t>
             </a:r>
             <a:endParaRPr lang="pt-PT" dirty="0">
               <a:solidFill>
@@ -25865,13 +26008,24 @@
           <a:lstStyle/>
           <a:p>
             <a:r>
-              <a:rPr lang="pt-PT" smtClean="0">
+              <a:rPr lang="pt-PT" dirty="0" smtClean="0">
                 <a:solidFill>
                   <a:schemeClr val="bg1"/>
                 </a:solidFill>
                 <a:latin typeface="Constantia" panose="02030602050306030303" pitchFamily="18" charset="0"/>
               </a:rPr>
-              <a:t>Faculdade de Engenharia da Universidade do Porto Mestrado Integrado em Engenharia Informática e Computação</a:t>
+              <a:t>Faculdade de Engenharia da Universidade do Porto </a:t>
+            </a:r>
+          </a:p>
+          <a:p>
+            <a:r>
+              <a:rPr lang="pt-PT" dirty="0" smtClean="0">
+                <a:solidFill>
+                  <a:schemeClr val="bg1"/>
+                </a:solidFill>
+                <a:latin typeface="Constantia" panose="02030602050306030303" pitchFamily="18" charset="0"/>
+              </a:rPr>
+              <a:t>Mestrado Integrado em Engenharia Informática e Computação</a:t>
             </a:r>
             <a:endParaRPr lang="pt-PT" dirty="0">
               <a:solidFill>
@@ -25938,6 +26092,15 @@
                 <a:latin typeface="Berlin Sans FB Demi" panose="020E0802020502020306" pitchFamily="34" charset="0"/>
               </a:rPr>
               <a:t>Context</a:t>
+            </a:r>
+            <a:r>
+              <a:rPr lang="pt-PT" b="1" dirty="0" smtClean="0">
+                <a:solidFill>
+                  <a:srgbClr val="8C2D19"/>
+                </a:solidFill>
+                <a:latin typeface="Berlin Sans FB Demi" panose="020E0802020502020306" pitchFamily="34" charset="0"/>
+              </a:rPr>
+              <a:t> (1)</a:t>
             </a:r>
             <a:endParaRPr lang="pt-PT" b="1" dirty="0">
               <a:solidFill>
@@ -25971,7 +26134,7 @@
             <p:nvPr/>
           </p:nvPicPr>
           <p:blipFill>
-            <a:blip r:embed="rId2">
+            <a:blip r:embed="rId3">
               <a:extLst>
                 <a:ext uri="{28A0092B-C50C-407E-A947-70E740481C1C}">
                   <a14:useLocalDpi xmlns:a14="http://schemas.microsoft.com/office/drawing/2010/main" val="0"/>
@@ -26001,7 +26164,7 @@
             <p:nvPr/>
           </p:nvPicPr>
           <p:blipFill>
-            <a:blip r:embed="rId3" cstate="print">
+            <a:blip r:embed="rId4" cstate="print">
               <a:extLst>
                 <a:ext uri="{28A0092B-C50C-407E-A947-70E740481C1C}">
                   <a14:useLocalDpi xmlns:a14="http://schemas.microsoft.com/office/drawing/2010/main" val="0"/>
@@ -26032,7 +26195,7 @@
           <p:nvPr/>
         </p:nvPicPr>
         <p:blipFill>
-          <a:blip r:embed="rId4" cstate="print">
+          <a:blip r:embed="rId5" cstate="print">
             <a:extLst>
               <a:ext uri="{28A0092B-C50C-407E-A947-70E740481C1C}">
                 <a14:useLocalDpi xmlns:a14="http://schemas.microsoft.com/office/drawing/2010/main" val="0"/>
@@ -26062,7 +26225,7 @@
           <p:nvPr/>
         </p:nvPicPr>
         <p:blipFill>
-          <a:blip r:embed="rId5">
+          <a:blip r:embed="rId6">
             <a:extLst>
               <a:ext uri="{28A0092B-C50C-407E-A947-70E740481C1C}">
                 <a14:useLocalDpi xmlns:a14="http://schemas.microsoft.com/office/drawing/2010/main" val="0"/>
@@ -26170,45 +26333,7 @@
                 </a:solidFill>
                 <a:latin typeface="Constantia" panose="02030602050306030303" pitchFamily="18" charset="0"/>
               </a:rPr>
-              <a:t>06/01/2017</a:t>
-            </a:r>
-            <a:endParaRPr lang="pt-PT" dirty="0">
-              <a:solidFill>
-                <a:schemeClr val="bg1"/>
-              </a:solidFill>
-              <a:latin typeface="Constantia" panose="02030602050306030303" pitchFamily="18" charset="0"/>
-            </a:endParaRPr>
-          </a:p>
-        </p:txBody>
-      </p:sp>
-      <p:sp>
-        <p:nvSpPr>
-          <p:cNvPr id="5" name="Marcador de Posição do Rodapé 4"/>
-          <p:cNvSpPr>
-            <a:spLocks noGrp="1"/>
-          </p:cNvSpPr>
-          <p:nvPr>
-            <p:ph type="ftr" sz="quarter" idx="11"/>
-          </p:nvPr>
-        </p:nvSpPr>
-        <p:spPr>
-          <a:xfrm>
-            <a:off x="4004095" y="6356350"/>
-            <a:ext cx="4363529" cy="365125"/>
-          </a:xfrm>
-        </p:spPr>
-        <p:txBody>
-          <a:bodyPr/>
-          <a:lstStyle/>
-          <a:p>
-            <a:r>
-              <a:rPr lang="pt-PT" smtClean="0">
-                <a:solidFill>
-                  <a:schemeClr val="bg1"/>
-                </a:solidFill>
-                <a:latin typeface="Constantia" panose="02030602050306030303" pitchFamily="18" charset="0"/>
-              </a:rPr>
-              <a:t>Faculdade de Engenharia da Universidade do Porto Mestrado Integrado em Engenharia Informática e Computação</a:t>
+              <a:t>06/02/2017</a:t>
             </a:r>
             <a:endParaRPr lang="pt-PT" dirty="0">
               <a:solidFill>
@@ -26280,6 +26405,15 @@
                 <a:latin typeface="Berlin Sans FB Demi" panose="020E0802020502020306" pitchFamily="34" charset="0"/>
               </a:rPr>
               <a:t>Context</a:t>
+            </a:r>
+            <a:r>
+              <a:rPr lang="pt-PT" b="1" dirty="0" smtClean="0">
+                <a:solidFill>
+                  <a:srgbClr val="8C2D19"/>
+                </a:solidFill>
+                <a:latin typeface="Berlin Sans FB Demi" panose="020E0802020502020306" pitchFamily="34" charset="0"/>
+              </a:rPr>
+              <a:t> (2)</a:t>
             </a:r>
             <a:endParaRPr lang="pt-PT" b="1" dirty="0">
               <a:solidFill>
@@ -26530,6 +26664,55 @@
           </a:prstGeom>
         </p:spPr>
       </p:pic>
+      <p:sp>
+        <p:nvSpPr>
+          <p:cNvPr id="16" name="Marcador de Posição do Rodapé 4"/>
+          <p:cNvSpPr>
+            <a:spLocks noGrp="1"/>
+          </p:cNvSpPr>
+          <p:nvPr>
+            <p:ph type="ftr" sz="quarter" idx="11"/>
+          </p:nvPr>
+        </p:nvSpPr>
+        <p:spPr>
+          <a:xfrm>
+            <a:off x="4012721" y="6356350"/>
+            <a:ext cx="4337649" cy="365125"/>
+          </a:xfrm>
+        </p:spPr>
+        <p:txBody>
+          <a:bodyPr/>
+          <a:lstStyle/>
+          <a:p>
+            <a:r>
+              <a:rPr lang="pt-PT" dirty="0" smtClean="0">
+                <a:solidFill>
+                  <a:schemeClr val="bg1"/>
+                </a:solidFill>
+                <a:latin typeface="Constantia" panose="02030602050306030303" pitchFamily="18" charset="0"/>
+              </a:rPr>
+              <a:t>Faculdade de Engenharia da Universidade do Porto </a:t>
+            </a:r>
+          </a:p>
+          <a:p>
+            <a:r>
+              <a:rPr lang="pt-PT" dirty="0" smtClean="0">
+                <a:solidFill>
+                  <a:schemeClr val="bg1"/>
+                </a:solidFill>
+                <a:latin typeface="Constantia" panose="02030602050306030303" pitchFamily="18" charset="0"/>
+              </a:rPr>
+              <a:t>Mestrado Integrado em Engenharia Informática e Computação</a:t>
+            </a:r>
+            <a:endParaRPr lang="pt-PT" dirty="0">
+              <a:solidFill>
+                <a:schemeClr val="bg1"/>
+              </a:solidFill>
+              <a:latin typeface="Constantia" panose="02030602050306030303" pitchFamily="18" charset="0"/>
+            </a:endParaRPr>
+          </a:p>
+        </p:txBody>
+      </p:sp>
     </p:spTree>
     <p:extLst>
       <p:ext uri="{BB962C8B-B14F-4D97-AF65-F5344CB8AC3E}">
@@ -26617,7 +26800,7 @@
                 </a:solidFill>
                 <a:latin typeface="Constantia" panose="02030602050306030303" pitchFamily="18" charset="0"/>
               </a:rPr>
-              <a:t>06/01/2017</a:t>
+              <a:t>06/02/2017</a:t>
             </a:r>
             <a:endParaRPr lang="pt-PT" dirty="0">
               <a:solidFill>
@@ -26649,13 +26832,24 @@
           <a:lstStyle/>
           <a:p>
             <a:r>
-              <a:rPr lang="pt-PT" smtClean="0">
+              <a:rPr lang="pt-PT" dirty="0" smtClean="0">
                 <a:solidFill>
                   <a:schemeClr val="bg1"/>
                 </a:solidFill>
                 <a:latin typeface="Constantia" panose="02030602050306030303" pitchFamily="18" charset="0"/>
               </a:rPr>
-              <a:t>Faculdade de Engenharia da Universidade do Porto Mestrado Integrado em Engenharia Informática e Computação</a:t>
+              <a:t>Faculdade de Engenharia da Universidade do Porto </a:t>
+            </a:r>
+          </a:p>
+          <a:p>
+            <a:r>
+              <a:rPr lang="pt-PT" dirty="0" smtClean="0">
+                <a:solidFill>
+                  <a:schemeClr val="bg1"/>
+                </a:solidFill>
+                <a:latin typeface="Constantia" panose="02030602050306030303" pitchFamily="18" charset="0"/>
+              </a:rPr>
+              <a:t>Mestrado Integrado em Engenharia Informática e Computação</a:t>
             </a:r>
             <a:endParaRPr lang="pt-PT" dirty="0">
               <a:solidFill>
@@ -26759,6 +26953,15 @@
                 <a:latin typeface="Berlin Sans FB Demi" panose="020E0802020502020306" pitchFamily="34" charset="0"/>
               </a:rPr>
               <a:t>Context</a:t>
+            </a:r>
+            <a:r>
+              <a:rPr lang="pt-PT" sz="4000" b="1" dirty="0" smtClean="0">
+                <a:solidFill>
+                  <a:srgbClr val="8C2D19"/>
+                </a:solidFill>
+                <a:latin typeface="Berlin Sans FB Demi" panose="020E0802020502020306" pitchFamily="34" charset="0"/>
+              </a:rPr>
+              <a:t> (3)</a:t>
             </a:r>
             <a:endParaRPr lang="pt-PT" sz="4000" b="1" dirty="0">
               <a:solidFill>
@@ -27112,7 +27315,7 @@
                 </a:solidFill>
                 <a:latin typeface="Constantia" panose="02030602050306030303" pitchFamily="18" charset="0"/>
               </a:rPr>
-              <a:t>06/01/2017</a:t>
+              <a:t>06/02/2017</a:t>
             </a:r>
             <a:endParaRPr lang="pt-PT" dirty="0">
               <a:solidFill>
@@ -27144,13 +27347,24 @@
           <a:lstStyle/>
           <a:p>
             <a:r>
-              <a:rPr lang="pt-PT" smtClean="0">
+              <a:rPr lang="pt-PT" dirty="0" smtClean="0">
                 <a:solidFill>
                   <a:schemeClr val="bg1"/>
                 </a:solidFill>
                 <a:latin typeface="Constantia" panose="02030602050306030303" pitchFamily="18" charset="0"/>
               </a:rPr>
-              <a:t>Faculdade de Engenharia da Universidade do Porto Mestrado Integrado em Engenharia Informática e Computação</a:t>
+              <a:t>Faculdade de Engenharia da Universidade do Porto </a:t>
+            </a:r>
+          </a:p>
+          <a:p>
+            <a:r>
+              <a:rPr lang="pt-PT" dirty="0" smtClean="0">
+                <a:solidFill>
+                  <a:schemeClr val="bg1"/>
+                </a:solidFill>
+                <a:latin typeface="Constantia" panose="02030602050306030303" pitchFamily="18" charset="0"/>
+              </a:rPr>
+              <a:t>Mestrado Integrado em Engenharia Informática e Computação</a:t>
             </a:r>
             <a:endParaRPr lang="pt-PT" dirty="0">
               <a:solidFill>
@@ -27856,7 +28070,7 @@
                 </a:solidFill>
                 <a:latin typeface="Constantia" panose="02030602050306030303" pitchFamily="18" charset="0"/>
               </a:rPr>
-              <a:t>06/01/2017</a:t>
+              <a:t>06/02/2017</a:t>
             </a:r>
             <a:endParaRPr lang="pt-PT" dirty="0">
               <a:solidFill>
@@ -27888,13 +28102,24 @@
           <a:lstStyle/>
           <a:p>
             <a:r>
-              <a:rPr lang="pt-PT" smtClean="0">
+              <a:rPr lang="pt-PT" dirty="0" smtClean="0">
                 <a:solidFill>
                   <a:schemeClr val="bg1"/>
                 </a:solidFill>
                 <a:latin typeface="Constantia" panose="02030602050306030303" pitchFamily="18" charset="0"/>
               </a:rPr>
-              <a:t>Faculdade de Engenharia da Universidade do Porto Mestrado Integrado em Engenharia Informática e Computação</a:t>
+              <a:t>Faculdade de Engenharia da Universidade do Porto </a:t>
+            </a:r>
+          </a:p>
+          <a:p>
+            <a:r>
+              <a:rPr lang="pt-PT" dirty="0" smtClean="0">
+                <a:solidFill>
+                  <a:schemeClr val="bg1"/>
+                </a:solidFill>
+                <a:latin typeface="Constantia" panose="02030602050306030303" pitchFamily="18" charset="0"/>
+              </a:rPr>
+              <a:t>Mestrado Integrado em Engenharia Informática e Computação</a:t>
             </a:r>
             <a:endParaRPr lang="pt-PT" dirty="0">
               <a:solidFill>
@@ -27999,7 +28224,7 @@
       </p:grpSpPr>
       <p:sp>
         <p:nvSpPr>
-          <p:cNvPr id="9" name="CaixaDeTexto 8"/>
+          <p:cNvPr id="7" name="CaixaDeTexto 6"/>
           <p:cNvSpPr txBox="1"/>
           <p:nvPr/>
         </p:nvSpPr>
@@ -28027,6 +28252,59 @@
       </p:sp>
       <p:sp>
         <p:nvSpPr>
+          <p:cNvPr id="2" name="Título 1"/>
+          <p:cNvSpPr>
+            <a:spLocks noGrp="1"/>
+          </p:cNvSpPr>
+          <p:nvPr>
+            <p:ph type="title"/>
+          </p:nvPr>
+        </p:nvSpPr>
+        <p:spPr/>
+        <p:txBody>
+          <a:bodyPr>
+            <a:normAutofit/>
+          </a:bodyPr>
+          <a:lstStyle/>
+          <a:p>
+            <a:r>
+              <a:rPr lang="pt-PT" sz="4000" b="1" dirty="0" err="1" smtClean="0">
+                <a:solidFill>
+                  <a:srgbClr val="8C2D19"/>
+                </a:solidFill>
+                <a:latin typeface="Berlin Sans FB Demi" panose="020E0802020502020306" pitchFamily="34" charset="0"/>
+              </a:rPr>
+              <a:t>Code</a:t>
+            </a:r>
+            <a:r>
+              <a:rPr lang="pt-PT" sz="4000" b="1" dirty="0" smtClean="0">
+                <a:solidFill>
+                  <a:srgbClr val="8C2D19"/>
+                </a:solidFill>
+                <a:latin typeface="Berlin Sans FB Demi" panose="020E0802020502020306" pitchFamily="34" charset="0"/>
+              </a:rPr>
+              <a:t> </a:t>
+            </a:r>
+            <a:r>
+              <a:rPr lang="pt-PT" sz="4000" b="1" dirty="0" err="1" smtClean="0">
+                <a:solidFill>
+                  <a:srgbClr val="8C2D19"/>
+                </a:solidFill>
+                <a:latin typeface="Berlin Sans FB Demi" panose="020E0802020502020306" pitchFamily="34" charset="0"/>
+              </a:rPr>
+              <a:t>Parallelization</a:t>
+            </a:r>
+            <a:endParaRPr lang="pt-PT" sz="4000" b="1" dirty="0">
+              <a:solidFill>
+                <a:srgbClr val="8C2D19"/>
+              </a:solidFill>
+              <a:latin typeface="Berlin Sans FB Demi" panose="020E0802020502020306" pitchFamily="34" charset="0"/>
+            </a:endParaRPr>
+          </a:p>
+        </p:txBody>
+      </p:sp>
+      <p:sp>
+        <p:nvSpPr>
           <p:cNvPr id="4" name="Marcador de Posição da Data 3"/>
           <p:cNvSpPr>
             <a:spLocks noGrp="1"/>
@@ -28047,7 +28325,7 @@
                 </a:solidFill>
                 <a:latin typeface="Constantia" panose="02030602050306030303" pitchFamily="18" charset="0"/>
               </a:rPr>
-              <a:t>06/01/2017</a:t>
+              <a:t>06/02/2017</a:t>
             </a:r>
             <a:endParaRPr lang="pt-PT" dirty="0">
               <a:solidFill>
@@ -28070,8 +28348,8 @@
         </p:nvSpPr>
         <p:spPr>
           <a:xfrm>
-            <a:off x="4004095" y="6356350"/>
-            <a:ext cx="4363529" cy="365125"/>
+            <a:off x="4038599" y="6356350"/>
+            <a:ext cx="4337649" cy="365125"/>
           </a:xfrm>
         </p:spPr>
         <p:txBody>
@@ -28079,13 +28357,24 @@
           <a:lstStyle/>
           <a:p>
             <a:r>
-              <a:rPr lang="pt-PT" smtClean="0">
+              <a:rPr lang="pt-PT" dirty="0" smtClean="0">
                 <a:solidFill>
                   <a:schemeClr val="bg1"/>
                 </a:solidFill>
                 <a:latin typeface="Constantia" panose="02030602050306030303" pitchFamily="18" charset="0"/>
               </a:rPr>
-              <a:t>Faculdade de Engenharia da Universidade do Porto Mestrado Integrado em Engenharia Informática e Computação</a:t>
+              <a:t>Faculdade de Engenharia da Universidade do Porto </a:t>
+            </a:r>
+          </a:p>
+          <a:p>
+            <a:r>
+              <a:rPr lang="pt-PT" dirty="0" smtClean="0">
+                <a:solidFill>
+                  <a:schemeClr val="bg1"/>
+                </a:solidFill>
+                <a:latin typeface="Constantia" panose="02030602050306030303" pitchFamily="18" charset="0"/>
+              </a:rPr>
+              <a:t>Mestrado Integrado em Engenharia Informática e Computação</a:t>
             </a:r>
             <a:endParaRPr lang="pt-PT" dirty="0">
               <a:solidFill>
@@ -28129,92 +28418,32 @@
           </a:p>
         </p:txBody>
       </p:sp>
-      <p:sp>
-        <p:nvSpPr>
-          <p:cNvPr id="26" name="Título 1"/>
-          <p:cNvSpPr>
-            <a:spLocks noGrp="1"/>
-          </p:cNvSpPr>
+      <p:graphicFrame>
+        <p:nvGraphicFramePr>
+          <p:cNvPr id="3" name="Diagrama 2"/>
+          <p:cNvGraphicFramePr/>
           <p:nvPr>
-            <p:ph type="title"/>
+            <p:extLst>
+              <p:ext uri="{D42A27DB-BD31-4B8C-83A1-F6EECF244321}">
+                <p14:modId xmlns:p14="http://schemas.microsoft.com/office/powerpoint/2010/main" val="2112896172"/>
+              </p:ext>
+            </p:extLst>
           </p:nvPr>
-        </p:nvSpPr>
-        <p:spPr>
-          <a:xfrm>
-            <a:off x="838200" y="365125"/>
-            <a:ext cx="10515600" cy="1325563"/>
-          </a:xfrm>
-        </p:spPr>
-        <p:txBody>
-          <a:bodyPr>
-            <a:normAutofit/>
-          </a:bodyPr>
-          <a:lstStyle/>
-          <a:p>
-            <a:r>
-              <a:rPr lang="pt-PT" sz="4000" b="1" dirty="0" err="1" smtClean="0">
-                <a:solidFill>
-                  <a:srgbClr val="8C2D19"/>
-                </a:solidFill>
-                <a:latin typeface="Berlin Sans FB Demi" panose="020E0802020502020306" pitchFamily="34" charset="0"/>
-              </a:rPr>
-              <a:t>Heterogeneous</a:t>
-            </a:r>
-            <a:r>
-              <a:rPr lang="pt-PT" sz="4000" b="1" dirty="0" smtClean="0">
-                <a:solidFill>
-                  <a:srgbClr val="8C2D19"/>
-                </a:solidFill>
-                <a:latin typeface="Berlin Sans FB Demi" panose="020E0802020502020306" pitchFamily="34" charset="0"/>
-              </a:rPr>
-              <a:t> </a:t>
-            </a:r>
-            <a:r>
-              <a:rPr lang="pt-PT" sz="4000" b="1" dirty="0" err="1" smtClean="0">
-                <a:solidFill>
-                  <a:srgbClr val="8C2D19"/>
-                </a:solidFill>
-                <a:latin typeface="Berlin Sans FB Demi" panose="020E0802020502020306" pitchFamily="34" charset="0"/>
-              </a:rPr>
-              <a:t>Components</a:t>
-            </a:r>
-            <a:endParaRPr lang="pt-PT" sz="4000" b="1" dirty="0">
-              <a:solidFill>
-                <a:srgbClr val="8C2D19"/>
-              </a:solidFill>
-              <a:latin typeface="Berlin Sans FB Demi" panose="020E0802020502020306" pitchFamily="34" charset="0"/>
-            </a:endParaRPr>
-          </a:p>
-        </p:txBody>
-      </p:sp>
-      <p:pic>
-        <p:nvPicPr>
-          <p:cNvPr id="11" name="Imagem 10"/>
-          <p:cNvPicPr>
-            <a:picLocks noChangeAspect="1"/>
-          </p:cNvPicPr>
-          <p:nvPr/>
-        </p:nvPicPr>
-        <p:blipFill>
-          <a:blip r:embed="rId3"/>
-          <a:stretch>
-            <a:fillRect/>
-          </a:stretch>
-        </p:blipFill>
-        <p:spPr>
-          <a:xfrm>
-            <a:off x="3606719" y="1810140"/>
-            <a:ext cx="5158279" cy="3796003"/>
-          </a:xfrm>
-          <a:prstGeom prst="rect">
-            <a:avLst/>
-          </a:prstGeom>
-        </p:spPr>
-      </p:pic>
+        </p:nvGraphicFramePr>
+        <p:xfrm>
+          <a:off x="1763485" y="1810140"/>
+          <a:ext cx="8654143" cy="3830852"/>
+        </p:xfrm>
+        <a:graphic>
+          <a:graphicData uri="http://schemas.openxmlformats.org/drawingml/2006/diagram">
+            <dgm:relIds xmlns:dgm="http://schemas.openxmlformats.org/drawingml/2006/diagram" xmlns:r="http://schemas.openxmlformats.org/officeDocument/2006/relationships" r:dm="rId3" r:lo="rId4" r:qs="rId5" r:cs="rId6"/>
+          </a:graphicData>
+        </a:graphic>
+      </p:graphicFrame>
     </p:spTree>
     <p:extLst>
       <p:ext uri="{BB962C8B-B14F-4D97-AF65-F5344CB8AC3E}">
-        <p14:creationId xmlns:p14="http://schemas.microsoft.com/office/powerpoint/2010/main" val="3049672467"/>
+        <p14:creationId xmlns:p14="http://schemas.microsoft.com/office/powerpoint/2010/main" val="4280175038"/>
       </p:ext>
     </p:extLst>
   </p:cSld>
@@ -28300,25 +28529,7 @@
                 </a:solidFill>
                 <a:latin typeface="Berlin Sans FB Demi" panose="020E0802020502020306" pitchFamily="34" charset="0"/>
               </a:rPr>
-              <a:t>Code</a:t>
-            </a:r>
-            <a:r>
-              <a:rPr lang="pt-PT" sz="4000" b="1" dirty="0" smtClean="0">
-                <a:solidFill>
-                  <a:srgbClr val="8C2D19"/>
-                </a:solidFill>
-                <a:latin typeface="Berlin Sans FB Demi" panose="020E0802020502020306" pitchFamily="34" charset="0"/>
-              </a:rPr>
-              <a:t> </a:t>
-            </a:r>
-            <a:r>
-              <a:rPr lang="pt-PT" sz="4000" b="1" dirty="0" err="1" smtClean="0">
-                <a:solidFill>
-                  <a:srgbClr val="8C2D19"/>
-                </a:solidFill>
-                <a:latin typeface="Berlin Sans FB Demi" panose="020E0802020502020306" pitchFamily="34" charset="0"/>
-              </a:rPr>
-              <a:t>Parallelization</a:t>
+              <a:t>Problem</a:t>
             </a:r>
             <a:endParaRPr lang="pt-PT" sz="4000" b="1" dirty="0">
               <a:solidFill>
@@ -28351,7 +28562,7 @@
                 </a:solidFill>
                 <a:latin typeface="Constantia" panose="02030602050306030303" pitchFamily="18" charset="0"/>
               </a:rPr>
-              <a:t>06/01/2017</a:t>
+              <a:t>06/02/2017</a:t>
             </a:r>
             <a:endParaRPr lang="pt-PT" dirty="0">
               <a:solidFill>
@@ -28383,13 +28594,24 @@
           <a:lstStyle/>
           <a:p>
             <a:r>
-              <a:rPr lang="pt-PT" smtClean="0">
+              <a:rPr lang="pt-PT" dirty="0" smtClean="0">
                 <a:solidFill>
                   <a:schemeClr val="bg1"/>
                 </a:solidFill>
                 <a:latin typeface="Constantia" panose="02030602050306030303" pitchFamily="18" charset="0"/>
               </a:rPr>
-              <a:t>Faculdade de Engenharia da Universidade do Porto Mestrado Integrado em Engenharia Informática e Computação</a:t>
+              <a:t>Faculdade de Engenharia da Universidade do Porto </a:t>
+            </a:r>
+          </a:p>
+          <a:p>
+            <a:r>
+              <a:rPr lang="pt-PT" dirty="0" smtClean="0">
+                <a:solidFill>
+                  <a:schemeClr val="bg1"/>
+                </a:solidFill>
+                <a:latin typeface="Constantia" panose="02030602050306030303" pitchFamily="18" charset="0"/>
+              </a:rPr>
+              <a:t>Mestrado Integrado em Engenharia Informática e Computação</a:t>
             </a:r>
             <a:endParaRPr lang="pt-PT" dirty="0">
               <a:solidFill>
@@ -28433,32 +28655,196 @@
           </a:p>
         </p:txBody>
       </p:sp>
-      <p:graphicFrame>
-        <p:nvGraphicFramePr>
-          <p:cNvPr id="3" name="Diagrama 2"/>
-          <p:cNvGraphicFramePr/>
-          <p:nvPr>
-            <p:extLst>
-              <p:ext uri="{D42A27DB-BD31-4B8C-83A1-F6EECF244321}">
-                <p14:modId xmlns:p14="http://schemas.microsoft.com/office/powerpoint/2010/main" val="2112896172"/>
-              </p:ext>
-            </p:extLst>
-          </p:nvPr>
-        </p:nvGraphicFramePr>
-        <p:xfrm>
-          <a:off x="1763485" y="1810140"/>
-          <a:ext cx="8654143" cy="3830852"/>
-        </p:xfrm>
-        <a:graphic>
-          <a:graphicData uri="http://schemas.openxmlformats.org/drawingml/2006/diagram">
-            <dgm:relIds xmlns:dgm="http://schemas.openxmlformats.org/drawingml/2006/diagram" xmlns:r="http://schemas.openxmlformats.org/officeDocument/2006/relationships" r:dm="rId3" r:lo="rId4" r:qs="rId5" r:cs="rId6"/>
-          </a:graphicData>
-        </a:graphic>
-      </p:graphicFrame>
+      <p:pic>
+        <p:nvPicPr>
+          <p:cNvPr id="8" name="Imagem 7"/>
+          <p:cNvPicPr>
+            <a:picLocks noChangeAspect="1"/>
+          </p:cNvPicPr>
+          <p:nvPr/>
+        </p:nvPicPr>
+        <p:blipFill>
+          <a:blip r:embed="rId2">
+            <a:extLst>
+              <a:ext uri="{28A0092B-C50C-407E-A947-70E740481C1C}">
+                <a14:useLocalDpi xmlns:a14="http://schemas.microsoft.com/office/drawing/2010/main" val="0"/>
+              </a:ext>
+            </a:extLst>
+          </a:blip>
+          <a:stretch>
+            <a:fillRect/>
+          </a:stretch>
+        </p:blipFill>
+        <p:spPr>
+          <a:xfrm>
+            <a:off x="8042606" y="2219422"/>
+            <a:ext cx="2482575" cy="2359765"/>
+          </a:xfrm>
+          <a:prstGeom prst="rect">
+            <a:avLst/>
+          </a:prstGeom>
+        </p:spPr>
+      </p:pic>
+      <p:pic>
+        <p:nvPicPr>
+          <p:cNvPr id="9" name="Imagem 8"/>
+          <p:cNvPicPr>
+            <a:picLocks noChangeAspect="1"/>
+          </p:cNvPicPr>
+          <p:nvPr/>
+        </p:nvPicPr>
+        <p:blipFill>
+          <a:blip r:embed="rId3">
+            <a:extLst>
+              <a:ext uri="{28A0092B-C50C-407E-A947-70E740481C1C}">
+                <a14:useLocalDpi xmlns:a14="http://schemas.microsoft.com/office/drawing/2010/main" val="0"/>
+              </a:ext>
+            </a:extLst>
+          </a:blip>
+          <a:stretch>
+            <a:fillRect/>
+          </a:stretch>
+        </p:blipFill>
+        <p:spPr>
+          <a:xfrm>
+            <a:off x="1416166" y="2229426"/>
+            <a:ext cx="2482575" cy="2482575"/>
+          </a:xfrm>
+          <a:prstGeom prst="rect">
+            <a:avLst/>
+          </a:prstGeom>
+        </p:spPr>
+      </p:pic>
+      <p:pic>
+        <p:nvPicPr>
+          <p:cNvPr id="11" name="Imagem 10"/>
+          <p:cNvPicPr>
+            <a:picLocks noChangeAspect="1"/>
+          </p:cNvPicPr>
+          <p:nvPr/>
+        </p:nvPicPr>
+        <p:blipFill>
+          <a:blip r:embed="rId4" cstate="print">
+            <a:extLst>
+              <a:ext uri="{28A0092B-C50C-407E-A947-70E740481C1C}">
+                <a14:useLocalDpi xmlns:a14="http://schemas.microsoft.com/office/drawing/2010/main" val="0"/>
+              </a:ext>
+            </a:extLst>
+          </a:blip>
+          <a:stretch>
+            <a:fillRect/>
+          </a:stretch>
+        </p:blipFill>
+        <p:spPr>
+          <a:xfrm>
+            <a:off x="5562032" y="2936640"/>
+            <a:ext cx="942713" cy="942713"/>
+          </a:xfrm>
+          <a:prstGeom prst="rect">
+            <a:avLst/>
+          </a:prstGeom>
+        </p:spPr>
+      </p:pic>
+      <p:sp>
+        <p:nvSpPr>
+          <p:cNvPr id="12" name="CaixaDeTexto 11"/>
+          <p:cNvSpPr txBox="1"/>
+          <p:nvPr/>
+        </p:nvSpPr>
+        <p:spPr>
+          <a:xfrm>
+            <a:off x="1530288" y="4990274"/>
+            <a:ext cx="2570673" cy="707886"/>
+          </a:xfrm>
+          <a:prstGeom prst="rect">
+            <a:avLst/>
+          </a:prstGeom>
+          <a:noFill/>
+        </p:spPr>
+        <p:txBody>
+          <a:bodyPr wrap="square" rtlCol="0">
+            <a:spAutoFit/>
+          </a:bodyPr>
+          <a:lstStyle/>
+          <a:p>
+            <a:r>
+              <a:rPr lang="pt-PT" sz="2000" dirty="0" smtClean="0">
+                <a:latin typeface="Constantia" panose="02030602050306030303" pitchFamily="18" charset="0"/>
+              </a:rPr>
+              <a:t>Software </a:t>
+            </a:r>
+            <a:r>
+              <a:rPr lang="pt-PT" sz="2000" dirty="0" err="1" smtClean="0">
+                <a:latin typeface="Constantia" panose="02030602050306030303" pitchFamily="18" charset="0"/>
+              </a:rPr>
+              <a:t>Application</a:t>
+            </a:r>
+            <a:endParaRPr lang="pt-PT" sz="2000" dirty="0" smtClean="0">
+              <a:latin typeface="Constantia" panose="02030602050306030303" pitchFamily="18" charset="0"/>
+            </a:endParaRPr>
+          </a:p>
+          <a:p>
+            <a:endParaRPr lang="pt-PT" sz="2000" dirty="0">
+              <a:latin typeface="Constantia" panose="02030602050306030303" pitchFamily="18" charset="0"/>
+            </a:endParaRPr>
+          </a:p>
+        </p:txBody>
+      </p:sp>
+      <p:sp>
+        <p:nvSpPr>
+          <p:cNvPr id="13" name="CaixaDeTexto 12"/>
+          <p:cNvSpPr txBox="1"/>
+          <p:nvPr/>
+        </p:nvSpPr>
+        <p:spPr>
+          <a:xfrm>
+            <a:off x="8042606" y="4985111"/>
+            <a:ext cx="2729114" cy="707886"/>
+          </a:xfrm>
+          <a:prstGeom prst="rect">
+            <a:avLst/>
+          </a:prstGeom>
+          <a:noFill/>
+        </p:spPr>
+        <p:txBody>
+          <a:bodyPr wrap="square" rtlCol="0">
+            <a:spAutoFit/>
+          </a:bodyPr>
+          <a:lstStyle/>
+          <a:p>
+            <a:r>
+              <a:rPr lang="pt-PT" sz="2000" dirty="0" err="1" smtClean="0">
+                <a:latin typeface="Constantia" panose="02030602050306030303" pitchFamily="18" charset="0"/>
+              </a:rPr>
+              <a:t>Heterogeneous</a:t>
+            </a:r>
+            <a:r>
+              <a:rPr lang="pt-PT" sz="2000" dirty="0" smtClean="0">
+                <a:latin typeface="Constantia" panose="02030602050306030303" pitchFamily="18" charset="0"/>
+              </a:rPr>
+              <a:t> </a:t>
+            </a:r>
+            <a:r>
+              <a:rPr lang="pt-PT" sz="2000" dirty="0" err="1" smtClean="0">
+                <a:latin typeface="Constantia" panose="02030602050306030303" pitchFamily="18" charset="0"/>
+              </a:rPr>
+              <a:t>System</a:t>
+            </a:r>
+            <a:endParaRPr lang="pt-PT" sz="2000" dirty="0" smtClean="0">
+              <a:latin typeface="Constantia" panose="02030602050306030303" pitchFamily="18" charset="0"/>
+            </a:endParaRPr>
+          </a:p>
+          <a:p>
+            <a:endParaRPr lang="pt-PT" sz="2000" dirty="0">
+              <a:latin typeface="Constantia" panose="02030602050306030303" pitchFamily="18" charset="0"/>
+            </a:endParaRPr>
+          </a:p>
+        </p:txBody>
+      </p:sp>
     </p:spTree>
     <p:extLst>
       <p:ext uri="{BB962C8B-B14F-4D97-AF65-F5344CB8AC3E}">
-        <p14:creationId xmlns:p14="http://schemas.microsoft.com/office/powerpoint/2010/main" val="4280175038"/>
+        <p14:creationId xmlns:p14="http://schemas.microsoft.com/office/powerpoint/2010/main" val="4066571183"/>
       </p:ext>
     </p:extLst>
   </p:cSld>
